--- a/DigSite/New Arcaism/uarm 2024 2/contemporanea/Bernstein 1 Falibilismo.pptx
+++ b/DigSite/New Arcaism/uarm 2024 2/contemporanea/Bernstein 1 Falibilismo.pptx
@@ -15,25 +15,43 @@
     <p:sldId id="257" r:id="rId9"/>
     <p:sldId id="265" r:id="rId10"/>
     <p:sldId id="266" r:id="rId11"/>
-    <p:sldId id="258" r:id="rId12"/>
-    <p:sldId id="259" r:id="rId13"/>
-    <p:sldId id="260" r:id="rId14"/>
-    <p:sldId id="261" r:id="rId15"/>
-    <p:sldId id="263" r:id="rId16"/>
-    <p:sldId id="264" r:id="rId17"/>
-    <p:sldId id="262" r:id="rId18"/>
-    <p:sldId id="267" r:id="rId19"/>
-    <p:sldId id="268" r:id="rId20"/>
-    <p:sldId id="269" r:id="rId21"/>
-    <p:sldId id="270" r:id="rId22"/>
-    <p:sldId id="271" r:id="rId23"/>
-    <p:sldId id="278" r:id="rId24"/>
-    <p:sldId id="279" r:id="rId25"/>
-    <p:sldId id="280" r:id="rId26"/>
-    <p:sldId id="281" r:id="rId27"/>
-    <p:sldId id="282" r:id="rId28"/>
-    <p:sldId id="283" r:id="rId29"/>
-    <p:sldId id="284" r:id="rId30"/>
+    <p:sldId id="299" r:id="rId12"/>
+    <p:sldId id="285" r:id="rId13"/>
+    <p:sldId id="286" r:id="rId14"/>
+    <p:sldId id="298" r:id="rId15"/>
+    <p:sldId id="287" r:id="rId16"/>
+    <p:sldId id="288" r:id="rId17"/>
+    <p:sldId id="289" r:id="rId18"/>
+    <p:sldId id="290" r:id="rId19"/>
+    <p:sldId id="300" r:id="rId20"/>
+    <p:sldId id="291" r:id="rId21"/>
+    <p:sldId id="292" r:id="rId22"/>
+    <p:sldId id="293" r:id="rId23"/>
+    <p:sldId id="294" r:id="rId24"/>
+    <p:sldId id="301" r:id="rId25"/>
+    <p:sldId id="295" r:id="rId26"/>
+    <p:sldId id="296" r:id="rId27"/>
+    <p:sldId id="297" r:id="rId28"/>
+    <p:sldId id="302" r:id="rId29"/>
+    <p:sldId id="258" r:id="rId30"/>
+    <p:sldId id="259" r:id="rId31"/>
+    <p:sldId id="260" r:id="rId32"/>
+    <p:sldId id="261" r:id="rId33"/>
+    <p:sldId id="263" r:id="rId34"/>
+    <p:sldId id="264" r:id="rId35"/>
+    <p:sldId id="262" r:id="rId36"/>
+    <p:sldId id="267" r:id="rId37"/>
+    <p:sldId id="268" r:id="rId38"/>
+    <p:sldId id="269" r:id="rId39"/>
+    <p:sldId id="270" r:id="rId40"/>
+    <p:sldId id="271" r:id="rId41"/>
+    <p:sldId id="278" r:id="rId42"/>
+    <p:sldId id="279" r:id="rId43"/>
+    <p:sldId id="280" r:id="rId44"/>
+    <p:sldId id="281" r:id="rId45"/>
+    <p:sldId id="282" r:id="rId46"/>
+    <p:sldId id="283" r:id="rId47"/>
+    <p:sldId id="284" r:id="rId48"/>
   </p:sldIdLst>
   <p:sldSz cx="12192000" cy="6858000"/>
   <p:notesSz cx="6858000" cy="9144000"/>
@@ -182,7 +200,7 @@
           </a:lstStyle>
           <a:p>
             <a:r>
-              <a:rPr lang="es-ES" smtClean="0"/>
+              <a:rPr lang="es-ES"/>
               <a:t>Haga clic para modificar el estilo de título del patrón</a:t>
             </a:r>
             <a:endParaRPr lang="es-PE"/>
@@ -247,7 +265,7 @@
           </a:lstStyle>
           <a:p>
             <a:r>
-              <a:rPr lang="es-ES" smtClean="0"/>
+              <a:rPr lang="es-ES"/>
               <a:t>Haga clic para editar el estilo de subtítulo del patrón</a:t>
             </a:r>
             <a:endParaRPr lang="es-PE"/>
@@ -271,7 +289,7 @@
           <a:p>
             <a:fld id="{10A35308-85F4-494A-B056-7C1E95C70AE7}" type="datetimeFigureOut">
               <a:rPr lang="es-PE" smtClean="0"/>
-              <a:t>19/10/2021</a:t>
+              <a:t>28/11/2024</a:t>
             </a:fld>
             <a:endParaRPr lang="es-PE"/>
           </a:p>
@@ -313,7 +331,7 @@
           <a:p>
             <a:fld id="{5C0228D4-B715-48AE-83CA-8C94CA89C827}" type="slidenum">
               <a:rPr lang="es-PE" smtClean="0"/>
-              <a:t>‹Nº›</a:t>
+              <a:t>‹#›</a:t>
             </a:fld>
             <a:endParaRPr lang="es-PE"/>
           </a:p>
@@ -365,7 +383,7 @@
           <a:lstStyle/>
           <a:p>
             <a:r>
-              <a:rPr lang="es-ES" smtClean="0"/>
+              <a:rPr lang="es-ES"/>
               <a:t>Haga clic para modificar el estilo de título del patrón</a:t>
             </a:r>
             <a:endParaRPr lang="es-PE"/>
@@ -389,35 +407,35 @@
           <a:p>
             <a:pPr lvl="0"/>
             <a:r>
-              <a:rPr lang="es-ES" smtClean="0"/>
+              <a:rPr lang="es-ES"/>
               <a:t>Editar el estilo de texto del patrón</a:t>
             </a:r>
           </a:p>
           <a:p>
             <a:pPr lvl="1"/>
             <a:r>
-              <a:rPr lang="es-ES" smtClean="0"/>
+              <a:rPr lang="es-ES"/>
               <a:t>Segundo nivel</a:t>
             </a:r>
           </a:p>
           <a:p>
             <a:pPr lvl="2"/>
             <a:r>
-              <a:rPr lang="es-ES" smtClean="0"/>
+              <a:rPr lang="es-ES"/>
               <a:t>Tercer nivel</a:t>
             </a:r>
           </a:p>
           <a:p>
             <a:pPr lvl="3"/>
             <a:r>
-              <a:rPr lang="es-ES" smtClean="0"/>
+              <a:rPr lang="es-ES"/>
               <a:t>Cuarto nivel</a:t>
             </a:r>
           </a:p>
           <a:p>
             <a:pPr lvl="4"/>
             <a:r>
-              <a:rPr lang="es-ES" smtClean="0"/>
+              <a:rPr lang="es-ES"/>
               <a:t>Quinto nivel</a:t>
             </a:r>
             <a:endParaRPr lang="es-PE"/>
@@ -441,7 +459,7 @@
           <a:p>
             <a:fld id="{10A35308-85F4-494A-B056-7C1E95C70AE7}" type="datetimeFigureOut">
               <a:rPr lang="es-PE" smtClean="0"/>
-              <a:t>19/10/2021</a:t>
+              <a:t>28/11/2024</a:t>
             </a:fld>
             <a:endParaRPr lang="es-PE"/>
           </a:p>
@@ -483,7 +501,7 @@
           <a:p>
             <a:fld id="{5C0228D4-B715-48AE-83CA-8C94CA89C827}" type="slidenum">
               <a:rPr lang="es-PE" smtClean="0"/>
-              <a:t>‹Nº›</a:t>
+              <a:t>‹#›</a:t>
             </a:fld>
             <a:endParaRPr lang="es-PE"/>
           </a:p>
@@ -540,7 +558,7 @@
           <a:lstStyle/>
           <a:p>
             <a:r>
-              <a:rPr lang="es-ES" smtClean="0"/>
+              <a:rPr lang="es-ES"/>
               <a:t>Haga clic para modificar el estilo de título del patrón</a:t>
             </a:r>
             <a:endParaRPr lang="es-PE"/>
@@ -569,35 +587,35 @@
           <a:p>
             <a:pPr lvl="0"/>
             <a:r>
-              <a:rPr lang="es-ES" smtClean="0"/>
+              <a:rPr lang="es-ES"/>
               <a:t>Editar el estilo de texto del patrón</a:t>
             </a:r>
           </a:p>
           <a:p>
             <a:pPr lvl="1"/>
             <a:r>
-              <a:rPr lang="es-ES" smtClean="0"/>
+              <a:rPr lang="es-ES"/>
               <a:t>Segundo nivel</a:t>
             </a:r>
           </a:p>
           <a:p>
             <a:pPr lvl="2"/>
             <a:r>
-              <a:rPr lang="es-ES" smtClean="0"/>
+              <a:rPr lang="es-ES"/>
               <a:t>Tercer nivel</a:t>
             </a:r>
           </a:p>
           <a:p>
             <a:pPr lvl="3"/>
             <a:r>
-              <a:rPr lang="es-ES" smtClean="0"/>
+              <a:rPr lang="es-ES"/>
               <a:t>Cuarto nivel</a:t>
             </a:r>
           </a:p>
           <a:p>
             <a:pPr lvl="4"/>
             <a:r>
-              <a:rPr lang="es-ES" smtClean="0"/>
+              <a:rPr lang="es-ES"/>
               <a:t>Quinto nivel</a:t>
             </a:r>
             <a:endParaRPr lang="es-PE"/>
@@ -621,7 +639,7 @@
           <a:p>
             <a:fld id="{10A35308-85F4-494A-B056-7C1E95C70AE7}" type="datetimeFigureOut">
               <a:rPr lang="es-PE" smtClean="0"/>
-              <a:t>19/10/2021</a:t>
+              <a:t>28/11/2024</a:t>
             </a:fld>
             <a:endParaRPr lang="es-PE"/>
           </a:p>
@@ -663,7 +681,7 @@
           <a:p>
             <a:fld id="{5C0228D4-B715-48AE-83CA-8C94CA89C827}" type="slidenum">
               <a:rPr lang="es-PE" smtClean="0"/>
-              <a:t>‹Nº›</a:t>
+              <a:t>‹#›</a:t>
             </a:fld>
             <a:endParaRPr lang="es-PE"/>
           </a:p>
@@ -715,7 +733,7 @@
           <a:lstStyle/>
           <a:p>
             <a:r>
-              <a:rPr lang="es-ES" smtClean="0"/>
+              <a:rPr lang="es-ES"/>
               <a:t>Haga clic para modificar el estilo de título del patrón</a:t>
             </a:r>
             <a:endParaRPr lang="es-PE"/>
@@ -739,35 +757,35 @@
           <a:p>
             <a:pPr lvl="0"/>
             <a:r>
-              <a:rPr lang="es-ES" smtClean="0"/>
+              <a:rPr lang="es-ES"/>
               <a:t>Editar el estilo de texto del patrón</a:t>
             </a:r>
           </a:p>
           <a:p>
             <a:pPr lvl="1"/>
             <a:r>
-              <a:rPr lang="es-ES" smtClean="0"/>
+              <a:rPr lang="es-ES"/>
               <a:t>Segundo nivel</a:t>
             </a:r>
           </a:p>
           <a:p>
             <a:pPr lvl="2"/>
             <a:r>
-              <a:rPr lang="es-ES" smtClean="0"/>
+              <a:rPr lang="es-ES"/>
               <a:t>Tercer nivel</a:t>
             </a:r>
           </a:p>
           <a:p>
             <a:pPr lvl="3"/>
             <a:r>
-              <a:rPr lang="es-ES" smtClean="0"/>
+              <a:rPr lang="es-ES"/>
               <a:t>Cuarto nivel</a:t>
             </a:r>
           </a:p>
           <a:p>
             <a:pPr lvl="4"/>
             <a:r>
-              <a:rPr lang="es-ES" smtClean="0"/>
+              <a:rPr lang="es-ES"/>
               <a:t>Quinto nivel</a:t>
             </a:r>
             <a:endParaRPr lang="es-PE"/>
@@ -791,7 +809,7 @@
           <a:p>
             <a:fld id="{10A35308-85F4-494A-B056-7C1E95C70AE7}" type="datetimeFigureOut">
               <a:rPr lang="es-PE" smtClean="0"/>
-              <a:t>19/10/2021</a:t>
+              <a:t>28/11/2024</a:t>
             </a:fld>
             <a:endParaRPr lang="es-PE"/>
           </a:p>
@@ -833,7 +851,7 @@
           <a:p>
             <a:fld id="{5C0228D4-B715-48AE-83CA-8C94CA89C827}" type="slidenum">
               <a:rPr lang="es-PE" smtClean="0"/>
-              <a:t>‹Nº›</a:t>
+              <a:t>‹#›</a:t>
             </a:fld>
             <a:endParaRPr lang="es-PE"/>
           </a:p>
@@ -894,7 +912,7 @@
           </a:lstStyle>
           <a:p>
             <a:r>
-              <a:rPr lang="es-ES" smtClean="0"/>
+              <a:rPr lang="es-ES"/>
               <a:t>Haga clic para modificar el estilo de título del patrón</a:t>
             </a:r>
             <a:endParaRPr lang="es-PE"/>
@@ -1014,7 +1032,7 @@
           <a:p>
             <a:pPr lvl="0"/>
             <a:r>
-              <a:rPr lang="es-ES" smtClean="0"/>
+              <a:rPr lang="es-ES"/>
               <a:t>Editar el estilo de texto del patrón</a:t>
             </a:r>
           </a:p>
@@ -1037,7 +1055,7 @@
           <a:p>
             <a:fld id="{10A35308-85F4-494A-B056-7C1E95C70AE7}" type="datetimeFigureOut">
               <a:rPr lang="es-PE" smtClean="0"/>
-              <a:t>19/10/2021</a:t>
+              <a:t>28/11/2024</a:t>
             </a:fld>
             <a:endParaRPr lang="es-PE"/>
           </a:p>
@@ -1079,7 +1097,7 @@
           <a:p>
             <a:fld id="{5C0228D4-B715-48AE-83CA-8C94CA89C827}" type="slidenum">
               <a:rPr lang="es-PE" smtClean="0"/>
-              <a:t>‹Nº›</a:t>
+              <a:t>‹#›</a:t>
             </a:fld>
             <a:endParaRPr lang="es-PE"/>
           </a:p>
@@ -1131,7 +1149,7 @@
           <a:lstStyle/>
           <a:p>
             <a:r>
-              <a:rPr lang="es-ES" smtClean="0"/>
+              <a:rPr lang="es-ES"/>
               <a:t>Haga clic para modificar el estilo de título del patrón</a:t>
             </a:r>
             <a:endParaRPr lang="es-PE"/>
@@ -1160,35 +1178,35 @@
           <a:p>
             <a:pPr lvl="0"/>
             <a:r>
-              <a:rPr lang="es-ES" smtClean="0"/>
+              <a:rPr lang="es-ES"/>
               <a:t>Editar el estilo de texto del patrón</a:t>
             </a:r>
           </a:p>
           <a:p>
             <a:pPr lvl="1"/>
             <a:r>
-              <a:rPr lang="es-ES" smtClean="0"/>
+              <a:rPr lang="es-ES"/>
               <a:t>Segundo nivel</a:t>
             </a:r>
           </a:p>
           <a:p>
             <a:pPr lvl="2"/>
             <a:r>
-              <a:rPr lang="es-ES" smtClean="0"/>
+              <a:rPr lang="es-ES"/>
               <a:t>Tercer nivel</a:t>
             </a:r>
           </a:p>
           <a:p>
             <a:pPr lvl="3"/>
             <a:r>
-              <a:rPr lang="es-ES" smtClean="0"/>
+              <a:rPr lang="es-ES"/>
               <a:t>Cuarto nivel</a:t>
             </a:r>
           </a:p>
           <a:p>
             <a:pPr lvl="4"/>
             <a:r>
-              <a:rPr lang="es-ES" smtClean="0"/>
+              <a:rPr lang="es-ES"/>
               <a:t>Quinto nivel</a:t>
             </a:r>
             <a:endParaRPr lang="es-PE"/>
@@ -1217,35 +1235,35 @@
           <a:p>
             <a:pPr lvl="0"/>
             <a:r>
-              <a:rPr lang="es-ES" smtClean="0"/>
+              <a:rPr lang="es-ES"/>
               <a:t>Editar el estilo de texto del patrón</a:t>
             </a:r>
           </a:p>
           <a:p>
             <a:pPr lvl="1"/>
             <a:r>
-              <a:rPr lang="es-ES" smtClean="0"/>
+              <a:rPr lang="es-ES"/>
               <a:t>Segundo nivel</a:t>
             </a:r>
           </a:p>
           <a:p>
             <a:pPr lvl="2"/>
             <a:r>
-              <a:rPr lang="es-ES" smtClean="0"/>
+              <a:rPr lang="es-ES"/>
               <a:t>Tercer nivel</a:t>
             </a:r>
           </a:p>
           <a:p>
             <a:pPr lvl="3"/>
             <a:r>
-              <a:rPr lang="es-ES" smtClean="0"/>
+              <a:rPr lang="es-ES"/>
               <a:t>Cuarto nivel</a:t>
             </a:r>
           </a:p>
           <a:p>
             <a:pPr lvl="4"/>
             <a:r>
-              <a:rPr lang="es-ES" smtClean="0"/>
+              <a:rPr lang="es-ES"/>
               <a:t>Quinto nivel</a:t>
             </a:r>
             <a:endParaRPr lang="es-PE"/>
@@ -1269,7 +1287,7 @@
           <a:p>
             <a:fld id="{10A35308-85F4-494A-B056-7C1E95C70AE7}" type="datetimeFigureOut">
               <a:rPr lang="es-PE" smtClean="0"/>
-              <a:t>19/10/2021</a:t>
+              <a:t>28/11/2024</a:t>
             </a:fld>
             <a:endParaRPr lang="es-PE"/>
           </a:p>
@@ -1311,7 +1329,7 @@
           <a:p>
             <a:fld id="{5C0228D4-B715-48AE-83CA-8C94CA89C827}" type="slidenum">
               <a:rPr lang="es-PE" smtClean="0"/>
-              <a:t>‹Nº›</a:t>
+              <a:t>‹#›</a:t>
             </a:fld>
             <a:endParaRPr lang="es-PE"/>
           </a:p>
@@ -1368,7 +1386,7 @@
           <a:lstStyle/>
           <a:p>
             <a:r>
-              <a:rPr lang="es-ES" smtClean="0"/>
+              <a:rPr lang="es-ES"/>
               <a:t>Haga clic para modificar el estilo de título del patrón</a:t>
             </a:r>
             <a:endParaRPr lang="es-PE"/>
@@ -1434,7 +1452,7 @@
           <a:p>
             <a:pPr lvl="0"/>
             <a:r>
-              <a:rPr lang="es-ES" smtClean="0"/>
+              <a:rPr lang="es-ES"/>
               <a:t>Editar el estilo de texto del patrón</a:t>
             </a:r>
           </a:p>
@@ -1462,35 +1480,35 @@
           <a:p>
             <a:pPr lvl="0"/>
             <a:r>
-              <a:rPr lang="es-ES" smtClean="0"/>
+              <a:rPr lang="es-ES"/>
               <a:t>Editar el estilo de texto del patrón</a:t>
             </a:r>
           </a:p>
           <a:p>
             <a:pPr lvl="1"/>
             <a:r>
-              <a:rPr lang="es-ES" smtClean="0"/>
+              <a:rPr lang="es-ES"/>
               <a:t>Segundo nivel</a:t>
             </a:r>
           </a:p>
           <a:p>
             <a:pPr lvl="2"/>
             <a:r>
-              <a:rPr lang="es-ES" smtClean="0"/>
+              <a:rPr lang="es-ES"/>
               <a:t>Tercer nivel</a:t>
             </a:r>
           </a:p>
           <a:p>
             <a:pPr lvl="3"/>
             <a:r>
-              <a:rPr lang="es-ES" smtClean="0"/>
+              <a:rPr lang="es-ES"/>
               <a:t>Cuarto nivel</a:t>
             </a:r>
           </a:p>
           <a:p>
             <a:pPr lvl="4"/>
             <a:r>
-              <a:rPr lang="es-ES" smtClean="0"/>
+              <a:rPr lang="es-ES"/>
               <a:t>Quinto nivel</a:t>
             </a:r>
             <a:endParaRPr lang="es-PE"/>
@@ -1556,7 +1574,7 @@
           <a:p>
             <a:pPr lvl="0"/>
             <a:r>
-              <a:rPr lang="es-ES" smtClean="0"/>
+              <a:rPr lang="es-ES"/>
               <a:t>Editar el estilo de texto del patrón</a:t>
             </a:r>
           </a:p>
@@ -1584,35 +1602,35 @@
           <a:p>
             <a:pPr lvl="0"/>
             <a:r>
-              <a:rPr lang="es-ES" smtClean="0"/>
+              <a:rPr lang="es-ES"/>
               <a:t>Editar el estilo de texto del patrón</a:t>
             </a:r>
           </a:p>
           <a:p>
             <a:pPr lvl="1"/>
             <a:r>
-              <a:rPr lang="es-ES" smtClean="0"/>
+              <a:rPr lang="es-ES"/>
               <a:t>Segundo nivel</a:t>
             </a:r>
           </a:p>
           <a:p>
             <a:pPr lvl="2"/>
             <a:r>
-              <a:rPr lang="es-ES" smtClean="0"/>
+              <a:rPr lang="es-ES"/>
               <a:t>Tercer nivel</a:t>
             </a:r>
           </a:p>
           <a:p>
             <a:pPr lvl="3"/>
             <a:r>
-              <a:rPr lang="es-ES" smtClean="0"/>
+              <a:rPr lang="es-ES"/>
               <a:t>Cuarto nivel</a:t>
             </a:r>
           </a:p>
           <a:p>
             <a:pPr lvl="4"/>
             <a:r>
-              <a:rPr lang="es-ES" smtClean="0"/>
+              <a:rPr lang="es-ES"/>
               <a:t>Quinto nivel</a:t>
             </a:r>
             <a:endParaRPr lang="es-PE"/>
@@ -1636,7 +1654,7 @@
           <a:p>
             <a:fld id="{10A35308-85F4-494A-B056-7C1E95C70AE7}" type="datetimeFigureOut">
               <a:rPr lang="es-PE" smtClean="0"/>
-              <a:t>19/10/2021</a:t>
+              <a:t>28/11/2024</a:t>
             </a:fld>
             <a:endParaRPr lang="es-PE"/>
           </a:p>
@@ -1678,7 +1696,7 @@
           <a:p>
             <a:fld id="{5C0228D4-B715-48AE-83CA-8C94CA89C827}" type="slidenum">
               <a:rPr lang="es-PE" smtClean="0"/>
-              <a:t>‹Nº›</a:t>
+              <a:t>‹#›</a:t>
             </a:fld>
             <a:endParaRPr lang="es-PE"/>
           </a:p>
@@ -1730,7 +1748,7 @@
           <a:lstStyle/>
           <a:p>
             <a:r>
-              <a:rPr lang="es-ES" smtClean="0"/>
+              <a:rPr lang="es-ES"/>
               <a:t>Haga clic para modificar el estilo de título del patrón</a:t>
             </a:r>
             <a:endParaRPr lang="es-PE"/>
@@ -1754,7 +1772,7 @@
           <a:p>
             <a:fld id="{10A35308-85F4-494A-B056-7C1E95C70AE7}" type="datetimeFigureOut">
               <a:rPr lang="es-PE" smtClean="0"/>
-              <a:t>19/10/2021</a:t>
+              <a:t>28/11/2024</a:t>
             </a:fld>
             <a:endParaRPr lang="es-PE"/>
           </a:p>
@@ -1796,7 +1814,7 @@
           <a:p>
             <a:fld id="{5C0228D4-B715-48AE-83CA-8C94CA89C827}" type="slidenum">
               <a:rPr lang="es-PE" smtClean="0"/>
-              <a:t>‹Nº›</a:t>
+              <a:t>‹#›</a:t>
             </a:fld>
             <a:endParaRPr lang="es-PE"/>
           </a:p>
@@ -1849,7 +1867,7 @@
           <a:p>
             <a:fld id="{10A35308-85F4-494A-B056-7C1E95C70AE7}" type="datetimeFigureOut">
               <a:rPr lang="es-PE" smtClean="0"/>
-              <a:t>19/10/2021</a:t>
+              <a:t>28/11/2024</a:t>
             </a:fld>
             <a:endParaRPr lang="es-PE"/>
           </a:p>
@@ -1891,7 +1909,7 @@
           <a:p>
             <a:fld id="{5C0228D4-B715-48AE-83CA-8C94CA89C827}" type="slidenum">
               <a:rPr lang="es-PE" smtClean="0"/>
-              <a:t>‹Nº›</a:t>
+              <a:t>‹#›</a:t>
             </a:fld>
             <a:endParaRPr lang="es-PE"/>
           </a:p>
@@ -1952,7 +1970,7 @@
           </a:lstStyle>
           <a:p>
             <a:r>
-              <a:rPr lang="es-ES" smtClean="0"/>
+              <a:rPr lang="es-ES"/>
               <a:t>Haga clic para modificar el estilo de título del patrón</a:t>
             </a:r>
             <a:endParaRPr lang="es-PE"/>
@@ -2009,35 +2027,35 @@
           <a:p>
             <a:pPr lvl="0"/>
             <a:r>
-              <a:rPr lang="es-ES" smtClean="0"/>
+              <a:rPr lang="es-ES"/>
               <a:t>Editar el estilo de texto del patrón</a:t>
             </a:r>
           </a:p>
           <a:p>
             <a:pPr lvl="1"/>
             <a:r>
-              <a:rPr lang="es-ES" smtClean="0"/>
+              <a:rPr lang="es-ES"/>
               <a:t>Segundo nivel</a:t>
             </a:r>
           </a:p>
           <a:p>
             <a:pPr lvl="2"/>
             <a:r>
-              <a:rPr lang="es-ES" smtClean="0"/>
+              <a:rPr lang="es-ES"/>
               <a:t>Tercer nivel</a:t>
             </a:r>
           </a:p>
           <a:p>
             <a:pPr lvl="3"/>
             <a:r>
-              <a:rPr lang="es-ES" smtClean="0"/>
+              <a:rPr lang="es-ES"/>
               <a:t>Cuarto nivel</a:t>
             </a:r>
           </a:p>
           <a:p>
             <a:pPr lvl="4"/>
             <a:r>
-              <a:rPr lang="es-ES" smtClean="0"/>
+              <a:rPr lang="es-ES"/>
               <a:t>Quinto nivel</a:t>
             </a:r>
             <a:endParaRPr lang="es-PE"/>
@@ -2103,7 +2121,7 @@
           <a:p>
             <a:pPr lvl="0"/>
             <a:r>
-              <a:rPr lang="es-ES" smtClean="0"/>
+              <a:rPr lang="es-ES"/>
               <a:t>Editar el estilo de texto del patrón</a:t>
             </a:r>
           </a:p>
@@ -2126,7 +2144,7 @@
           <a:p>
             <a:fld id="{10A35308-85F4-494A-B056-7C1E95C70AE7}" type="datetimeFigureOut">
               <a:rPr lang="es-PE" smtClean="0"/>
-              <a:t>19/10/2021</a:t>
+              <a:t>28/11/2024</a:t>
             </a:fld>
             <a:endParaRPr lang="es-PE"/>
           </a:p>
@@ -2168,7 +2186,7 @@
           <a:p>
             <a:fld id="{5C0228D4-B715-48AE-83CA-8C94CA89C827}" type="slidenum">
               <a:rPr lang="es-PE" smtClean="0"/>
-              <a:t>‹Nº›</a:t>
+              <a:t>‹#›</a:t>
             </a:fld>
             <a:endParaRPr lang="es-PE"/>
           </a:p>
@@ -2229,7 +2247,7 @@
           </a:lstStyle>
           <a:p>
             <a:r>
-              <a:rPr lang="es-ES" smtClean="0"/>
+              <a:rPr lang="es-ES"/>
               <a:t>Haga clic para modificar el estilo de título del patrón</a:t>
             </a:r>
             <a:endParaRPr lang="es-PE"/>
@@ -2356,7 +2374,7 @@
           <a:p>
             <a:pPr lvl="0"/>
             <a:r>
-              <a:rPr lang="es-ES" smtClean="0"/>
+              <a:rPr lang="es-ES"/>
               <a:t>Editar el estilo de texto del patrón</a:t>
             </a:r>
           </a:p>
@@ -2379,7 +2397,7 @@
           <a:p>
             <a:fld id="{10A35308-85F4-494A-B056-7C1E95C70AE7}" type="datetimeFigureOut">
               <a:rPr lang="es-PE" smtClean="0"/>
-              <a:t>19/10/2021</a:t>
+              <a:t>28/11/2024</a:t>
             </a:fld>
             <a:endParaRPr lang="es-PE"/>
           </a:p>
@@ -2421,7 +2439,7 @@
           <a:p>
             <a:fld id="{5C0228D4-B715-48AE-83CA-8C94CA89C827}" type="slidenum">
               <a:rPr lang="es-PE" smtClean="0"/>
-              <a:t>‹Nº›</a:t>
+              <a:t>‹#›</a:t>
             </a:fld>
             <a:endParaRPr lang="es-PE"/>
           </a:p>
@@ -2488,7 +2506,7 @@
           <a:lstStyle/>
           <a:p>
             <a:r>
-              <a:rPr lang="es-ES" smtClean="0"/>
+              <a:rPr lang="es-ES"/>
               <a:t>Haga clic para modificar el estilo de título del patrón</a:t>
             </a:r>
             <a:endParaRPr lang="es-PE"/>
@@ -2522,35 +2540,35 @@
           <a:p>
             <a:pPr lvl="0"/>
             <a:r>
-              <a:rPr lang="es-ES" smtClean="0"/>
+              <a:rPr lang="es-ES"/>
               <a:t>Editar el estilo de texto del patrón</a:t>
             </a:r>
           </a:p>
           <a:p>
             <a:pPr lvl="1"/>
             <a:r>
-              <a:rPr lang="es-ES" smtClean="0"/>
+              <a:rPr lang="es-ES"/>
               <a:t>Segundo nivel</a:t>
             </a:r>
           </a:p>
           <a:p>
             <a:pPr lvl="2"/>
             <a:r>
-              <a:rPr lang="es-ES" smtClean="0"/>
+              <a:rPr lang="es-ES"/>
               <a:t>Tercer nivel</a:t>
             </a:r>
           </a:p>
           <a:p>
             <a:pPr lvl="3"/>
             <a:r>
-              <a:rPr lang="es-ES" smtClean="0"/>
+              <a:rPr lang="es-ES"/>
               <a:t>Cuarto nivel</a:t>
             </a:r>
           </a:p>
           <a:p>
             <a:pPr lvl="4"/>
             <a:r>
-              <a:rPr lang="es-ES" smtClean="0"/>
+              <a:rPr lang="es-ES"/>
               <a:t>Quinto nivel</a:t>
             </a:r>
             <a:endParaRPr lang="es-PE"/>
@@ -2592,7 +2610,7 @@
           <a:p>
             <a:fld id="{10A35308-85F4-494A-B056-7C1E95C70AE7}" type="datetimeFigureOut">
               <a:rPr lang="es-PE" smtClean="0"/>
-              <a:t>19/10/2021</a:t>
+              <a:t>28/11/2024</a:t>
             </a:fld>
             <a:endParaRPr lang="es-PE"/>
           </a:p>
@@ -2670,7 +2688,7 @@
           <a:p>
             <a:fld id="{5C0228D4-B715-48AE-83CA-8C94CA89C827}" type="slidenum">
               <a:rPr lang="es-PE" smtClean="0"/>
-              <a:t>‹Nº›</a:t>
+              <a:t>‹#›</a:t>
             </a:fld>
             <a:endParaRPr lang="es-PE"/>
           </a:p>
@@ -3347,6 +3365,102 @@
   <p:cSld>
     <p:spTree>
       <p:nvGrpSpPr>
+        <p:cNvPr id="1" name="">
+          <a:extLst>
+            <a:ext uri="{FF2B5EF4-FFF2-40B4-BE49-F238E27FC236}">
+              <a16:creationId xmlns:a16="http://schemas.microsoft.com/office/drawing/2014/main" id="{C35703FB-96AC-0AAC-6047-127A1350BD44}"/>
+            </a:ext>
+          </a:extLst>
+        </p:cNvPr>
+        <p:cNvGrpSpPr/>
+        <p:nvPr/>
+      </p:nvGrpSpPr>
+      <p:grpSpPr>
+        <a:xfrm>
+          <a:off x="0" y="0"/>
+          <a:ext cx="0" cy="0"/>
+          <a:chOff x="0" y="0"/>
+          <a:chExt cx="0" cy="0"/>
+        </a:xfrm>
+      </p:grpSpPr>
+      <p:pic>
+        <p:nvPicPr>
+          <p:cNvPr id="3" name="Picture 2">
+            <a:extLst>
+              <a:ext uri="{FF2B5EF4-FFF2-40B4-BE49-F238E27FC236}">
+                <a16:creationId xmlns:a16="http://schemas.microsoft.com/office/drawing/2014/main" id="{97AFE331-D2BC-0A76-FF42-6DCE467226EA}"/>
+              </a:ext>
+            </a:extLst>
+          </p:cNvPr>
+          <p:cNvPicPr>
+            <a:picLocks noChangeAspect="1"/>
+          </p:cNvPicPr>
+          <p:nvPr/>
+        </p:nvPicPr>
+        <p:blipFill>
+          <a:blip r:embed="rId2"/>
+          <a:stretch>
+            <a:fillRect/>
+          </a:stretch>
+        </p:blipFill>
+        <p:spPr>
+          <a:xfrm>
+            <a:off x="1045991" y="0"/>
+            <a:ext cx="9418687" cy="4664370"/>
+          </a:xfrm>
+          <a:prstGeom prst="rect">
+            <a:avLst/>
+          </a:prstGeom>
+        </p:spPr>
+      </p:pic>
+      <p:pic>
+        <p:nvPicPr>
+          <p:cNvPr id="7" name="Picture 6">
+            <a:extLst>
+              <a:ext uri="{FF2B5EF4-FFF2-40B4-BE49-F238E27FC236}">
+                <a16:creationId xmlns:a16="http://schemas.microsoft.com/office/drawing/2014/main" id="{DF689703-377A-88A2-D825-A4C4BC03ACF7}"/>
+              </a:ext>
+            </a:extLst>
+          </p:cNvPr>
+          <p:cNvPicPr>
+            <a:picLocks noChangeAspect="1"/>
+          </p:cNvPicPr>
+          <p:nvPr/>
+        </p:nvPicPr>
+        <p:blipFill>
+          <a:blip r:embed="rId3"/>
+          <a:stretch>
+            <a:fillRect/>
+          </a:stretch>
+        </p:blipFill>
+        <p:spPr>
+          <a:xfrm>
+            <a:off x="1071690" y="4108206"/>
+            <a:ext cx="9392988" cy="2749794"/>
+          </a:xfrm>
+          <a:prstGeom prst="rect">
+            <a:avLst/>
+          </a:prstGeom>
+        </p:spPr>
+      </p:pic>
+    </p:spTree>
+    <p:extLst>
+      <p:ext uri="{BB962C8B-B14F-4D97-AF65-F5344CB8AC3E}">
+        <p14:creationId xmlns:p14="http://schemas.microsoft.com/office/powerpoint/2010/main" val="3078158857"/>
+      </p:ext>
+    </p:extLst>
+  </p:cSld>
+  <p:clrMapOvr>
+    <a:masterClrMapping/>
+  </p:clrMapOvr>
+</p:sld>
+</file>
+
+<file path=ppt/slides/slide12.xml><?xml version="1.0" encoding="utf-8"?>
+<p:sld xmlns:a="http://schemas.openxmlformats.org/drawingml/2006/main" xmlns:r="http://schemas.openxmlformats.org/officeDocument/2006/relationships" xmlns:p="http://schemas.openxmlformats.org/presentationml/2006/main">
+  <p:cSld>
+    <p:spTree>
+      <p:nvGrpSpPr>
         <p:cNvPr id="1" name=""/>
         <p:cNvGrpSpPr/>
         <p:nvPr/>
@@ -3359,6 +3473,1616 @@
           <a:chExt cx="0" cy="0"/>
         </a:xfrm>
       </p:grpSpPr>
+      <p:pic>
+        <p:nvPicPr>
+          <p:cNvPr id="5" name="Picture 4">
+            <a:extLst>
+              <a:ext uri="{FF2B5EF4-FFF2-40B4-BE49-F238E27FC236}">
+                <a16:creationId xmlns:a16="http://schemas.microsoft.com/office/drawing/2014/main" id="{41418E39-E028-64C2-925F-22379D5BAA83}"/>
+              </a:ext>
+            </a:extLst>
+          </p:cNvPr>
+          <p:cNvPicPr>
+            <a:picLocks noChangeAspect="1"/>
+          </p:cNvPicPr>
+          <p:nvPr/>
+        </p:nvPicPr>
+        <p:blipFill>
+          <a:blip r:embed="rId2"/>
+          <a:stretch>
+            <a:fillRect/>
+          </a:stretch>
+        </p:blipFill>
+        <p:spPr>
+          <a:xfrm>
+            <a:off x="685848" y="1469413"/>
+            <a:ext cx="11066487" cy="4614863"/>
+          </a:xfrm>
+          <a:prstGeom prst="rect">
+            <a:avLst/>
+          </a:prstGeom>
+        </p:spPr>
+      </p:pic>
+      <p:sp>
+        <p:nvSpPr>
+          <p:cNvPr id="6" name="TextBox 5">
+            <a:extLst>
+              <a:ext uri="{FF2B5EF4-FFF2-40B4-BE49-F238E27FC236}">
+                <a16:creationId xmlns:a16="http://schemas.microsoft.com/office/drawing/2014/main" id="{A17191DB-3D64-2268-AB04-BD4FD2C4FDAA}"/>
+              </a:ext>
+            </a:extLst>
+          </p:cNvPr>
+          <p:cNvSpPr txBox="1"/>
+          <p:nvPr/>
+        </p:nvSpPr>
+        <p:spPr>
+          <a:xfrm>
+            <a:off x="4273062" y="113202"/>
+            <a:ext cx="5257800" cy="523220"/>
+          </a:xfrm>
+          <a:prstGeom prst="rect">
+            <a:avLst/>
+          </a:prstGeom>
+          <a:noFill/>
+        </p:spPr>
+        <p:txBody>
+          <a:bodyPr wrap="square" rtlCol="0">
+            <a:spAutoFit/>
+          </a:bodyPr>
+          <a:lstStyle/>
+          <a:p>
+            <a:r>
+              <a:rPr lang="es-PE" sz="2800" dirty="0"/>
+              <a:t>La teoría de “ese Kuhn”</a:t>
+            </a:r>
+          </a:p>
+        </p:txBody>
+      </p:sp>
+    </p:spTree>
+    <p:extLst>
+      <p:ext uri="{BB962C8B-B14F-4D97-AF65-F5344CB8AC3E}">
+        <p14:creationId xmlns:p14="http://schemas.microsoft.com/office/powerpoint/2010/main" val="508550366"/>
+      </p:ext>
+    </p:extLst>
+  </p:cSld>
+  <p:clrMapOvr>
+    <a:masterClrMapping/>
+  </p:clrMapOvr>
+</p:sld>
+</file>
+
+<file path=ppt/slides/slide13.xml><?xml version="1.0" encoding="utf-8"?>
+<p:sld xmlns:a="http://schemas.openxmlformats.org/drawingml/2006/main" xmlns:r="http://schemas.openxmlformats.org/officeDocument/2006/relationships" xmlns:p="http://schemas.openxmlformats.org/presentationml/2006/main">
+  <p:cSld>
+    <p:spTree>
+      <p:nvGrpSpPr>
+        <p:cNvPr id="1" name=""/>
+        <p:cNvGrpSpPr/>
+        <p:nvPr/>
+      </p:nvGrpSpPr>
+      <p:grpSpPr>
+        <a:xfrm>
+          <a:off x="0" y="0"/>
+          <a:ext cx="0" cy="0"/>
+          <a:chOff x="0" y="0"/>
+          <a:chExt cx="0" cy="0"/>
+        </a:xfrm>
+      </p:grpSpPr>
+      <p:pic>
+        <p:nvPicPr>
+          <p:cNvPr id="7" name="Picture 6">
+            <a:extLst>
+              <a:ext uri="{FF2B5EF4-FFF2-40B4-BE49-F238E27FC236}">
+                <a16:creationId xmlns:a16="http://schemas.microsoft.com/office/drawing/2014/main" id="{BA23CD1A-B616-E1AD-6344-4C8C5DC90A84}"/>
+              </a:ext>
+            </a:extLst>
+          </p:cNvPr>
+          <p:cNvPicPr>
+            <a:picLocks noChangeAspect="1"/>
+          </p:cNvPicPr>
+          <p:nvPr/>
+        </p:nvPicPr>
+        <p:blipFill>
+          <a:blip r:embed="rId2"/>
+          <a:stretch>
+            <a:fillRect/>
+          </a:stretch>
+        </p:blipFill>
+        <p:spPr>
+          <a:xfrm>
+            <a:off x="1869884" y="1613937"/>
+            <a:ext cx="8452231" cy="3630125"/>
+          </a:xfrm>
+          <a:prstGeom prst="rect">
+            <a:avLst/>
+          </a:prstGeom>
+        </p:spPr>
+      </p:pic>
+      <p:pic>
+        <p:nvPicPr>
+          <p:cNvPr id="10" name="Picture 9">
+            <a:extLst>
+              <a:ext uri="{FF2B5EF4-FFF2-40B4-BE49-F238E27FC236}">
+                <a16:creationId xmlns:a16="http://schemas.microsoft.com/office/drawing/2014/main" id="{177162FB-E94C-CE5B-0B85-5D88723F02B7}"/>
+              </a:ext>
+            </a:extLst>
+          </p:cNvPr>
+          <p:cNvPicPr>
+            <a:picLocks noChangeAspect="1"/>
+          </p:cNvPicPr>
+          <p:nvPr/>
+        </p:nvPicPr>
+        <p:blipFill>
+          <a:blip r:embed="rId3"/>
+          <a:stretch>
+            <a:fillRect/>
+          </a:stretch>
+        </p:blipFill>
+        <p:spPr>
+          <a:xfrm>
+            <a:off x="0" y="0"/>
+            <a:ext cx="2831123" cy="1424141"/>
+          </a:xfrm>
+          <a:prstGeom prst="rect">
+            <a:avLst/>
+          </a:prstGeom>
+        </p:spPr>
+      </p:pic>
+    </p:spTree>
+    <p:extLst>
+      <p:ext uri="{BB962C8B-B14F-4D97-AF65-F5344CB8AC3E}">
+        <p14:creationId xmlns:p14="http://schemas.microsoft.com/office/powerpoint/2010/main" val="1463122380"/>
+      </p:ext>
+    </p:extLst>
+  </p:cSld>
+  <p:clrMapOvr>
+    <a:masterClrMapping/>
+  </p:clrMapOvr>
+</p:sld>
+</file>
+
+<file path=ppt/slides/slide14.xml><?xml version="1.0" encoding="utf-8"?>
+<p:sld xmlns:a="http://schemas.openxmlformats.org/drawingml/2006/main" xmlns:r="http://schemas.openxmlformats.org/officeDocument/2006/relationships" xmlns:p="http://schemas.openxmlformats.org/presentationml/2006/main">
+  <p:cSld>
+    <p:spTree>
+      <p:nvGrpSpPr>
+        <p:cNvPr id="1" name="">
+          <a:extLst>
+            <a:ext uri="{FF2B5EF4-FFF2-40B4-BE49-F238E27FC236}">
+              <a16:creationId xmlns:a16="http://schemas.microsoft.com/office/drawing/2014/main" id="{C036D1CF-E0DF-4793-0611-91FCB160FE18}"/>
+            </a:ext>
+          </a:extLst>
+        </p:cNvPr>
+        <p:cNvGrpSpPr/>
+        <p:nvPr/>
+      </p:nvGrpSpPr>
+      <p:grpSpPr>
+        <a:xfrm>
+          <a:off x="0" y="0"/>
+          <a:ext cx="0" cy="0"/>
+          <a:chOff x="0" y="0"/>
+          <a:chExt cx="0" cy="0"/>
+        </a:xfrm>
+      </p:grpSpPr>
+      <p:pic>
+        <p:nvPicPr>
+          <p:cNvPr id="10" name="Picture 9">
+            <a:extLst>
+              <a:ext uri="{FF2B5EF4-FFF2-40B4-BE49-F238E27FC236}">
+                <a16:creationId xmlns:a16="http://schemas.microsoft.com/office/drawing/2014/main" id="{042E5466-F15F-398D-BC42-CB3A0418D61F}"/>
+              </a:ext>
+            </a:extLst>
+          </p:cNvPr>
+          <p:cNvPicPr>
+            <a:picLocks noChangeAspect="1"/>
+          </p:cNvPicPr>
+          <p:nvPr/>
+        </p:nvPicPr>
+        <p:blipFill>
+          <a:blip r:embed="rId2"/>
+          <a:stretch>
+            <a:fillRect/>
+          </a:stretch>
+        </p:blipFill>
+        <p:spPr>
+          <a:xfrm>
+            <a:off x="0" y="0"/>
+            <a:ext cx="2022231" cy="1017243"/>
+          </a:xfrm>
+          <a:prstGeom prst="rect">
+            <a:avLst/>
+          </a:prstGeom>
+        </p:spPr>
+      </p:pic>
+      <p:pic>
+        <p:nvPicPr>
+          <p:cNvPr id="5" name="Picture 4">
+            <a:extLst>
+              <a:ext uri="{FF2B5EF4-FFF2-40B4-BE49-F238E27FC236}">
+                <a16:creationId xmlns:a16="http://schemas.microsoft.com/office/drawing/2014/main" id="{D260E97D-16B2-5228-83B5-90C02595E59D}"/>
+              </a:ext>
+            </a:extLst>
+          </p:cNvPr>
+          <p:cNvPicPr>
+            <a:picLocks noChangeAspect="1"/>
+          </p:cNvPicPr>
+          <p:nvPr/>
+        </p:nvPicPr>
+        <p:blipFill>
+          <a:blip r:embed="rId3"/>
+          <a:stretch>
+            <a:fillRect/>
+          </a:stretch>
+        </p:blipFill>
+        <p:spPr>
+          <a:xfrm>
+            <a:off x="2303584" y="1320678"/>
+            <a:ext cx="8792307" cy="5166794"/>
+          </a:xfrm>
+          <a:prstGeom prst="rect">
+            <a:avLst/>
+          </a:prstGeom>
+        </p:spPr>
+      </p:pic>
+    </p:spTree>
+    <p:extLst>
+      <p:ext uri="{BB962C8B-B14F-4D97-AF65-F5344CB8AC3E}">
+        <p14:creationId xmlns:p14="http://schemas.microsoft.com/office/powerpoint/2010/main" val="1373096761"/>
+      </p:ext>
+    </p:extLst>
+  </p:cSld>
+  <p:clrMapOvr>
+    <a:masterClrMapping/>
+  </p:clrMapOvr>
+</p:sld>
+</file>
+
+<file path=ppt/slides/slide15.xml><?xml version="1.0" encoding="utf-8"?>
+<p:sld xmlns:a="http://schemas.openxmlformats.org/drawingml/2006/main" xmlns:r="http://schemas.openxmlformats.org/officeDocument/2006/relationships" xmlns:p="http://schemas.openxmlformats.org/presentationml/2006/main">
+  <p:cSld>
+    <p:spTree>
+      <p:nvGrpSpPr>
+        <p:cNvPr id="1" name="">
+          <a:extLst>
+            <a:ext uri="{FF2B5EF4-FFF2-40B4-BE49-F238E27FC236}">
+              <a16:creationId xmlns:a16="http://schemas.microsoft.com/office/drawing/2014/main" id="{D775DBE9-4E27-6DF0-8D0E-F15AA18A0757}"/>
+            </a:ext>
+          </a:extLst>
+        </p:cNvPr>
+        <p:cNvGrpSpPr/>
+        <p:nvPr/>
+      </p:nvGrpSpPr>
+      <p:grpSpPr>
+        <a:xfrm>
+          <a:off x="0" y="0"/>
+          <a:ext cx="0" cy="0"/>
+          <a:chOff x="0" y="0"/>
+          <a:chExt cx="0" cy="0"/>
+        </a:xfrm>
+      </p:grpSpPr>
+      <p:pic>
+        <p:nvPicPr>
+          <p:cNvPr id="9" name="Picture 8">
+            <a:extLst>
+              <a:ext uri="{FF2B5EF4-FFF2-40B4-BE49-F238E27FC236}">
+                <a16:creationId xmlns:a16="http://schemas.microsoft.com/office/drawing/2014/main" id="{C9CAB29E-B991-FC7D-B601-415BEDEB5642}"/>
+              </a:ext>
+            </a:extLst>
+          </p:cNvPr>
+          <p:cNvPicPr>
+            <a:picLocks noChangeAspect="1"/>
+          </p:cNvPicPr>
+          <p:nvPr/>
+        </p:nvPicPr>
+        <p:blipFill>
+          <a:blip r:embed="rId2"/>
+          <a:stretch>
+            <a:fillRect/>
+          </a:stretch>
+        </p:blipFill>
+        <p:spPr>
+          <a:xfrm>
+            <a:off x="945179" y="749955"/>
+            <a:ext cx="10556832" cy="5358090"/>
+          </a:xfrm>
+          <a:prstGeom prst="rect">
+            <a:avLst/>
+          </a:prstGeom>
+        </p:spPr>
+      </p:pic>
+    </p:spTree>
+    <p:extLst>
+      <p:ext uri="{BB962C8B-B14F-4D97-AF65-F5344CB8AC3E}">
+        <p14:creationId xmlns:p14="http://schemas.microsoft.com/office/powerpoint/2010/main" val="108427114"/>
+      </p:ext>
+    </p:extLst>
+  </p:cSld>
+  <p:clrMapOvr>
+    <a:masterClrMapping/>
+  </p:clrMapOvr>
+</p:sld>
+</file>
+
+<file path=ppt/slides/slide16.xml><?xml version="1.0" encoding="utf-8"?>
+<p:sld xmlns:a="http://schemas.openxmlformats.org/drawingml/2006/main" xmlns:r="http://schemas.openxmlformats.org/officeDocument/2006/relationships" xmlns:p="http://schemas.openxmlformats.org/presentationml/2006/main">
+  <p:cSld>
+    <p:spTree>
+      <p:nvGrpSpPr>
+        <p:cNvPr id="1" name="">
+          <a:extLst>
+            <a:ext uri="{FF2B5EF4-FFF2-40B4-BE49-F238E27FC236}">
+              <a16:creationId xmlns:a16="http://schemas.microsoft.com/office/drawing/2014/main" id="{E06E5A84-FFCB-6B36-D50E-3C39422F800E}"/>
+            </a:ext>
+          </a:extLst>
+        </p:cNvPr>
+        <p:cNvGrpSpPr/>
+        <p:nvPr/>
+      </p:nvGrpSpPr>
+      <p:grpSpPr>
+        <a:xfrm>
+          <a:off x="0" y="0"/>
+          <a:ext cx="0" cy="0"/>
+          <a:chOff x="0" y="0"/>
+          <a:chExt cx="0" cy="0"/>
+        </a:xfrm>
+      </p:grpSpPr>
+      <p:pic>
+        <p:nvPicPr>
+          <p:cNvPr id="3" name="Picture 2">
+            <a:extLst>
+              <a:ext uri="{FF2B5EF4-FFF2-40B4-BE49-F238E27FC236}">
+                <a16:creationId xmlns:a16="http://schemas.microsoft.com/office/drawing/2014/main" id="{43C0B037-9CDD-BEA2-6B71-895187CBE69B}"/>
+              </a:ext>
+            </a:extLst>
+          </p:cNvPr>
+          <p:cNvPicPr>
+            <a:picLocks noChangeAspect="1"/>
+          </p:cNvPicPr>
+          <p:nvPr/>
+        </p:nvPicPr>
+        <p:blipFill>
+          <a:blip r:embed="rId2"/>
+          <a:stretch>
+            <a:fillRect/>
+          </a:stretch>
+        </p:blipFill>
+        <p:spPr>
+          <a:xfrm>
+            <a:off x="3174520" y="127273"/>
+            <a:ext cx="6590581" cy="6603453"/>
+          </a:xfrm>
+          <a:prstGeom prst="rect">
+            <a:avLst/>
+          </a:prstGeom>
+        </p:spPr>
+      </p:pic>
+    </p:spTree>
+    <p:extLst>
+      <p:ext uri="{BB962C8B-B14F-4D97-AF65-F5344CB8AC3E}">
+        <p14:creationId xmlns:p14="http://schemas.microsoft.com/office/powerpoint/2010/main" val="1249034752"/>
+      </p:ext>
+    </p:extLst>
+  </p:cSld>
+  <p:clrMapOvr>
+    <a:masterClrMapping/>
+  </p:clrMapOvr>
+</p:sld>
+</file>
+
+<file path=ppt/slides/slide17.xml><?xml version="1.0" encoding="utf-8"?>
+<p:sld xmlns:a="http://schemas.openxmlformats.org/drawingml/2006/main" xmlns:r="http://schemas.openxmlformats.org/officeDocument/2006/relationships" xmlns:p="http://schemas.openxmlformats.org/presentationml/2006/main">
+  <p:cSld>
+    <p:spTree>
+      <p:nvGrpSpPr>
+        <p:cNvPr id="1" name="">
+          <a:extLst>
+            <a:ext uri="{FF2B5EF4-FFF2-40B4-BE49-F238E27FC236}">
+              <a16:creationId xmlns:a16="http://schemas.microsoft.com/office/drawing/2014/main" id="{BC95699D-2CB0-8DE6-C5A2-CDFE26F5F8A3}"/>
+            </a:ext>
+          </a:extLst>
+        </p:cNvPr>
+        <p:cNvGrpSpPr/>
+        <p:nvPr/>
+      </p:nvGrpSpPr>
+      <p:grpSpPr>
+        <a:xfrm>
+          <a:off x="0" y="0"/>
+          <a:ext cx="0" cy="0"/>
+          <a:chOff x="0" y="0"/>
+          <a:chExt cx="0" cy="0"/>
+        </a:xfrm>
+      </p:grpSpPr>
+      <p:pic>
+        <p:nvPicPr>
+          <p:cNvPr id="4" name="Picture 3">
+            <a:extLst>
+              <a:ext uri="{FF2B5EF4-FFF2-40B4-BE49-F238E27FC236}">
+                <a16:creationId xmlns:a16="http://schemas.microsoft.com/office/drawing/2014/main" id="{1DBA26CA-8D8F-A15D-3881-1805139AD517}"/>
+              </a:ext>
+            </a:extLst>
+          </p:cNvPr>
+          <p:cNvPicPr>
+            <a:picLocks noChangeAspect="1"/>
+          </p:cNvPicPr>
+          <p:nvPr/>
+        </p:nvPicPr>
+        <p:blipFill>
+          <a:blip r:embed="rId2"/>
+          <a:stretch>
+            <a:fillRect/>
+          </a:stretch>
+        </p:blipFill>
+        <p:spPr>
+          <a:xfrm>
+            <a:off x="2717680" y="254570"/>
+            <a:ext cx="7099180" cy="6348860"/>
+          </a:xfrm>
+          <a:prstGeom prst="rect">
+            <a:avLst/>
+          </a:prstGeom>
+        </p:spPr>
+      </p:pic>
+    </p:spTree>
+    <p:extLst>
+      <p:ext uri="{BB962C8B-B14F-4D97-AF65-F5344CB8AC3E}">
+        <p14:creationId xmlns:p14="http://schemas.microsoft.com/office/powerpoint/2010/main" val="3777826682"/>
+      </p:ext>
+    </p:extLst>
+  </p:cSld>
+  <p:clrMapOvr>
+    <a:masterClrMapping/>
+  </p:clrMapOvr>
+</p:sld>
+</file>
+
+<file path=ppt/slides/slide18.xml><?xml version="1.0" encoding="utf-8"?>
+<p:sld xmlns:a="http://schemas.openxmlformats.org/drawingml/2006/main" xmlns:r="http://schemas.openxmlformats.org/officeDocument/2006/relationships" xmlns:p="http://schemas.openxmlformats.org/presentationml/2006/main">
+  <p:cSld>
+    <p:spTree>
+      <p:nvGrpSpPr>
+        <p:cNvPr id="1" name="">
+          <a:extLst>
+            <a:ext uri="{FF2B5EF4-FFF2-40B4-BE49-F238E27FC236}">
+              <a16:creationId xmlns:a16="http://schemas.microsoft.com/office/drawing/2014/main" id="{EEE3A392-32C8-0062-3664-8EF14E29B056}"/>
+            </a:ext>
+          </a:extLst>
+        </p:cNvPr>
+        <p:cNvGrpSpPr/>
+        <p:nvPr/>
+      </p:nvGrpSpPr>
+      <p:grpSpPr>
+        <a:xfrm>
+          <a:off x="0" y="0"/>
+          <a:ext cx="0" cy="0"/>
+          <a:chOff x="0" y="0"/>
+          <a:chExt cx="0" cy="0"/>
+        </a:xfrm>
+      </p:grpSpPr>
+      <p:pic>
+        <p:nvPicPr>
+          <p:cNvPr id="3" name="Picture 2">
+            <a:extLst>
+              <a:ext uri="{FF2B5EF4-FFF2-40B4-BE49-F238E27FC236}">
+                <a16:creationId xmlns:a16="http://schemas.microsoft.com/office/drawing/2014/main" id="{204D2D23-3503-F182-861F-623C0A23065E}"/>
+              </a:ext>
+            </a:extLst>
+          </p:cNvPr>
+          <p:cNvPicPr>
+            <a:picLocks noChangeAspect="1"/>
+          </p:cNvPicPr>
+          <p:nvPr/>
+        </p:nvPicPr>
+        <p:blipFill>
+          <a:blip r:embed="rId2"/>
+          <a:stretch>
+            <a:fillRect/>
+          </a:stretch>
+        </p:blipFill>
+        <p:spPr>
+          <a:xfrm>
+            <a:off x="557752" y="1099868"/>
+            <a:ext cx="11454379" cy="4658264"/>
+          </a:xfrm>
+          <a:prstGeom prst="rect">
+            <a:avLst/>
+          </a:prstGeom>
+        </p:spPr>
+      </p:pic>
+    </p:spTree>
+    <p:extLst>
+      <p:ext uri="{BB962C8B-B14F-4D97-AF65-F5344CB8AC3E}">
+        <p14:creationId xmlns:p14="http://schemas.microsoft.com/office/powerpoint/2010/main" val="36722997"/>
+      </p:ext>
+    </p:extLst>
+  </p:cSld>
+  <p:clrMapOvr>
+    <a:masterClrMapping/>
+  </p:clrMapOvr>
+</p:sld>
+</file>
+
+<file path=ppt/slides/slide19.xml><?xml version="1.0" encoding="utf-8"?>
+<p:sld xmlns:a="http://schemas.openxmlformats.org/drawingml/2006/main" xmlns:r="http://schemas.openxmlformats.org/officeDocument/2006/relationships" xmlns:p="http://schemas.openxmlformats.org/presentationml/2006/main">
+  <p:cSld>
+    <p:spTree>
+      <p:nvGrpSpPr>
+        <p:cNvPr id="1" name="">
+          <a:extLst>
+            <a:ext uri="{FF2B5EF4-FFF2-40B4-BE49-F238E27FC236}">
+              <a16:creationId xmlns:a16="http://schemas.microsoft.com/office/drawing/2014/main" id="{E9D1F315-ABBD-8C3B-EBC5-8E2696EDB693}"/>
+            </a:ext>
+          </a:extLst>
+        </p:cNvPr>
+        <p:cNvGrpSpPr/>
+        <p:nvPr/>
+      </p:nvGrpSpPr>
+      <p:grpSpPr>
+        <a:xfrm>
+          <a:off x="0" y="0"/>
+          <a:ext cx="0" cy="0"/>
+          <a:chOff x="0" y="0"/>
+          <a:chExt cx="0" cy="0"/>
+        </a:xfrm>
+      </p:grpSpPr>
+      <p:pic>
+        <p:nvPicPr>
+          <p:cNvPr id="6" name="Picture 5">
+            <a:extLst>
+              <a:ext uri="{FF2B5EF4-FFF2-40B4-BE49-F238E27FC236}">
+                <a16:creationId xmlns:a16="http://schemas.microsoft.com/office/drawing/2014/main" id="{6852F72C-34BC-F782-4556-944CB497990C}"/>
+              </a:ext>
+            </a:extLst>
+          </p:cNvPr>
+          <p:cNvPicPr>
+            <a:picLocks noChangeAspect="1"/>
+          </p:cNvPicPr>
+          <p:nvPr/>
+        </p:nvPicPr>
+        <p:blipFill>
+          <a:blip r:embed="rId2"/>
+          <a:stretch>
+            <a:fillRect/>
+          </a:stretch>
+        </p:blipFill>
+        <p:spPr>
+          <a:xfrm>
+            <a:off x="2449901" y="203057"/>
+            <a:ext cx="7292197" cy="6451885"/>
+          </a:xfrm>
+          <a:prstGeom prst="rect">
+            <a:avLst/>
+          </a:prstGeom>
+        </p:spPr>
+      </p:pic>
+    </p:spTree>
+    <p:extLst>
+      <p:ext uri="{BB962C8B-B14F-4D97-AF65-F5344CB8AC3E}">
+        <p14:creationId xmlns:p14="http://schemas.microsoft.com/office/powerpoint/2010/main" val="1734892627"/>
+      </p:ext>
+    </p:extLst>
+  </p:cSld>
+  <p:clrMapOvr>
+    <a:masterClrMapping/>
+  </p:clrMapOvr>
+</p:sld>
+</file>
+
+<file path=ppt/slides/slide2.xml><?xml version="1.0" encoding="utf-8"?>
+<p:sld xmlns:a="http://schemas.openxmlformats.org/drawingml/2006/main" xmlns:r="http://schemas.openxmlformats.org/officeDocument/2006/relationships" xmlns:p="http://schemas.openxmlformats.org/presentationml/2006/main">
+  <p:cSld>
+    <p:spTree>
+      <p:nvGrpSpPr>
+        <p:cNvPr id="1" name=""/>
+        <p:cNvGrpSpPr/>
+        <p:nvPr/>
+      </p:nvGrpSpPr>
+      <p:grpSpPr>
+        <a:xfrm>
+          <a:off x="0" y="0"/>
+          <a:ext cx="0" cy="0"/>
+          <a:chOff x="0" y="0"/>
+          <a:chExt cx="0" cy="0"/>
+        </a:xfrm>
+      </p:grpSpPr>
+      <p:pic>
+        <p:nvPicPr>
+          <p:cNvPr id="4" name="Imagen 3"/>
+          <p:cNvPicPr>
+            <a:picLocks noChangeAspect="1"/>
+          </p:cNvPicPr>
+          <p:nvPr/>
+        </p:nvPicPr>
+        <p:blipFill>
+          <a:blip r:embed="rId2"/>
+          <a:stretch>
+            <a:fillRect/>
+          </a:stretch>
+        </p:blipFill>
+        <p:spPr>
+          <a:xfrm>
+            <a:off x="0" y="-29693"/>
+            <a:ext cx="1967759" cy="2534473"/>
+          </a:xfrm>
+          <a:prstGeom prst="rect">
+            <a:avLst/>
+          </a:prstGeom>
+        </p:spPr>
+      </p:pic>
+      <p:sp>
+        <p:nvSpPr>
+          <p:cNvPr id="5" name="CuadroTexto 4"/>
+          <p:cNvSpPr txBox="1"/>
+          <p:nvPr/>
+        </p:nvSpPr>
+        <p:spPr>
+          <a:xfrm>
+            <a:off x="138581" y="2873830"/>
+            <a:ext cx="2782388" cy="369332"/>
+          </a:xfrm>
+          <a:prstGeom prst="rect">
+            <a:avLst/>
+          </a:prstGeom>
+          <a:noFill/>
+        </p:spPr>
+        <p:txBody>
+          <a:bodyPr wrap="square" rtlCol="0">
+            <a:spAutoFit/>
+          </a:bodyPr>
+          <a:lstStyle/>
+          <a:p>
+            <a:r>
+              <a:rPr lang="es-PE" dirty="0"/>
+              <a:t>Richard Jacob </a:t>
+            </a:r>
+            <a:r>
+              <a:rPr lang="es-PE" dirty="0" err="1"/>
+              <a:t>Bernstein</a:t>
+            </a:r>
+            <a:endParaRPr lang="es-PE" dirty="0"/>
+          </a:p>
+        </p:txBody>
+      </p:sp>
+      <p:pic>
+        <p:nvPicPr>
+          <p:cNvPr id="6" name="Imagen 5"/>
+          <p:cNvPicPr>
+            <a:picLocks noChangeAspect="1"/>
+          </p:cNvPicPr>
+          <p:nvPr/>
+        </p:nvPicPr>
+        <p:blipFill>
+          <a:blip r:embed="rId3"/>
+          <a:stretch>
+            <a:fillRect/>
+          </a:stretch>
+        </p:blipFill>
+        <p:spPr>
+          <a:xfrm>
+            <a:off x="2426756" y="-29693"/>
+            <a:ext cx="1964673" cy="2495666"/>
+          </a:xfrm>
+          <a:prstGeom prst="rect">
+            <a:avLst/>
+          </a:prstGeom>
+        </p:spPr>
+      </p:pic>
+      <p:pic>
+        <p:nvPicPr>
+          <p:cNvPr id="7" name="Imagen 6"/>
+          <p:cNvPicPr>
+            <a:picLocks noChangeAspect="1"/>
+          </p:cNvPicPr>
+          <p:nvPr/>
+        </p:nvPicPr>
+        <p:blipFill>
+          <a:blip r:embed="rId4"/>
+          <a:stretch>
+            <a:fillRect/>
+          </a:stretch>
+        </p:blipFill>
+        <p:spPr>
+          <a:xfrm>
+            <a:off x="4850427" y="9114"/>
+            <a:ext cx="2099528" cy="2495666"/>
+          </a:xfrm>
+          <a:prstGeom prst="rect">
+            <a:avLst/>
+          </a:prstGeom>
+        </p:spPr>
+      </p:pic>
+      <p:pic>
+        <p:nvPicPr>
+          <p:cNvPr id="8" name="Imagen 7"/>
+          <p:cNvPicPr>
+            <a:picLocks noChangeAspect="1"/>
+          </p:cNvPicPr>
+          <p:nvPr/>
+        </p:nvPicPr>
+        <p:blipFill>
+          <a:blip r:embed="rId5"/>
+          <a:stretch>
+            <a:fillRect/>
+          </a:stretch>
+        </p:blipFill>
+        <p:spPr>
+          <a:xfrm>
+            <a:off x="7670904" y="12541"/>
+            <a:ext cx="1807842" cy="2492239"/>
+          </a:xfrm>
+          <a:prstGeom prst="rect">
+            <a:avLst/>
+          </a:prstGeom>
+        </p:spPr>
+      </p:pic>
+      <p:pic>
+        <p:nvPicPr>
+          <p:cNvPr id="10" name="Imagen 9"/>
+          <p:cNvPicPr>
+            <a:picLocks noChangeAspect="1"/>
+          </p:cNvPicPr>
+          <p:nvPr/>
+        </p:nvPicPr>
+        <p:blipFill>
+          <a:blip r:embed="rId6"/>
+          <a:stretch>
+            <a:fillRect/>
+          </a:stretch>
+        </p:blipFill>
+        <p:spPr>
+          <a:xfrm>
+            <a:off x="10199696" y="-29693"/>
+            <a:ext cx="1992304" cy="2495666"/>
+          </a:xfrm>
+          <a:prstGeom prst="rect">
+            <a:avLst/>
+          </a:prstGeom>
+        </p:spPr>
+      </p:pic>
+      <p:sp>
+        <p:nvSpPr>
+          <p:cNvPr id="11" name="Rectángulo 10"/>
+          <p:cNvSpPr/>
+          <p:nvPr/>
+        </p:nvSpPr>
+        <p:spPr>
+          <a:xfrm>
+            <a:off x="0" y="-29693"/>
+            <a:ext cx="1967759" cy="2534473"/>
+          </a:xfrm>
+          <a:prstGeom prst="rect">
+            <a:avLst/>
+          </a:prstGeom>
+          <a:noFill/>
+          <a:ln w="76200">
+            <a:solidFill>
+              <a:srgbClr val="FF0000"/>
+            </a:solidFill>
+          </a:ln>
+        </p:spPr>
+        <p:style>
+          <a:lnRef idx="2">
+            <a:schemeClr val="accent1">
+              <a:shade val="50000"/>
+            </a:schemeClr>
+          </a:lnRef>
+          <a:fillRef idx="1">
+            <a:schemeClr val="accent1"/>
+          </a:fillRef>
+          <a:effectRef idx="0">
+            <a:schemeClr val="accent1"/>
+          </a:effectRef>
+          <a:fontRef idx="minor">
+            <a:schemeClr val="lt1"/>
+          </a:fontRef>
+        </p:style>
+        <p:txBody>
+          <a:bodyPr rtlCol="0" anchor="ctr"/>
+          <a:lstStyle/>
+          <a:p>
+            <a:pPr algn="ctr"/>
+            <a:endParaRPr lang="es-PE"/>
+          </a:p>
+        </p:txBody>
+      </p:sp>
+      <p:pic>
+        <p:nvPicPr>
+          <p:cNvPr id="12" name="Imagen 11"/>
+          <p:cNvPicPr>
+            <a:picLocks noChangeAspect="1"/>
+          </p:cNvPicPr>
+          <p:nvPr/>
+        </p:nvPicPr>
+        <p:blipFill>
+          <a:blip r:embed="rId7"/>
+          <a:stretch>
+            <a:fillRect/>
+          </a:stretch>
+        </p:blipFill>
+        <p:spPr>
+          <a:xfrm>
+            <a:off x="2920969" y="2873830"/>
+            <a:ext cx="792617" cy="565493"/>
+          </a:xfrm>
+          <a:prstGeom prst="rect">
+            <a:avLst/>
+          </a:prstGeom>
+        </p:spPr>
+      </p:pic>
+      <p:sp>
+        <p:nvSpPr>
+          <p:cNvPr id="13" name="CuadroTexto 12"/>
+          <p:cNvSpPr txBox="1"/>
+          <p:nvPr/>
+        </p:nvSpPr>
+        <p:spPr>
+          <a:xfrm>
+            <a:off x="457200" y="3866606"/>
+            <a:ext cx="11038114" cy="2308324"/>
+          </a:xfrm>
+          <a:prstGeom prst="rect">
+            <a:avLst/>
+          </a:prstGeom>
+          <a:noFill/>
+        </p:spPr>
+        <p:txBody>
+          <a:bodyPr wrap="square" rtlCol="0">
+            <a:spAutoFit/>
+          </a:bodyPr>
+          <a:lstStyle/>
+          <a:p>
+            <a:pPr marL="285750" indent="-285750">
+              <a:buFont typeface="Arial" panose="020B0604020202020204" pitchFamily="34" charset="0"/>
+              <a:buChar char="•"/>
+            </a:pPr>
+            <a:r>
+              <a:rPr lang="es-PE" dirty="0"/>
+              <a:t>Filósofo dedicado a estudiar temas cercanos al pragmatismo, teoría crítica, deconstrucción, filosofía social, filosofía política, hermenéutica.</a:t>
+            </a:r>
+          </a:p>
+          <a:p>
+            <a:pPr marL="285750" indent="-285750">
+              <a:buFont typeface="Arial" panose="020B0604020202020204" pitchFamily="34" charset="0"/>
+              <a:buChar char="•"/>
+            </a:pPr>
+            <a:r>
+              <a:rPr lang="es-PE" dirty="0"/>
+              <a:t>Tiene intercambios en temas distintos con </a:t>
+            </a:r>
+            <a:r>
+              <a:rPr lang="es-PE" dirty="0" err="1"/>
+              <a:t>Arendt</a:t>
+            </a:r>
+            <a:r>
+              <a:rPr lang="es-PE" dirty="0"/>
+              <a:t>, </a:t>
+            </a:r>
+            <a:r>
+              <a:rPr lang="es-PE" dirty="0" err="1"/>
+              <a:t>Habermas</a:t>
+            </a:r>
+            <a:r>
+              <a:rPr lang="es-PE" dirty="0"/>
+              <a:t>, </a:t>
+            </a:r>
+            <a:r>
+              <a:rPr lang="es-PE" dirty="0" err="1"/>
+              <a:t>Rorty</a:t>
+            </a:r>
+            <a:r>
+              <a:rPr lang="es-PE" dirty="0"/>
+              <a:t>, </a:t>
+            </a:r>
+            <a:r>
+              <a:rPr lang="es-PE" dirty="0" err="1"/>
+              <a:t>Gadamer</a:t>
+            </a:r>
+            <a:r>
+              <a:rPr lang="es-PE" dirty="0"/>
+              <a:t>, </a:t>
+            </a:r>
+            <a:r>
+              <a:rPr lang="es-PE" dirty="0" err="1"/>
+              <a:t>Derrida</a:t>
+            </a:r>
+            <a:r>
+              <a:rPr lang="es-PE" dirty="0"/>
+              <a:t>, Taylor, entre otros.</a:t>
+            </a:r>
+          </a:p>
+          <a:p>
+            <a:pPr marL="285750" indent="-285750">
+              <a:buFont typeface="Arial" panose="020B0604020202020204" pitchFamily="34" charset="0"/>
+              <a:buChar char="•"/>
+            </a:pPr>
+            <a:r>
+              <a:rPr lang="es-PE" dirty="0"/>
+              <a:t>Ha actuado en favor de la práctica social de una </a:t>
+            </a:r>
+            <a:r>
+              <a:rPr lang="es-PE" dirty="0">
+                <a:solidFill>
+                  <a:srgbClr val="FF0000"/>
+                </a:solidFill>
+              </a:rPr>
+              <a:t>democracia participativa</a:t>
+            </a:r>
+            <a:r>
+              <a:rPr lang="es-PE" dirty="0"/>
+              <a:t>. </a:t>
+            </a:r>
+          </a:p>
+          <a:p>
+            <a:pPr marL="285750" indent="-285750">
+              <a:buFont typeface="Arial" panose="020B0604020202020204" pitchFamily="34" charset="0"/>
+              <a:buChar char="•"/>
+            </a:pPr>
+            <a:r>
+              <a:rPr lang="es-PE" dirty="0"/>
+              <a:t>Esto se traduce en su labor sobre el pragmatismo tradicional (norte)americano, el </a:t>
+            </a:r>
+            <a:r>
+              <a:rPr lang="es-PE" dirty="0" err="1"/>
+              <a:t>falibilismo</a:t>
+            </a:r>
+            <a:r>
+              <a:rPr lang="es-PE" dirty="0"/>
+              <a:t>, el pluralismo inclusivo y el cultivo de comunidades con pensamiento crítico. </a:t>
+            </a:r>
+          </a:p>
+          <a:p>
+            <a:pPr marL="285750" indent="-285750">
+              <a:buFont typeface="Arial" panose="020B0604020202020204" pitchFamily="34" charset="0"/>
+              <a:buChar char="•"/>
+            </a:pPr>
+            <a:r>
+              <a:rPr lang="es-PE" dirty="0"/>
+              <a:t>Sostiene que el </a:t>
+            </a:r>
+            <a:r>
+              <a:rPr lang="es-PE" dirty="0" err="1"/>
+              <a:t>falibilismo</a:t>
+            </a:r>
+            <a:r>
+              <a:rPr lang="es-PE" dirty="0"/>
+              <a:t> puede aplicarse tanto al campo epistemológico, como al ámbito moral.</a:t>
+            </a:r>
+          </a:p>
+          <a:p>
+            <a:pPr marL="285750" indent="-285750">
+              <a:buFont typeface="Arial" panose="020B0604020202020204" pitchFamily="34" charset="0"/>
+              <a:buChar char="•"/>
+            </a:pPr>
+            <a:r>
+              <a:rPr lang="es-PE" dirty="0"/>
+              <a:t>Aborda el problema del mal radical</a:t>
+            </a:r>
+          </a:p>
+        </p:txBody>
+      </p:sp>
+    </p:spTree>
+    <p:extLst>
+      <p:ext uri="{BB962C8B-B14F-4D97-AF65-F5344CB8AC3E}">
+        <p14:creationId xmlns:p14="http://schemas.microsoft.com/office/powerpoint/2010/main" val="3179538249"/>
+      </p:ext>
+    </p:extLst>
+  </p:cSld>
+  <p:clrMapOvr>
+    <a:masterClrMapping/>
+  </p:clrMapOvr>
+</p:sld>
+</file>
+
+<file path=ppt/slides/slide20.xml><?xml version="1.0" encoding="utf-8"?>
+<p:sld xmlns:a="http://schemas.openxmlformats.org/drawingml/2006/main" xmlns:r="http://schemas.openxmlformats.org/officeDocument/2006/relationships" xmlns:p="http://schemas.openxmlformats.org/presentationml/2006/main">
+  <p:cSld>
+    <p:spTree>
+      <p:nvGrpSpPr>
+        <p:cNvPr id="1" name="">
+          <a:extLst>
+            <a:ext uri="{FF2B5EF4-FFF2-40B4-BE49-F238E27FC236}">
+              <a16:creationId xmlns:a16="http://schemas.microsoft.com/office/drawing/2014/main" id="{415051FC-72BA-E420-9F73-4C872A6753D4}"/>
+            </a:ext>
+          </a:extLst>
+        </p:cNvPr>
+        <p:cNvGrpSpPr/>
+        <p:nvPr/>
+      </p:nvGrpSpPr>
+      <p:grpSpPr>
+        <a:xfrm>
+          <a:off x="0" y="0"/>
+          <a:ext cx="0" cy="0"/>
+          <a:chOff x="0" y="0"/>
+          <a:chExt cx="0" cy="0"/>
+        </a:xfrm>
+      </p:grpSpPr>
+      <p:pic>
+        <p:nvPicPr>
+          <p:cNvPr id="4" name="Picture 3">
+            <a:extLst>
+              <a:ext uri="{FF2B5EF4-FFF2-40B4-BE49-F238E27FC236}">
+                <a16:creationId xmlns:a16="http://schemas.microsoft.com/office/drawing/2014/main" id="{662CE107-F55A-6629-583D-6E50D5959546}"/>
+              </a:ext>
+            </a:extLst>
+          </p:cNvPr>
+          <p:cNvPicPr>
+            <a:picLocks noChangeAspect="1"/>
+          </p:cNvPicPr>
+          <p:nvPr/>
+        </p:nvPicPr>
+        <p:blipFill>
+          <a:blip r:embed="rId2"/>
+          <a:stretch>
+            <a:fillRect/>
+          </a:stretch>
+        </p:blipFill>
+        <p:spPr>
+          <a:xfrm>
+            <a:off x="2913167" y="55578"/>
+            <a:ext cx="6365666" cy="6746844"/>
+          </a:xfrm>
+          <a:prstGeom prst="rect">
+            <a:avLst/>
+          </a:prstGeom>
+        </p:spPr>
+      </p:pic>
+    </p:spTree>
+    <p:extLst>
+      <p:ext uri="{BB962C8B-B14F-4D97-AF65-F5344CB8AC3E}">
+        <p14:creationId xmlns:p14="http://schemas.microsoft.com/office/powerpoint/2010/main" val="3054610056"/>
+      </p:ext>
+    </p:extLst>
+  </p:cSld>
+  <p:clrMapOvr>
+    <a:masterClrMapping/>
+  </p:clrMapOvr>
+</p:sld>
+</file>
+
+<file path=ppt/slides/slide21.xml><?xml version="1.0" encoding="utf-8"?>
+<p:sld xmlns:a="http://schemas.openxmlformats.org/drawingml/2006/main" xmlns:r="http://schemas.openxmlformats.org/officeDocument/2006/relationships" xmlns:p="http://schemas.openxmlformats.org/presentationml/2006/main">
+  <p:cSld>
+    <p:spTree>
+      <p:nvGrpSpPr>
+        <p:cNvPr id="1" name="">
+          <a:extLst>
+            <a:ext uri="{FF2B5EF4-FFF2-40B4-BE49-F238E27FC236}">
+              <a16:creationId xmlns:a16="http://schemas.microsoft.com/office/drawing/2014/main" id="{6306DA60-FB8E-E549-5298-FE33E593264B}"/>
+            </a:ext>
+          </a:extLst>
+        </p:cNvPr>
+        <p:cNvGrpSpPr/>
+        <p:nvPr/>
+      </p:nvGrpSpPr>
+      <p:grpSpPr>
+        <a:xfrm>
+          <a:off x="0" y="0"/>
+          <a:ext cx="0" cy="0"/>
+          <a:chOff x="0" y="0"/>
+          <a:chExt cx="0" cy="0"/>
+        </a:xfrm>
+      </p:grpSpPr>
+      <p:pic>
+        <p:nvPicPr>
+          <p:cNvPr id="3" name="Picture 2">
+            <a:extLst>
+              <a:ext uri="{FF2B5EF4-FFF2-40B4-BE49-F238E27FC236}">
+                <a16:creationId xmlns:a16="http://schemas.microsoft.com/office/drawing/2014/main" id="{A9A7BB60-0C9C-06D3-D434-7632A312089C}"/>
+              </a:ext>
+            </a:extLst>
+          </p:cNvPr>
+          <p:cNvPicPr>
+            <a:picLocks noChangeAspect="1"/>
+          </p:cNvPicPr>
+          <p:nvPr/>
+        </p:nvPicPr>
+        <p:blipFill>
+          <a:blip r:embed="rId2"/>
+          <a:stretch>
+            <a:fillRect/>
+          </a:stretch>
+        </p:blipFill>
+        <p:spPr>
+          <a:xfrm>
+            <a:off x="2518550" y="0"/>
+            <a:ext cx="7154900" cy="6808480"/>
+          </a:xfrm>
+          <a:prstGeom prst="rect">
+            <a:avLst/>
+          </a:prstGeom>
+        </p:spPr>
+      </p:pic>
+    </p:spTree>
+    <p:extLst>
+      <p:ext uri="{BB962C8B-B14F-4D97-AF65-F5344CB8AC3E}">
+        <p14:creationId xmlns:p14="http://schemas.microsoft.com/office/powerpoint/2010/main" val="1228517490"/>
+      </p:ext>
+    </p:extLst>
+  </p:cSld>
+  <p:clrMapOvr>
+    <a:masterClrMapping/>
+  </p:clrMapOvr>
+</p:sld>
+</file>
+
+<file path=ppt/slides/slide22.xml><?xml version="1.0" encoding="utf-8"?>
+<p:sld xmlns:a="http://schemas.openxmlformats.org/drawingml/2006/main" xmlns:r="http://schemas.openxmlformats.org/officeDocument/2006/relationships" xmlns:p="http://schemas.openxmlformats.org/presentationml/2006/main">
+  <p:cSld>
+    <p:spTree>
+      <p:nvGrpSpPr>
+        <p:cNvPr id="1" name="">
+          <a:extLst>
+            <a:ext uri="{FF2B5EF4-FFF2-40B4-BE49-F238E27FC236}">
+              <a16:creationId xmlns:a16="http://schemas.microsoft.com/office/drawing/2014/main" id="{6F74EA9D-21E0-C1AB-AC81-484DFDFE93E3}"/>
+            </a:ext>
+          </a:extLst>
+        </p:cNvPr>
+        <p:cNvGrpSpPr/>
+        <p:nvPr/>
+      </p:nvGrpSpPr>
+      <p:grpSpPr>
+        <a:xfrm>
+          <a:off x="0" y="0"/>
+          <a:ext cx="0" cy="0"/>
+          <a:chOff x="0" y="0"/>
+          <a:chExt cx="0" cy="0"/>
+        </a:xfrm>
+      </p:grpSpPr>
+      <p:pic>
+        <p:nvPicPr>
+          <p:cNvPr id="4" name="Picture 3">
+            <a:extLst>
+              <a:ext uri="{FF2B5EF4-FFF2-40B4-BE49-F238E27FC236}">
+                <a16:creationId xmlns:a16="http://schemas.microsoft.com/office/drawing/2014/main" id="{8108379E-85BB-8F4F-0696-F41D6959E0EE}"/>
+              </a:ext>
+            </a:extLst>
+          </p:cNvPr>
+          <p:cNvPicPr>
+            <a:picLocks noChangeAspect="1"/>
+          </p:cNvPicPr>
+          <p:nvPr/>
+        </p:nvPicPr>
+        <p:blipFill>
+          <a:blip r:embed="rId2"/>
+          <a:stretch>
+            <a:fillRect/>
+          </a:stretch>
+        </p:blipFill>
+        <p:spPr>
+          <a:xfrm>
+            <a:off x="2662181" y="177127"/>
+            <a:ext cx="6257531" cy="6680873"/>
+          </a:xfrm>
+          <a:prstGeom prst="rect">
+            <a:avLst/>
+          </a:prstGeom>
+        </p:spPr>
+      </p:pic>
+    </p:spTree>
+    <p:extLst>
+      <p:ext uri="{BB962C8B-B14F-4D97-AF65-F5344CB8AC3E}">
+        <p14:creationId xmlns:p14="http://schemas.microsoft.com/office/powerpoint/2010/main" val="3773504520"/>
+      </p:ext>
+    </p:extLst>
+  </p:cSld>
+  <p:clrMapOvr>
+    <a:masterClrMapping/>
+  </p:clrMapOvr>
+</p:sld>
+</file>
+
+<file path=ppt/slides/slide23.xml><?xml version="1.0" encoding="utf-8"?>
+<p:sld xmlns:a="http://schemas.openxmlformats.org/drawingml/2006/main" xmlns:r="http://schemas.openxmlformats.org/officeDocument/2006/relationships" xmlns:p="http://schemas.openxmlformats.org/presentationml/2006/main">
+  <p:cSld>
+    <p:spTree>
+      <p:nvGrpSpPr>
+        <p:cNvPr id="1" name="">
+          <a:extLst>
+            <a:ext uri="{FF2B5EF4-FFF2-40B4-BE49-F238E27FC236}">
+              <a16:creationId xmlns:a16="http://schemas.microsoft.com/office/drawing/2014/main" id="{734C99A5-EEE5-49A1-0EFE-26B841420EBB}"/>
+            </a:ext>
+          </a:extLst>
+        </p:cNvPr>
+        <p:cNvGrpSpPr/>
+        <p:nvPr/>
+      </p:nvGrpSpPr>
+      <p:grpSpPr>
+        <a:xfrm>
+          <a:off x="0" y="0"/>
+          <a:ext cx="0" cy="0"/>
+          <a:chOff x="0" y="0"/>
+          <a:chExt cx="0" cy="0"/>
+        </a:xfrm>
+      </p:grpSpPr>
+      <p:pic>
+        <p:nvPicPr>
+          <p:cNvPr id="3" name="Picture 2">
+            <a:extLst>
+              <a:ext uri="{FF2B5EF4-FFF2-40B4-BE49-F238E27FC236}">
+                <a16:creationId xmlns:a16="http://schemas.microsoft.com/office/drawing/2014/main" id="{77E96FBB-8FCE-9AE4-DEDE-4C5D81EA2711}"/>
+              </a:ext>
+            </a:extLst>
+          </p:cNvPr>
+          <p:cNvPicPr>
+            <a:picLocks noChangeAspect="1"/>
+          </p:cNvPicPr>
+          <p:nvPr/>
+        </p:nvPicPr>
+        <p:blipFill>
+          <a:blip r:embed="rId2"/>
+          <a:stretch>
+            <a:fillRect/>
+          </a:stretch>
+        </p:blipFill>
+        <p:spPr>
+          <a:xfrm>
+            <a:off x="1302193" y="664233"/>
+            <a:ext cx="9587614" cy="5253487"/>
+          </a:xfrm>
+          <a:prstGeom prst="rect">
+            <a:avLst/>
+          </a:prstGeom>
+        </p:spPr>
+      </p:pic>
+    </p:spTree>
+    <p:extLst>
+      <p:ext uri="{BB962C8B-B14F-4D97-AF65-F5344CB8AC3E}">
+        <p14:creationId xmlns:p14="http://schemas.microsoft.com/office/powerpoint/2010/main" val="880745970"/>
+      </p:ext>
+    </p:extLst>
+  </p:cSld>
+  <p:clrMapOvr>
+    <a:masterClrMapping/>
+  </p:clrMapOvr>
+</p:sld>
+</file>
+
+<file path=ppt/slides/slide24.xml><?xml version="1.0" encoding="utf-8"?>
+<p:sld xmlns:a="http://schemas.openxmlformats.org/drawingml/2006/main" xmlns:r="http://schemas.openxmlformats.org/officeDocument/2006/relationships" xmlns:p="http://schemas.openxmlformats.org/presentationml/2006/main">
+  <p:cSld>
+    <p:spTree>
+      <p:nvGrpSpPr>
+        <p:cNvPr id="1" name="">
+          <a:extLst>
+            <a:ext uri="{FF2B5EF4-FFF2-40B4-BE49-F238E27FC236}">
+              <a16:creationId xmlns:a16="http://schemas.microsoft.com/office/drawing/2014/main" id="{346D8CC5-E129-D648-5437-2350253987D1}"/>
+            </a:ext>
+          </a:extLst>
+        </p:cNvPr>
+        <p:cNvGrpSpPr/>
+        <p:nvPr/>
+      </p:nvGrpSpPr>
+      <p:grpSpPr>
+        <a:xfrm>
+          <a:off x="0" y="0"/>
+          <a:ext cx="0" cy="0"/>
+          <a:chOff x="0" y="0"/>
+          <a:chExt cx="0" cy="0"/>
+        </a:xfrm>
+      </p:grpSpPr>
+      <p:pic>
+        <p:nvPicPr>
+          <p:cNvPr id="4" name="Picture 3">
+            <a:extLst>
+              <a:ext uri="{FF2B5EF4-FFF2-40B4-BE49-F238E27FC236}">
+                <a16:creationId xmlns:a16="http://schemas.microsoft.com/office/drawing/2014/main" id="{445BBDBD-40C9-CDB3-04BC-751F25752FD7}"/>
+              </a:ext>
+            </a:extLst>
+          </p:cNvPr>
+          <p:cNvPicPr>
+            <a:picLocks noChangeAspect="1"/>
+          </p:cNvPicPr>
+          <p:nvPr/>
+        </p:nvPicPr>
+        <p:blipFill>
+          <a:blip r:embed="rId2"/>
+          <a:stretch>
+            <a:fillRect/>
+          </a:stretch>
+        </p:blipFill>
+        <p:spPr>
+          <a:xfrm>
+            <a:off x="2575020" y="224500"/>
+            <a:ext cx="7041960" cy="5971706"/>
+          </a:xfrm>
+          <a:prstGeom prst="rect">
+            <a:avLst/>
+          </a:prstGeom>
+        </p:spPr>
+      </p:pic>
+    </p:spTree>
+    <p:extLst>
+      <p:ext uri="{BB962C8B-B14F-4D97-AF65-F5344CB8AC3E}">
+        <p14:creationId xmlns:p14="http://schemas.microsoft.com/office/powerpoint/2010/main" val="2438542550"/>
+      </p:ext>
+    </p:extLst>
+  </p:cSld>
+  <p:clrMapOvr>
+    <a:masterClrMapping/>
+  </p:clrMapOvr>
+</p:sld>
+</file>
+
+<file path=ppt/slides/slide25.xml><?xml version="1.0" encoding="utf-8"?>
+<p:sld xmlns:a="http://schemas.openxmlformats.org/drawingml/2006/main" xmlns:r="http://schemas.openxmlformats.org/officeDocument/2006/relationships" xmlns:p="http://schemas.openxmlformats.org/presentationml/2006/main">
+  <p:cSld>
+    <p:spTree>
+      <p:nvGrpSpPr>
+        <p:cNvPr id="1" name="">
+          <a:extLst>
+            <a:ext uri="{FF2B5EF4-FFF2-40B4-BE49-F238E27FC236}">
+              <a16:creationId xmlns:a16="http://schemas.microsoft.com/office/drawing/2014/main" id="{A80CE8D1-CC22-8A2E-9296-2AE42874DD5F}"/>
+            </a:ext>
+          </a:extLst>
+        </p:cNvPr>
+        <p:cNvGrpSpPr/>
+        <p:nvPr/>
+      </p:nvGrpSpPr>
+      <p:grpSpPr>
+        <a:xfrm>
+          <a:off x="0" y="0"/>
+          <a:ext cx="0" cy="0"/>
+          <a:chOff x="0" y="0"/>
+          <a:chExt cx="0" cy="0"/>
+        </a:xfrm>
+      </p:grpSpPr>
+      <p:pic>
+        <p:nvPicPr>
+          <p:cNvPr id="6" name="Picture 5">
+            <a:extLst>
+              <a:ext uri="{FF2B5EF4-FFF2-40B4-BE49-F238E27FC236}">
+                <a16:creationId xmlns:a16="http://schemas.microsoft.com/office/drawing/2014/main" id="{CFF8D22D-0613-3A8F-976C-B350A1A1E6FD}"/>
+              </a:ext>
+            </a:extLst>
+          </p:cNvPr>
+          <p:cNvPicPr>
+            <a:picLocks noChangeAspect="1"/>
+          </p:cNvPicPr>
+          <p:nvPr/>
+        </p:nvPicPr>
+        <p:blipFill>
+          <a:blip r:embed="rId2"/>
+          <a:stretch>
+            <a:fillRect/>
+          </a:stretch>
+        </p:blipFill>
+        <p:spPr>
+          <a:xfrm>
+            <a:off x="1458169" y="952375"/>
+            <a:ext cx="9275662" cy="4953250"/>
+          </a:xfrm>
+          <a:prstGeom prst="rect">
+            <a:avLst/>
+          </a:prstGeom>
+        </p:spPr>
+      </p:pic>
+    </p:spTree>
+    <p:extLst>
+      <p:ext uri="{BB962C8B-B14F-4D97-AF65-F5344CB8AC3E}">
+        <p14:creationId xmlns:p14="http://schemas.microsoft.com/office/powerpoint/2010/main" val="39637010"/>
+      </p:ext>
+    </p:extLst>
+  </p:cSld>
+  <p:clrMapOvr>
+    <a:masterClrMapping/>
+  </p:clrMapOvr>
+</p:sld>
+</file>
+
+<file path=ppt/slides/slide26.xml><?xml version="1.0" encoding="utf-8"?>
+<p:sld xmlns:a="http://schemas.openxmlformats.org/drawingml/2006/main" xmlns:r="http://schemas.openxmlformats.org/officeDocument/2006/relationships" xmlns:p="http://schemas.openxmlformats.org/presentationml/2006/main">
+  <p:cSld>
+    <p:spTree>
+      <p:nvGrpSpPr>
+        <p:cNvPr id="1" name="">
+          <a:extLst>
+            <a:ext uri="{FF2B5EF4-FFF2-40B4-BE49-F238E27FC236}">
+              <a16:creationId xmlns:a16="http://schemas.microsoft.com/office/drawing/2014/main" id="{C6FE18F2-5CE5-A80E-A376-859C047CBF61}"/>
+            </a:ext>
+          </a:extLst>
+        </p:cNvPr>
+        <p:cNvGrpSpPr/>
+        <p:nvPr/>
+      </p:nvGrpSpPr>
+      <p:grpSpPr>
+        <a:xfrm>
+          <a:off x="0" y="0"/>
+          <a:ext cx="0" cy="0"/>
+          <a:chOff x="0" y="0"/>
+          <a:chExt cx="0" cy="0"/>
+        </a:xfrm>
+      </p:grpSpPr>
+      <p:pic>
+        <p:nvPicPr>
+          <p:cNvPr id="3" name="Picture 2">
+            <a:extLst>
+              <a:ext uri="{FF2B5EF4-FFF2-40B4-BE49-F238E27FC236}">
+                <a16:creationId xmlns:a16="http://schemas.microsoft.com/office/drawing/2014/main" id="{6C6DCAD0-4A93-3B9C-C1EE-D9B347D2F32F}"/>
+              </a:ext>
+            </a:extLst>
+          </p:cNvPr>
+          <p:cNvPicPr>
+            <a:picLocks noChangeAspect="1"/>
+          </p:cNvPicPr>
+          <p:nvPr/>
+        </p:nvPicPr>
+        <p:blipFill>
+          <a:blip r:embed="rId2"/>
+          <a:stretch>
+            <a:fillRect/>
+          </a:stretch>
+        </p:blipFill>
+        <p:spPr>
+          <a:xfrm>
+            <a:off x="1471694" y="571990"/>
+            <a:ext cx="9248611" cy="5155950"/>
+          </a:xfrm>
+          <a:prstGeom prst="rect">
+            <a:avLst/>
+          </a:prstGeom>
+        </p:spPr>
+      </p:pic>
+    </p:spTree>
+    <p:extLst>
+      <p:ext uri="{BB962C8B-B14F-4D97-AF65-F5344CB8AC3E}">
+        <p14:creationId xmlns:p14="http://schemas.microsoft.com/office/powerpoint/2010/main" val="2323199019"/>
+      </p:ext>
+    </p:extLst>
+  </p:cSld>
+  <p:clrMapOvr>
+    <a:masterClrMapping/>
+  </p:clrMapOvr>
+</p:sld>
+</file>
+
+<file path=ppt/slides/slide27.xml><?xml version="1.0" encoding="utf-8"?>
+<p:sld xmlns:a="http://schemas.openxmlformats.org/drawingml/2006/main" xmlns:r="http://schemas.openxmlformats.org/officeDocument/2006/relationships" xmlns:p="http://schemas.openxmlformats.org/presentationml/2006/main">
+  <p:cSld>
+    <p:spTree>
+      <p:nvGrpSpPr>
+        <p:cNvPr id="1" name="">
+          <a:extLst>
+            <a:ext uri="{FF2B5EF4-FFF2-40B4-BE49-F238E27FC236}">
+              <a16:creationId xmlns:a16="http://schemas.microsoft.com/office/drawing/2014/main" id="{E74D5AE0-1C54-DC30-175D-E814CEDCC56E}"/>
+            </a:ext>
+          </a:extLst>
+        </p:cNvPr>
+        <p:cNvGrpSpPr/>
+        <p:nvPr/>
+      </p:nvGrpSpPr>
+      <p:grpSpPr>
+        <a:xfrm>
+          <a:off x="0" y="0"/>
+          <a:ext cx="0" cy="0"/>
+          <a:chOff x="0" y="0"/>
+          <a:chExt cx="0" cy="0"/>
+        </a:xfrm>
+      </p:grpSpPr>
+      <p:pic>
+        <p:nvPicPr>
+          <p:cNvPr id="7" name="Picture 6">
+            <a:extLst>
+              <a:ext uri="{FF2B5EF4-FFF2-40B4-BE49-F238E27FC236}">
+                <a16:creationId xmlns:a16="http://schemas.microsoft.com/office/drawing/2014/main" id="{A3A2B4A3-8495-2ADC-4E8D-4A4390FD9304}"/>
+              </a:ext>
+            </a:extLst>
+          </p:cNvPr>
+          <p:cNvPicPr>
+            <a:picLocks noChangeAspect="1"/>
+          </p:cNvPicPr>
+          <p:nvPr/>
+        </p:nvPicPr>
+        <p:blipFill>
+          <a:blip r:embed="rId2"/>
+          <a:stretch>
+            <a:fillRect/>
+          </a:stretch>
+        </p:blipFill>
+        <p:spPr>
+          <a:xfrm>
+            <a:off x="2343509" y="311942"/>
+            <a:ext cx="7504981" cy="6234115"/>
+          </a:xfrm>
+          <a:prstGeom prst="rect">
+            <a:avLst/>
+          </a:prstGeom>
+        </p:spPr>
+      </p:pic>
+    </p:spTree>
+    <p:extLst>
+      <p:ext uri="{BB962C8B-B14F-4D97-AF65-F5344CB8AC3E}">
+        <p14:creationId xmlns:p14="http://schemas.microsoft.com/office/powerpoint/2010/main" val="2182576271"/>
+      </p:ext>
+    </p:extLst>
+  </p:cSld>
+  <p:clrMapOvr>
+    <a:masterClrMapping/>
+  </p:clrMapOvr>
+</p:sld>
+</file>
+
+<file path=ppt/slides/slide28.xml><?xml version="1.0" encoding="utf-8"?>
+<p:sld xmlns:a="http://schemas.openxmlformats.org/drawingml/2006/main" xmlns:r="http://schemas.openxmlformats.org/officeDocument/2006/relationships" xmlns:p="http://schemas.openxmlformats.org/presentationml/2006/main">
+  <p:cSld>
+    <p:spTree>
+      <p:nvGrpSpPr>
+        <p:cNvPr id="1" name="">
+          <a:extLst>
+            <a:ext uri="{FF2B5EF4-FFF2-40B4-BE49-F238E27FC236}">
+              <a16:creationId xmlns:a16="http://schemas.microsoft.com/office/drawing/2014/main" id="{4824200F-72FB-CFB4-025E-E21153D8B479}"/>
+            </a:ext>
+          </a:extLst>
+        </p:cNvPr>
+        <p:cNvGrpSpPr/>
+        <p:nvPr/>
+      </p:nvGrpSpPr>
+      <p:grpSpPr>
+        <a:xfrm>
+          <a:off x="0" y="0"/>
+          <a:ext cx="0" cy="0"/>
+          <a:chOff x="0" y="0"/>
+          <a:chExt cx="0" cy="0"/>
+        </a:xfrm>
+      </p:grpSpPr>
+      <p:pic>
+        <p:nvPicPr>
+          <p:cNvPr id="9" name="Picture 8">
+            <a:extLst>
+              <a:ext uri="{FF2B5EF4-FFF2-40B4-BE49-F238E27FC236}">
+                <a16:creationId xmlns:a16="http://schemas.microsoft.com/office/drawing/2014/main" id="{9E92DF6D-B321-BF3B-E6E1-CB68ED989923}"/>
+              </a:ext>
+            </a:extLst>
+          </p:cNvPr>
+          <p:cNvPicPr>
+            <a:picLocks noChangeAspect="1"/>
+          </p:cNvPicPr>
+          <p:nvPr/>
+        </p:nvPicPr>
+        <p:blipFill>
+          <a:blip r:embed="rId2"/>
+          <a:stretch>
+            <a:fillRect/>
+          </a:stretch>
+        </p:blipFill>
+        <p:spPr>
+          <a:xfrm>
+            <a:off x="2835214" y="410573"/>
+            <a:ext cx="6764701" cy="6036853"/>
+          </a:xfrm>
+          <a:prstGeom prst="rect">
+            <a:avLst/>
+          </a:prstGeom>
+        </p:spPr>
+      </p:pic>
+    </p:spTree>
+    <p:extLst>
+      <p:ext uri="{BB962C8B-B14F-4D97-AF65-F5344CB8AC3E}">
+        <p14:creationId xmlns:p14="http://schemas.microsoft.com/office/powerpoint/2010/main" val="3658358255"/>
+      </p:ext>
+    </p:extLst>
+  </p:cSld>
+  <p:clrMapOvr>
+    <a:masterClrMapping/>
+  </p:clrMapOvr>
+</p:sld>
+</file>
+
+<file path=ppt/slides/slide29.xml><?xml version="1.0" encoding="utf-8"?>
+<p:sld xmlns:a="http://schemas.openxmlformats.org/drawingml/2006/main" xmlns:r="http://schemas.openxmlformats.org/officeDocument/2006/relationships" xmlns:p="http://schemas.openxmlformats.org/presentationml/2006/main">
+  <p:cSld>
+    <p:spTree>
+      <p:nvGrpSpPr>
+        <p:cNvPr id="1" name=""/>
+        <p:cNvGrpSpPr/>
+        <p:nvPr/>
+      </p:nvGrpSpPr>
+      <p:grpSpPr>
+        <a:xfrm>
+          <a:off x="0" y="0"/>
+          <a:ext cx="0" cy="0"/>
+          <a:chOff x="0" y="0"/>
+          <a:chExt cx="0" cy="0"/>
+        </a:xfrm>
+      </p:grpSpPr>
       <p:sp>
         <p:nvSpPr>
           <p:cNvPr id="3" name="Marcador de contenido 2"/>
@@ -3380,10 +5104,9 @@
           <a:lstStyle/>
           <a:p>
             <a:r>
-              <a:rPr lang="es-PE" dirty="0" smtClean="0"/>
+              <a:rPr lang="es-PE" dirty="0"/>
               <a:t>https://es.slideshare.net/bitocchi/artigas-conocimiento-humano-fiabilidad-y-falibilismo</a:t>
             </a:r>
-            <a:endParaRPr lang="es-PE" dirty="0"/>
           </a:p>
         </p:txBody>
       </p:sp>
@@ -3577,7 +5300,7 @@
 </p:sld>
 </file>
 
-<file path=ppt/slides/slide12.xml><?xml version="1.0" encoding="utf-8"?>
+<file path=ppt/slides/slide3.xml><?xml version="1.0" encoding="utf-8"?>
 <p:sld xmlns:a="http://schemas.openxmlformats.org/drawingml/2006/main" xmlns:r="http://schemas.openxmlformats.org/officeDocument/2006/relationships" xmlns:p="http://schemas.openxmlformats.org/presentationml/2006/main">
   <p:cSld>
     <p:spTree>
@@ -3594,29 +5317,59 @@
           <a:chExt cx="0" cy="0"/>
         </a:xfrm>
       </p:grpSpPr>
-      <p:sp>
-        <p:nvSpPr>
-          <p:cNvPr id="3" name="Marcador de contenido 2"/>
-          <p:cNvSpPr>
-            <a:spLocks noGrp="1"/>
-          </p:cNvSpPr>
-          <p:nvPr>
-            <p:ph idx="1"/>
-          </p:nvPr>
-        </p:nvSpPr>
-        <p:spPr>
-          <a:xfrm>
-            <a:off x="772886" y="231956"/>
-            <a:ext cx="7025640" cy="1022078"/>
-          </a:xfrm>
-        </p:spPr>
-        <p:txBody>
-          <a:bodyPr/>
+      <p:pic>
+        <p:nvPicPr>
+          <p:cNvPr id="4" name="Imagen 3"/>
+          <p:cNvPicPr>
+            <a:picLocks noChangeAspect="1"/>
+          </p:cNvPicPr>
+          <p:nvPr/>
+        </p:nvPicPr>
+        <p:blipFill>
+          <a:blip r:embed="rId2"/>
+          <a:stretch>
+            <a:fillRect/>
+          </a:stretch>
+        </p:blipFill>
+        <p:spPr>
+          <a:xfrm>
+            <a:off x="0" y="-29693"/>
+            <a:ext cx="1967759" cy="2534473"/>
+          </a:xfrm>
+          <a:prstGeom prst="rect">
+            <a:avLst/>
+          </a:prstGeom>
+        </p:spPr>
+      </p:pic>
+      <p:sp>
+        <p:nvSpPr>
+          <p:cNvPr id="5" name="CuadroTexto 4"/>
+          <p:cNvSpPr txBox="1"/>
+          <p:nvPr/>
+        </p:nvSpPr>
+        <p:spPr>
+          <a:xfrm>
+            <a:off x="138581" y="2873830"/>
+            <a:ext cx="2782388" cy="369332"/>
+          </a:xfrm>
+          <a:prstGeom prst="rect">
+            <a:avLst/>
+          </a:prstGeom>
+          <a:noFill/>
+        </p:spPr>
+        <p:txBody>
+          <a:bodyPr wrap="square" rtlCol="0">
+            <a:spAutoFit/>
+          </a:bodyPr>
           <a:lstStyle/>
           <a:p>
             <a:r>
-              <a:rPr lang="es-PE" dirty="0" smtClean="0"/>
-              <a:t>https://es.slideshare.net/bitocchi/artigas-conocimiento-humano-fiabilidad-y-falibilismo</a:t>
+              <a:rPr lang="es-PE" dirty="0"/>
+              <a:t>Charles Sanders </a:t>
+            </a:r>
+            <a:r>
+              <a:rPr lang="es-PE" dirty="0" err="1"/>
+              <a:t>Peirce</a:t>
             </a:r>
             <a:endParaRPr lang="es-PE" dirty="0"/>
           </a:p>
@@ -3624,80 +5377,267 @@
       </p:sp>
       <p:pic>
         <p:nvPicPr>
-          <p:cNvPr id="5" name="Imagen 4"/>
+          <p:cNvPr id="6" name="Imagen 5"/>
           <p:cNvPicPr>
             <a:picLocks noChangeAspect="1"/>
           </p:cNvPicPr>
           <p:nvPr/>
         </p:nvPicPr>
         <p:blipFill>
-          <a:blip r:embed="rId2"/>
-          <a:stretch>
-            <a:fillRect/>
-          </a:stretch>
-        </p:blipFill>
-        <p:spPr>
-          <a:xfrm>
-            <a:off x="8335192" y="0"/>
-            <a:ext cx="3124200" cy="1676400"/>
-          </a:xfrm>
-          <a:prstGeom prst="rect">
-            <a:avLst/>
-          </a:prstGeom>
-        </p:spPr>
-      </p:pic>
-      <p:pic>
-        <p:nvPicPr>
-          <p:cNvPr id="2" name="Imagen 1"/>
+          <a:blip r:embed="rId3"/>
+          <a:stretch>
+            <a:fillRect/>
+          </a:stretch>
+        </p:blipFill>
+        <p:spPr>
+          <a:xfrm>
+            <a:off x="2426756" y="-29693"/>
+            <a:ext cx="1964673" cy="2495666"/>
+          </a:xfrm>
+          <a:prstGeom prst="rect">
+            <a:avLst/>
+          </a:prstGeom>
+        </p:spPr>
+      </p:pic>
+      <p:pic>
+        <p:nvPicPr>
+          <p:cNvPr id="7" name="Imagen 6"/>
           <p:cNvPicPr>
             <a:picLocks noChangeAspect="1"/>
           </p:cNvPicPr>
           <p:nvPr/>
         </p:nvPicPr>
         <p:blipFill>
-          <a:blip r:embed="rId3"/>
-          <a:stretch>
-            <a:fillRect/>
-          </a:stretch>
-        </p:blipFill>
-        <p:spPr>
-          <a:xfrm>
-            <a:off x="875076" y="1389017"/>
-            <a:ext cx="7460116" cy="3013018"/>
-          </a:xfrm>
-          <a:prstGeom prst="rect">
-            <a:avLst/>
-          </a:prstGeom>
-        </p:spPr>
-      </p:pic>
-      <p:pic>
-        <p:nvPicPr>
-          <p:cNvPr id="7" name="Imagen 6"/>
+          <a:blip r:embed="rId4"/>
+          <a:stretch>
+            <a:fillRect/>
+          </a:stretch>
+        </p:blipFill>
+        <p:spPr>
+          <a:xfrm>
+            <a:off x="4850427" y="9114"/>
+            <a:ext cx="2099528" cy="2495666"/>
+          </a:xfrm>
+          <a:prstGeom prst="rect">
+            <a:avLst/>
+          </a:prstGeom>
+        </p:spPr>
+      </p:pic>
+      <p:pic>
+        <p:nvPicPr>
+          <p:cNvPr id="8" name="Imagen 7"/>
           <p:cNvPicPr>
             <a:picLocks noChangeAspect="1"/>
           </p:cNvPicPr>
           <p:nvPr/>
         </p:nvPicPr>
         <p:blipFill>
-          <a:blip r:embed="rId4"/>
-          <a:stretch>
-            <a:fillRect/>
-          </a:stretch>
-        </p:blipFill>
-        <p:spPr>
-          <a:xfrm>
-            <a:off x="1967320" y="4537018"/>
-            <a:ext cx="8574405" cy="1711740"/>
-          </a:xfrm>
-          <a:prstGeom prst="rect">
-            <a:avLst/>
-          </a:prstGeom>
-        </p:spPr>
-      </p:pic>
+          <a:blip r:embed="rId5"/>
+          <a:stretch>
+            <a:fillRect/>
+          </a:stretch>
+        </p:blipFill>
+        <p:spPr>
+          <a:xfrm>
+            <a:off x="7670904" y="12541"/>
+            <a:ext cx="1807842" cy="2492239"/>
+          </a:xfrm>
+          <a:prstGeom prst="rect">
+            <a:avLst/>
+          </a:prstGeom>
+        </p:spPr>
+      </p:pic>
+      <p:pic>
+        <p:nvPicPr>
+          <p:cNvPr id="10" name="Imagen 9"/>
+          <p:cNvPicPr>
+            <a:picLocks noChangeAspect="1"/>
+          </p:cNvPicPr>
+          <p:nvPr/>
+        </p:nvPicPr>
+        <p:blipFill>
+          <a:blip r:embed="rId6"/>
+          <a:stretch>
+            <a:fillRect/>
+          </a:stretch>
+        </p:blipFill>
+        <p:spPr>
+          <a:xfrm>
+            <a:off x="10199696" y="-29693"/>
+            <a:ext cx="1992304" cy="2495666"/>
+          </a:xfrm>
+          <a:prstGeom prst="rect">
+            <a:avLst/>
+          </a:prstGeom>
+        </p:spPr>
+      </p:pic>
+      <p:sp>
+        <p:nvSpPr>
+          <p:cNvPr id="11" name="Rectángulo 10"/>
+          <p:cNvSpPr/>
+          <p:nvPr/>
+        </p:nvSpPr>
+        <p:spPr>
+          <a:xfrm>
+            <a:off x="2425213" y="-49097"/>
+            <a:ext cx="1967759" cy="2534473"/>
+          </a:xfrm>
+          <a:prstGeom prst="rect">
+            <a:avLst/>
+          </a:prstGeom>
+          <a:noFill/>
+          <a:ln w="76200">
+            <a:solidFill>
+              <a:srgbClr val="FF0000"/>
+            </a:solidFill>
+          </a:ln>
+        </p:spPr>
+        <p:style>
+          <a:lnRef idx="2">
+            <a:schemeClr val="accent1">
+              <a:shade val="50000"/>
+            </a:schemeClr>
+          </a:lnRef>
+          <a:fillRef idx="1">
+            <a:schemeClr val="accent1"/>
+          </a:fillRef>
+          <a:effectRef idx="0">
+            <a:schemeClr val="accent1"/>
+          </a:effectRef>
+          <a:fontRef idx="minor">
+            <a:schemeClr val="lt1"/>
+          </a:fontRef>
+        </p:style>
+        <p:txBody>
+          <a:bodyPr rtlCol="0" anchor="ctr"/>
+          <a:lstStyle/>
+          <a:p>
+            <a:pPr algn="ctr"/>
+            <a:endParaRPr lang="es-PE"/>
+          </a:p>
+        </p:txBody>
+      </p:sp>
+      <p:pic>
+        <p:nvPicPr>
+          <p:cNvPr id="12" name="Imagen 11"/>
+          <p:cNvPicPr>
+            <a:picLocks noChangeAspect="1"/>
+          </p:cNvPicPr>
+          <p:nvPr/>
+        </p:nvPicPr>
+        <p:blipFill>
+          <a:blip r:embed="rId7"/>
+          <a:stretch>
+            <a:fillRect/>
+          </a:stretch>
+        </p:blipFill>
+        <p:spPr>
+          <a:xfrm>
+            <a:off x="2920969" y="2873830"/>
+            <a:ext cx="792617" cy="565493"/>
+          </a:xfrm>
+          <a:prstGeom prst="rect">
+            <a:avLst/>
+          </a:prstGeom>
+        </p:spPr>
+      </p:pic>
+      <p:sp>
+        <p:nvSpPr>
+          <p:cNvPr id="13" name="CuadroTexto 12"/>
+          <p:cNvSpPr txBox="1"/>
+          <p:nvPr/>
+        </p:nvSpPr>
+        <p:spPr>
+          <a:xfrm>
+            <a:off x="457200" y="3866606"/>
+            <a:ext cx="11038114" cy="2308324"/>
+          </a:xfrm>
+          <a:prstGeom prst="rect">
+            <a:avLst/>
+          </a:prstGeom>
+          <a:noFill/>
+        </p:spPr>
+        <p:txBody>
+          <a:bodyPr wrap="square" rtlCol="0">
+            <a:spAutoFit/>
+          </a:bodyPr>
+          <a:lstStyle/>
+          <a:p>
+            <a:pPr marL="285750" indent="-285750">
+              <a:buFont typeface="Arial" panose="020B0604020202020204" pitchFamily="34" charset="0"/>
+              <a:buChar char="•"/>
+            </a:pPr>
+            <a:r>
+              <a:rPr lang="es-PE" dirty="0"/>
+              <a:t>Filósofo, lógico, matemático, químico y Físico</a:t>
+            </a:r>
+          </a:p>
+          <a:p>
+            <a:pPr marL="285750" indent="-285750">
+              <a:buFont typeface="Arial" panose="020B0604020202020204" pitchFamily="34" charset="0"/>
+              <a:buChar char="•"/>
+            </a:pPr>
+            <a:r>
+              <a:rPr lang="es-PE" dirty="0"/>
+              <a:t>Padre del pragmatismo</a:t>
+            </a:r>
+          </a:p>
+          <a:p>
+            <a:pPr marL="285750" indent="-285750">
+              <a:buFont typeface="Arial" panose="020B0604020202020204" pitchFamily="34" charset="0"/>
+              <a:buChar char="•"/>
+            </a:pPr>
+            <a:r>
+              <a:rPr lang="es-PE" dirty="0"/>
+              <a:t>Teoría de la Semiótica</a:t>
+            </a:r>
+          </a:p>
+          <a:p>
+            <a:pPr marL="285750" indent="-285750">
+              <a:buFont typeface="Arial" panose="020B0604020202020204" pitchFamily="34" charset="0"/>
+              <a:buChar char="•"/>
+            </a:pPr>
+            <a:r>
+              <a:rPr lang="es-PE" dirty="0"/>
+              <a:t>Lógica Simbólica</a:t>
+            </a:r>
+          </a:p>
+          <a:p>
+            <a:pPr marL="285750" indent="-285750">
+              <a:buFont typeface="Arial" panose="020B0604020202020204" pitchFamily="34" charset="0"/>
+              <a:buChar char="•"/>
+            </a:pPr>
+            <a:r>
+              <a:rPr lang="es-PE" dirty="0"/>
+              <a:t>Signo: Representación mental a través de la cual podemos conocer los objetos de la realidad</a:t>
+            </a:r>
+          </a:p>
+          <a:p>
+            <a:pPr marL="285750" indent="-285750">
+              <a:buFont typeface="Arial" panose="020B0604020202020204" pitchFamily="34" charset="0"/>
+              <a:buChar char="•"/>
+            </a:pPr>
+            <a:r>
+              <a:rPr lang="es-PE" dirty="0"/>
+              <a:t>3 componente del signo: Objeto, Signo e Interpretante</a:t>
+            </a:r>
+          </a:p>
+          <a:p>
+            <a:pPr marL="285750" indent="-285750">
+              <a:buFont typeface="Arial" panose="020B0604020202020204" pitchFamily="34" charset="0"/>
+              <a:buChar char="•"/>
+            </a:pPr>
+            <a:r>
+              <a:rPr lang="es-PE" dirty="0"/>
+              <a:t>En 1886 sostenía que las operaciones lógicas pueden traducirse a los circuitos eléctricos, lo cual ocurre, en efecto, en la tecnología digital. </a:t>
+            </a:r>
+          </a:p>
+        </p:txBody>
+      </p:sp>
     </p:spTree>
     <p:extLst>
       <p:ext uri="{BB962C8B-B14F-4D97-AF65-F5344CB8AC3E}">
-        <p14:creationId xmlns:p14="http://schemas.microsoft.com/office/powerpoint/2010/main" val="3111714393"/>
+        <p14:creationId xmlns:p14="http://schemas.microsoft.com/office/powerpoint/2010/main" val="2157262261"/>
       </p:ext>
     </p:extLst>
   </p:cSld>
@@ -3707,7 +5647,7 @@
 </p:sld>
 </file>
 
-<file path=ppt/slides/slide13.xml><?xml version="1.0" encoding="utf-8"?>
+<file path=ppt/slides/slide30.xml><?xml version="1.0" encoding="utf-8"?>
 <p:sld xmlns:a="http://schemas.openxmlformats.org/drawingml/2006/main" xmlns:r="http://schemas.openxmlformats.org/officeDocument/2006/relationships" xmlns:p="http://schemas.openxmlformats.org/presentationml/2006/main">
   <p:cSld>
     <p:spTree>
@@ -3745,10 +5685,138 @@
           <a:lstStyle/>
           <a:p>
             <a:r>
-              <a:rPr lang="es-PE" dirty="0" smtClean="0"/>
+              <a:rPr lang="es-PE" dirty="0"/>
               <a:t>https://es.slideshare.net/bitocchi/artigas-conocimiento-humano-fiabilidad-y-falibilismo</a:t>
             </a:r>
-            <a:endParaRPr lang="es-PE" dirty="0"/>
+          </a:p>
+        </p:txBody>
+      </p:sp>
+      <p:pic>
+        <p:nvPicPr>
+          <p:cNvPr id="5" name="Imagen 4"/>
+          <p:cNvPicPr>
+            <a:picLocks noChangeAspect="1"/>
+          </p:cNvPicPr>
+          <p:nvPr/>
+        </p:nvPicPr>
+        <p:blipFill>
+          <a:blip r:embed="rId2"/>
+          <a:stretch>
+            <a:fillRect/>
+          </a:stretch>
+        </p:blipFill>
+        <p:spPr>
+          <a:xfrm>
+            <a:off x="8335192" y="0"/>
+            <a:ext cx="3124200" cy="1676400"/>
+          </a:xfrm>
+          <a:prstGeom prst="rect">
+            <a:avLst/>
+          </a:prstGeom>
+        </p:spPr>
+      </p:pic>
+      <p:pic>
+        <p:nvPicPr>
+          <p:cNvPr id="2" name="Imagen 1"/>
+          <p:cNvPicPr>
+            <a:picLocks noChangeAspect="1"/>
+          </p:cNvPicPr>
+          <p:nvPr/>
+        </p:nvPicPr>
+        <p:blipFill>
+          <a:blip r:embed="rId3"/>
+          <a:stretch>
+            <a:fillRect/>
+          </a:stretch>
+        </p:blipFill>
+        <p:spPr>
+          <a:xfrm>
+            <a:off x="875076" y="1389017"/>
+            <a:ext cx="7460116" cy="3013018"/>
+          </a:xfrm>
+          <a:prstGeom prst="rect">
+            <a:avLst/>
+          </a:prstGeom>
+        </p:spPr>
+      </p:pic>
+      <p:pic>
+        <p:nvPicPr>
+          <p:cNvPr id="7" name="Imagen 6"/>
+          <p:cNvPicPr>
+            <a:picLocks noChangeAspect="1"/>
+          </p:cNvPicPr>
+          <p:nvPr/>
+        </p:nvPicPr>
+        <p:blipFill>
+          <a:blip r:embed="rId4"/>
+          <a:stretch>
+            <a:fillRect/>
+          </a:stretch>
+        </p:blipFill>
+        <p:spPr>
+          <a:xfrm>
+            <a:off x="1967320" y="4537018"/>
+            <a:ext cx="8574405" cy="1711740"/>
+          </a:xfrm>
+          <a:prstGeom prst="rect">
+            <a:avLst/>
+          </a:prstGeom>
+        </p:spPr>
+      </p:pic>
+    </p:spTree>
+    <p:extLst>
+      <p:ext uri="{BB962C8B-B14F-4D97-AF65-F5344CB8AC3E}">
+        <p14:creationId xmlns:p14="http://schemas.microsoft.com/office/powerpoint/2010/main" val="3111714393"/>
+      </p:ext>
+    </p:extLst>
+  </p:cSld>
+  <p:clrMapOvr>
+    <a:masterClrMapping/>
+  </p:clrMapOvr>
+</p:sld>
+</file>
+
+<file path=ppt/slides/slide31.xml><?xml version="1.0" encoding="utf-8"?>
+<p:sld xmlns:a="http://schemas.openxmlformats.org/drawingml/2006/main" xmlns:r="http://schemas.openxmlformats.org/officeDocument/2006/relationships" xmlns:p="http://schemas.openxmlformats.org/presentationml/2006/main">
+  <p:cSld>
+    <p:spTree>
+      <p:nvGrpSpPr>
+        <p:cNvPr id="1" name=""/>
+        <p:cNvGrpSpPr/>
+        <p:nvPr/>
+      </p:nvGrpSpPr>
+      <p:grpSpPr>
+        <a:xfrm>
+          <a:off x="0" y="0"/>
+          <a:ext cx="0" cy="0"/>
+          <a:chOff x="0" y="0"/>
+          <a:chExt cx="0" cy="0"/>
+        </a:xfrm>
+      </p:grpSpPr>
+      <p:sp>
+        <p:nvSpPr>
+          <p:cNvPr id="3" name="Marcador de contenido 2"/>
+          <p:cNvSpPr>
+            <a:spLocks noGrp="1"/>
+          </p:cNvSpPr>
+          <p:nvPr>
+            <p:ph idx="1"/>
+          </p:nvPr>
+        </p:nvSpPr>
+        <p:spPr>
+          <a:xfrm>
+            <a:off x="772886" y="231956"/>
+            <a:ext cx="7025640" cy="1022078"/>
+          </a:xfrm>
+        </p:spPr>
+        <p:txBody>
+          <a:bodyPr/>
+          <a:lstStyle/>
+          <a:p>
+            <a:r>
+              <a:rPr lang="es-PE" dirty="0"/>
+              <a:t>https://es.slideshare.net/bitocchi/artigas-conocimiento-humano-fiabilidad-y-falibilismo</a:t>
+            </a:r>
           </a:p>
         </p:txBody>
       </p:sp>
@@ -3918,7 +5986,7 @@
 </p:sld>
 </file>
 
-<file path=ppt/slides/slide14.xml><?xml version="1.0" encoding="utf-8"?>
+<file path=ppt/slides/slide32.xml><?xml version="1.0" encoding="utf-8"?>
 <p:sld xmlns:a="http://schemas.openxmlformats.org/drawingml/2006/main" xmlns:r="http://schemas.openxmlformats.org/officeDocument/2006/relationships" xmlns:p="http://schemas.openxmlformats.org/presentationml/2006/main">
   <p:cSld>
     <p:spTree>
@@ -3956,10 +6024,9 @@
           <a:lstStyle/>
           <a:p>
             <a:r>
-              <a:rPr lang="es-PE" dirty="0" smtClean="0"/>
+              <a:rPr lang="es-PE" dirty="0"/>
               <a:t>https://es.slideshare.net/bitocchi/artigas-conocimiento-humano-fiabilidad-y-falibilismo</a:t>
             </a:r>
-            <a:endParaRPr lang="es-PE" dirty="0"/>
           </a:p>
         </p:txBody>
       </p:sp>
@@ -4059,7 +6126,7 @@
 </p:sld>
 </file>
 
-<file path=ppt/slides/slide15.xml><?xml version="1.0" encoding="utf-8"?>
+<file path=ppt/slides/slide33.xml><?xml version="1.0" encoding="utf-8"?>
 <p:sld xmlns:a="http://schemas.openxmlformats.org/drawingml/2006/main" xmlns:r="http://schemas.openxmlformats.org/officeDocument/2006/relationships" xmlns:p="http://schemas.openxmlformats.org/presentationml/2006/main">
   <p:cSld>
     <p:spTree>
@@ -4097,10 +6164,9 @@
           <a:lstStyle/>
           <a:p>
             <a:r>
-              <a:rPr lang="es-PE" dirty="0" smtClean="0"/>
+              <a:rPr lang="es-PE" dirty="0"/>
               <a:t>https://es.slideshare.net/bitocchi/artigas-conocimiento-humano-fiabilidad-y-falibilismo</a:t>
             </a:r>
-            <a:endParaRPr lang="es-PE" dirty="0"/>
           </a:p>
         </p:txBody>
       </p:sp>
@@ -4189,7 +6255,7 @@
 </p:sld>
 </file>
 
-<file path=ppt/slides/slide16.xml><?xml version="1.0" encoding="utf-8"?>
+<file path=ppt/slides/slide34.xml><?xml version="1.0" encoding="utf-8"?>
 <p:sld xmlns:a="http://schemas.openxmlformats.org/drawingml/2006/main" xmlns:r="http://schemas.openxmlformats.org/officeDocument/2006/relationships" xmlns:p="http://schemas.openxmlformats.org/presentationml/2006/main">
   <p:cSld>
     <p:spTree>
@@ -4227,10 +6293,9 @@
           <a:lstStyle/>
           <a:p>
             <a:r>
-              <a:rPr lang="es-PE" dirty="0" smtClean="0"/>
+              <a:rPr lang="es-PE" dirty="0"/>
               <a:t>https://es.slideshare.net/bitocchi/artigas-conocimiento-humano-fiabilidad-y-falibilismo</a:t>
             </a:r>
-            <a:endParaRPr lang="es-PE" dirty="0"/>
           </a:p>
         </p:txBody>
       </p:sp>
@@ -4330,7 +6395,7 @@
 </p:sld>
 </file>
 
-<file path=ppt/slides/slide17.xml><?xml version="1.0" encoding="utf-8"?>
+<file path=ppt/slides/slide35.xml><?xml version="1.0" encoding="utf-8"?>
 <p:sld xmlns:a="http://schemas.openxmlformats.org/drawingml/2006/main" xmlns:r="http://schemas.openxmlformats.org/officeDocument/2006/relationships" xmlns:p="http://schemas.openxmlformats.org/presentationml/2006/main">
   <p:cSld>
     <p:spTree>
@@ -4410,7 +6475,7 @@
 </p:sld>
 </file>
 
-<file path=ppt/slides/slide18.xml><?xml version="1.0" encoding="utf-8"?>
+<file path=ppt/slides/slide36.xml><?xml version="1.0" encoding="utf-8"?>
 <p:sld xmlns:a="http://schemas.openxmlformats.org/drawingml/2006/main" xmlns:r="http://schemas.openxmlformats.org/officeDocument/2006/relationships" xmlns:p="http://schemas.openxmlformats.org/presentationml/2006/main">
   <p:cSld>
     <p:spTree>
@@ -4488,7 +6553,7 @@
 </p:sld>
 </file>
 
-<file path=ppt/slides/slide19.xml><?xml version="1.0" encoding="utf-8"?>
+<file path=ppt/slides/slide37.xml><?xml version="1.0" encoding="utf-8"?>
 <p:sld xmlns:a="http://schemas.openxmlformats.org/drawingml/2006/main" xmlns:r="http://schemas.openxmlformats.org/officeDocument/2006/relationships" xmlns:p="http://schemas.openxmlformats.org/presentationml/2006/main">
   <p:cSld>
     <p:spTree>
@@ -4566,7 +6631,7 @@
 </p:sld>
 </file>
 
-<file path=ppt/slides/slide2.xml><?xml version="1.0" encoding="utf-8"?>
+<file path=ppt/slides/slide38.xml><?xml version="1.0" encoding="utf-8"?>
 <p:sld xmlns:a="http://schemas.openxmlformats.org/drawingml/2006/main" xmlns:r="http://schemas.openxmlformats.org/officeDocument/2006/relationships" xmlns:p="http://schemas.openxmlformats.org/presentationml/2006/main">
   <p:cSld>
     <p:spTree>
@@ -4599,51 +6664,17 @@
         </p:blipFill>
         <p:spPr>
           <a:xfrm>
-            <a:off x="0" y="-29693"/>
-            <a:ext cx="1967759" cy="2534473"/>
-          </a:xfrm>
-          <a:prstGeom prst="rect">
-            <a:avLst/>
-          </a:prstGeom>
-        </p:spPr>
-      </p:pic>
-      <p:sp>
-        <p:nvSpPr>
-          <p:cNvPr id="5" name="CuadroTexto 4"/>
-          <p:cNvSpPr txBox="1"/>
-          <p:nvPr/>
-        </p:nvSpPr>
-        <p:spPr>
-          <a:xfrm>
-            <a:off x="138581" y="2873830"/>
-            <a:ext cx="2782388" cy="369332"/>
-          </a:xfrm>
-          <a:prstGeom prst="rect">
-            <a:avLst/>
-          </a:prstGeom>
-          <a:noFill/>
-        </p:spPr>
-        <p:txBody>
-          <a:bodyPr wrap="square" rtlCol="0">
-            <a:spAutoFit/>
-          </a:bodyPr>
-          <a:lstStyle/>
-          <a:p>
-            <a:r>
-              <a:rPr lang="es-PE" dirty="0" smtClean="0"/>
-              <a:t>Richard Jacob </a:t>
-            </a:r>
-            <a:r>
-              <a:rPr lang="es-PE" dirty="0" err="1" smtClean="0"/>
-              <a:t>Bernstein</a:t>
-            </a:r>
-            <a:endParaRPr lang="es-PE" dirty="0"/>
-          </a:p>
-        </p:txBody>
-      </p:sp>
-      <p:pic>
-        <p:nvPicPr>
-          <p:cNvPr id="6" name="Imagen 5"/>
+            <a:off x="7395074" y="101600"/>
+            <a:ext cx="4638675" cy="1724025"/>
+          </a:xfrm>
+          <a:prstGeom prst="rect">
+            <a:avLst/>
+          </a:prstGeom>
+        </p:spPr>
+      </p:pic>
+      <p:pic>
+        <p:nvPicPr>
+          <p:cNvPr id="3" name="Imagen 2"/>
           <p:cNvPicPr>
             <a:picLocks noChangeAspect="1"/>
           </p:cNvPicPr>
@@ -4657,312 +6688,18 @@
         </p:blipFill>
         <p:spPr>
           <a:xfrm>
-            <a:off x="2426756" y="-29693"/>
-            <a:ext cx="1964673" cy="2495666"/>
-          </a:xfrm>
-          <a:prstGeom prst="rect">
-            <a:avLst/>
-          </a:prstGeom>
-        </p:spPr>
-      </p:pic>
-      <p:pic>
-        <p:nvPicPr>
-          <p:cNvPr id="7" name="Imagen 6"/>
-          <p:cNvPicPr>
-            <a:picLocks noChangeAspect="1"/>
-          </p:cNvPicPr>
-          <p:nvPr/>
-        </p:nvPicPr>
-        <p:blipFill>
-          <a:blip r:embed="rId4"/>
-          <a:stretch>
-            <a:fillRect/>
-          </a:stretch>
-        </p:blipFill>
-        <p:spPr>
-          <a:xfrm>
-            <a:off x="4850427" y="9114"/>
-            <a:ext cx="2099528" cy="2495666"/>
-          </a:xfrm>
-          <a:prstGeom prst="rect">
-            <a:avLst/>
-          </a:prstGeom>
-        </p:spPr>
-      </p:pic>
-      <p:pic>
-        <p:nvPicPr>
-          <p:cNvPr id="8" name="Imagen 7"/>
-          <p:cNvPicPr>
-            <a:picLocks noChangeAspect="1"/>
-          </p:cNvPicPr>
-          <p:nvPr/>
-        </p:nvPicPr>
-        <p:blipFill>
-          <a:blip r:embed="rId5"/>
-          <a:stretch>
-            <a:fillRect/>
-          </a:stretch>
-        </p:blipFill>
-        <p:spPr>
-          <a:xfrm>
-            <a:off x="7670904" y="12541"/>
-            <a:ext cx="1807842" cy="2492239"/>
-          </a:xfrm>
-          <a:prstGeom prst="rect">
-            <a:avLst/>
-          </a:prstGeom>
-        </p:spPr>
-      </p:pic>
-      <p:pic>
-        <p:nvPicPr>
-          <p:cNvPr id="10" name="Imagen 9"/>
-          <p:cNvPicPr>
-            <a:picLocks noChangeAspect="1"/>
-          </p:cNvPicPr>
-          <p:nvPr/>
-        </p:nvPicPr>
-        <p:blipFill>
-          <a:blip r:embed="rId6"/>
-          <a:stretch>
-            <a:fillRect/>
-          </a:stretch>
-        </p:blipFill>
-        <p:spPr>
-          <a:xfrm>
-            <a:off x="10199696" y="-29693"/>
-            <a:ext cx="1992304" cy="2495666"/>
-          </a:xfrm>
-          <a:prstGeom prst="rect">
-            <a:avLst/>
-          </a:prstGeom>
-        </p:spPr>
-      </p:pic>
-      <p:sp>
-        <p:nvSpPr>
-          <p:cNvPr id="11" name="Rectángulo 10"/>
-          <p:cNvSpPr/>
-          <p:nvPr/>
-        </p:nvSpPr>
-        <p:spPr>
-          <a:xfrm>
-            <a:off x="0" y="-29693"/>
-            <a:ext cx="1967759" cy="2534473"/>
-          </a:xfrm>
-          <a:prstGeom prst="rect">
-            <a:avLst/>
-          </a:prstGeom>
-          <a:noFill/>
-          <a:ln w="76200">
-            <a:solidFill>
-              <a:srgbClr val="FF0000"/>
-            </a:solidFill>
-          </a:ln>
-        </p:spPr>
-        <p:style>
-          <a:lnRef idx="2">
-            <a:schemeClr val="accent1">
-              <a:shade val="50000"/>
-            </a:schemeClr>
-          </a:lnRef>
-          <a:fillRef idx="1">
-            <a:schemeClr val="accent1"/>
-          </a:fillRef>
-          <a:effectRef idx="0">
-            <a:schemeClr val="accent1"/>
-          </a:effectRef>
-          <a:fontRef idx="minor">
-            <a:schemeClr val="lt1"/>
-          </a:fontRef>
-        </p:style>
-        <p:txBody>
-          <a:bodyPr rtlCol="0" anchor="ctr"/>
-          <a:lstStyle/>
-          <a:p>
-            <a:pPr algn="ctr"/>
-            <a:endParaRPr lang="es-PE"/>
-          </a:p>
-        </p:txBody>
-      </p:sp>
-      <p:pic>
-        <p:nvPicPr>
-          <p:cNvPr id="12" name="Imagen 11"/>
-          <p:cNvPicPr>
-            <a:picLocks noChangeAspect="1"/>
-          </p:cNvPicPr>
-          <p:nvPr/>
-        </p:nvPicPr>
-        <p:blipFill>
-          <a:blip r:embed="rId7"/>
-          <a:stretch>
-            <a:fillRect/>
-          </a:stretch>
-        </p:blipFill>
-        <p:spPr>
-          <a:xfrm>
-            <a:off x="2920969" y="2873830"/>
-            <a:ext cx="792617" cy="565493"/>
-          </a:xfrm>
-          <a:prstGeom prst="rect">
-            <a:avLst/>
-          </a:prstGeom>
-        </p:spPr>
-      </p:pic>
-      <p:sp>
-        <p:nvSpPr>
-          <p:cNvPr id="13" name="CuadroTexto 12"/>
-          <p:cNvSpPr txBox="1"/>
-          <p:nvPr/>
-        </p:nvSpPr>
-        <p:spPr>
-          <a:xfrm>
-            <a:off x="457200" y="3866606"/>
-            <a:ext cx="11038114" cy="2308324"/>
-          </a:xfrm>
-          <a:prstGeom prst="rect">
-            <a:avLst/>
-          </a:prstGeom>
-          <a:noFill/>
-        </p:spPr>
-        <p:txBody>
-          <a:bodyPr wrap="square" rtlCol="0">
-            <a:spAutoFit/>
-          </a:bodyPr>
-          <a:lstStyle/>
-          <a:p>
-            <a:pPr marL="285750" indent="-285750">
-              <a:buFont typeface="Arial" panose="020B0604020202020204" pitchFamily="34" charset="0"/>
-              <a:buChar char="•"/>
-            </a:pPr>
-            <a:r>
-              <a:rPr lang="es-PE" dirty="0" smtClean="0"/>
-              <a:t>Filósofo dedicado a estudiar temas cercanos al pragmatismo, teoría crítica, deconstrucción, filosofía social, filosofía política, hermenéutica.</a:t>
-            </a:r>
-          </a:p>
-          <a:p>
-            <a:pPr marL="285750" indent="-285750">
-              <a:buFont typeface="Arial" panose="020B0604020202020204" pitchFamily="34" charset="0"/>
-              <a:buChar char="•"/>
-            </a:pPr>
-            <a:r>
-              <a:rPr lang="es-PE" dirty="0" smtClean="0"/>
-              <a:t>Tiene intercambios en temas distintos con </a:t>
-            </a:r>
-            <a:r>
-              <a:rPr lang="es-PE" dirty="0" err="1" smtClean="0"/>
-              <a:t>Arendt</a:t>
-            </a:r>
-            <a:r>
-              <a:rPr lang="es-PE" dirty="0" smtClean="0"/>
-              <a:t>, </a:t>
-            </a:r>
-            <a:r>
-              <a:rPr lang="es-PE" dirty="0" err="1" smtClean="0"/>
-              <a:t>Habermas</a:t>
-            </a:r>
-            <a:r>
-              <a:rPr lang="es-PE" dirty="0" smtClean="0"/>
-              <a:t>, </a:t>
-            </a:r>
-            <a:r>
-              <a:rPr lang="es-PE" dirty="0" err="1" smtClean="0"/>
-              <a:t>Rorty</a:t>
-            </a:r>
-            <a:r>
-              <a:rPr lang="es-PE" dirty="0" smtClean="0"/>
-              <a:t>, </a:t>
-            </a:r>
-            <a:r>
-              <a:rPr lang="es-PE" dirty="0" err="1" smtClean="0"/>
-              <a:t>Gadamer</a:t>
-            </a:r>
-            <a:r>
-              <a:rPr lang="es-PE" dirty="0" smtClean="0"/>
-              <a:t>, </a:t>
-            </a:r>
-            <a:r>
-              <a:rPr lang="es-PE" dirty="0" err="1" smtClean="0"/>
-              <a:t>Derrida</a:t>
-            </a:r>
-            <a:r>
-              <a:rPr lang="es-PE" dirty="0" smtClean="0"/>
-              <a:t>, Taylor, entre otros.</a:t>
-            </a:r>
-          </a:p>
-          <a:p>
-            <a:pPr marL="285750" indent="-285750">
-              <a:buFont typeface="Arial" panose="020B0604020202020204" pitchFamily="34" charset="0"/>
-              <a:buChar char="•"/>
-            </a:pPr>
-            <a:r>
-              <a:rPr lang="es-PE" dirty="0" smtClean="0"/>
-              <a:t>Ha actuado en favor de la práctica social de una </a:t>
-            </a:r>
-            <a:r>
-              <a:rPr lang="es-PE" dirty="0" smtClean="0">
-                <a:solidFill>
-                  <a:srgbClr val="FF0000"/>
-                </a:solidFill>
-              </a:rPr>
-              <a:t>democracia participativa</a:t>
-            </a:r>
-            <a:r>
-              <a:rPr lang="es-PE" dirty="0" smtClean="0"/>
-              <a:t>. </a:t>
-            </a:r>
-          </a:p>
-          <a:p>
-            <a:pPr marL="285750" indent="-285750">
-              <a:buFont typeface="Arial" panose="020B0604020202020204" pitchFamily="34" charset="0"/>
-              <a:buChar char="•"/>
-            </a:pPr>
-            <a:r>
-              <a:rPr lang="es-PE" dirty="0" smtClean="0"/>
-              <a:t>Esto se traduce en su labor sobre el pragmatismo tradicional (norte)americano, el </a:t>
-            </a:r>
-            <a:r>
-              <a:rPr lang="es-PE" dirty="0" err="1" smtClean="0"/>
-              <a:t>falibilismo</a:t>
-            </a:r>
-            <a:r>
-              <a:rPr lang="es-PE" dirty="0" smtClean="0"/>
-              <a:t>, el pluralismo inclusivo y el cultivo de comunidades con pensamiento crítico. </a:t>
-            </a:r>
-          </a:p>
-          <a:p>
-            <a:pPr marL="285750" indent="-285750">
-              <a:buFont typeface="Arial" panose="020B0604020202020204" pitchFamily="34" charset="0"/>
-              <a:buChar char="•"/>
-            </a:pPr>
-            <a:r>
-              <a:rPr lang="es-PE" dirty="0" smtClean="0"/>
-              <a:t>Sostiene que el </a:t>
-            </a:r>
-            <a:r>
-              <a:rPr lang="es-PE" dirty="0" err="1" smtClean="0"/>
-              <a:t>falibilismo</a:t>
-            </a:r>
-            <a:r>
-              <a:rPr lang="es-PE" dirty="0" smtClean="0"/>
-              <a:t> puede aplicarse tanto al campo epistemológico, como al ámbito moral.</a:t>
-            </a:r>
-          </a:p>
-          <a:p>
-            <a:pPr marL="285750" indent="-285750">
-              <a:buFont typeface="Arial" panose="020B0604020202020204" pitchFamily="34" charset="0"/>
-              <a:buChar char="•"/>
-            </a:pPr>
-            <a:r>
-              <a:rPr lang="es-PE" dirty="0" smtClean="0"/>
-              <a:t>Aborda el problema del mal radical</a:t>
-            </a:r>
-            <a:endParaRPr lang="es-PE" dirty="0"/>
-          </a:p>
-        </p:txBody>
-      </p:sp>
+            <a:off x="231049" y="691924"/>
+            <a:ext cx="6848035" cy="4898979"/>
+          </a:xfrm>
+          <a:prstGeom prst="rect">
+            <a:avLst/>
+          </a:prstGeom>
+        </p:spPr>
+      </p:pic>
     </p:spTree>
     <p:extLst>
       <p:ext uri="{BB962C8B-B14F-4D97-AF65-F5344CB8AC3E}">
-        <p14:creationId xmlns:p14="http://schemas.microsoft.com/office/powerpoint/2010/main" val="3179538249"/>
+        <p14:creationId xmlns:p14="http://schemas.microsoft.com/office/powerpoint/2010/main" val="2599526800"/>
       </p:ext>
     </p:extLst>
   </p:cSld>
@@ -4972,7 +6709,7 @@
 </p:sld>
 </file>
 
-<file path=ppt/slides/slide20.xml><?xml version="1.0" encoding="utf-8"?>
+<file path=ppt/slides/slide39.xml><?xml version="1.0" encoding="utf-8"?>
 <p:sld xmlns:a="http://schemas.openxmlformats.org/drawingml/2006/main" xmlns:r="http://schemas.openxmlformats.org/officeDocument/2006/relationships" xmlns:p="http://schemas.openxmlformats.org/presentationml/2006/main">
   <p:cSld>
     <p:spTree>
@@ -5015,84 +6752,6 @@
       </p:pic>
       <p:pic>
         <p:nvPicPr>
-          <p:cNvPr id="3" name="Imagen 2"/>
-          <p:cNvPicPr>
-            <a:picLocks noChangeAspect="1"/>
-          </p:cNvPicPr>
-          <p:nvPr/>
-        </p:nvPicPr>
-        <p:blipFill>
-          <a:blip r:embed="rId3"/>
-          <a:stretch>
-            <a:fillRect/>
-          </a:stretch>
-        </p:blipFill>
-        <p:spPr>
-          <a:xfrm>
-            <a:off x="231049" y="691924"/>
-            <a:ext cx="6848035" cy="4898979"/>
-          </a:xfrm>
-          <a:prstGeom prst="rect">
-            <a:avLst/>
-          </a:prstGeom>
-        </p:spPr>
-      </p:pic>
-    </p:spTree>
-    <p:extLst>
-      <p:ext uri="{BB962C8B-B14F-4D97-AF65-F5344CB8AC3E}">
-        <p14:creationId xmlns:p14="http://schemas.microsoft.com/office/powerpoint/2010/main" val="2599526800"/>
-      </p:ext>
-    </p:extLst>
-  </p:cSld>
-  <p:clrMapOvr>
-    <a:masterClrMapping/>
-  </p:clrMapOvr>
-</p:sld>
-</file>
-
-<file path=ppt/slides/slide21.xml><?xml version="1.0" encoding="utf-8"?>
-<p:sld xmlns:a="http://schemas.openxmlformats.org/drawingml/2006/main" xmlns:r="http://schemas.openxmlformats.org/officeDocument/2006/relationships" xmlns:p="http://schemas.openxmlformats.org/presentationml/2006/main">
-  <p:cSld>
-    <p:spTree>
-      <p:nvGrpSpPr>
-        <p:cNvPr id="1" name=""/>
-        <p:cNvGrpSpPr/>
-        <p:nvPr/>
-      </p:nvGrpSpPr>
-      <p:grpSpPr>
-        <a:xfrm>
-          <a:off x="0" y="0"/>
-          <a:ext cx="0" cy="0"/>
-          <a:chOff x="0" y="0"/>
-          <a:chExt cx="0" cy="0"/>
-        </a:xfrm>
-      </p:grpSpPr>
-      <p:pic>
-        <p:nvPicPr>
-          <p:cNvPr id="4" name="Imagen 3"/>
-          <p:cNvPicPr>
-            <a:picLocks noChangeAspect="1"/>
-          </p:cNvPicPr>
-          <p:nvPr/>
-        </p:nvPicPr>
-        <p:blipFill>
-          <a:blip r:embed="rId2"/>
-          <a:stretch>
-            <a:fillRect/>
-          </a:stretch>
-        </p:blipFill>
-        <p:spPr>
-          <a:xfrm>
-            <a:off x="7395074" y="101600"/>
-            <a:ext cx="4638675" cy="1724025"/>
-          </a:xfrm>
-          <a:prstGeom prst="rect">
-            <a:avLst/>
-          </a:prstGeom>
-        </p:spPr>
-      </p:pic>
-      <p:pic>
-        <p:nvPicPr>
           <p:cNvPr id="2" name="Imagen 1"/>
           <p:cNvPicPr>
             <a:picLocks noChangeAspect="1"/>
@@ -5119,1127 +6778,6 @@
     <p:extLst>
       <p:ext uri="{BB962C8B-B14F-4D97-AF65-F5344CB8AC3E}">
         <p14:creationId xmlns:p14="http://schemas.microsoft.com/office/powerpoint/2010/main" val="499677920"/>
-      </p:ext>
-    </p:extLst>
-  </p:cSld>
-  <p:clrMapOvr>
-    <a:masterClrMapping/>
-  </p:clrMapOvr>
-</p:sld>
-</file>
-
-<file path=ppt/slides/slide22.xml><?xml version="1.0" encoding="utf-8"?>
-<p:sld xmlns:a="http://schemas.openxmlformats.org/drawingml/2006/main" xmlns:r="http://schemas.openxmlformats.org/officeDocument/2006/relationships" xmlns:p="http://schemas.openxmlformats.org/presentationml/2006/main">
-  <p:cSld>
-    <p:spTree>
-      <p:nvGrpSpPr>
-        <p:cNvPr id="1" name=""/>
-        <p:cNvGrpSpPr/>
-        <p:nvPr/>
-      </p:nvGrpSpPr>
-      <p:grpSpPr>
-        <a:xfrm>
-          <a:off x="0" y="0"/>
-          <a:ext cx="0" cy="0"/>
-          <a:chOff x="0" y="0"/>
-          <a:chExt cx="0" cy="0"/>
-        </a:xfrm>
-      </p:grpSpPr>
-      <p:pic>
-        <p:nvPicPr>
-          <p:cNvPr id="4" name="Imagen 3"/>
-          <p:cNvPicPr>
-            <a:picLocks noChangeAspect="1"/>
-          </p:cNvPicPr>
-          <p:nvPr/>
-        </p:nvPicPr>
-        <p:blipFill>
-          <a:blip r:embed="rId2"/>
-          <a:stretch>
-            <a:fillRect/>
-          </a:stretch>
-        </p:blipFill>
-        <p:spPr>
-          <a:xfrm>
-            <a:off x="7395074" y="101600"/>
-            <a:ext cx="4638675" cy="1724025"/>
-          </a:xfrm>
-          <a:prstGeom prst="rect">
-            <a:avLst/>
-          </a:prstGeom>
-        </p:spPr>
-      </p:pic>
-      <p:pic>
-        <p:nvPicPr>
-          <p:cNvPr id="3" name="Imagen 2"/>
-          <p:cNvPicPr>
-            <a:picLocks noChangeAspect="1"/>
-          </p:cNvPicPr>
-          <p:nvPr/>
-        </p:nvPicPr>
-        <p:blipFill>
-          <a:blip r:embed="rId3"/>
-          <a:stretch>
-            <a:fillRect/>
-          </a:stretch>
-        </p:blipFill>
-        <p:spPr>
-          <a:xfrm>
-            <a:off x="108857" y="963612"/>
-            <a:ext cx="7405238" cy="4096022"/>
-          </a:xfrm>
-          <a:prstGeom prst="rect">
-            <a:avLst/>
-          </a:prstGeom>
-        </p:spPr>
-      </p:pic>
-    </p:spTree>
-    <p:extLst>
-      <p:ext uri="{BB962C8B-B14F-4D97-AF65-F5344CB8AC3E}">
-        <p14:creationId xmlns:p14="http://schemas.microsoft.com/office/powerpoint/2010/main" val="1171128212"/>
-      </p:ext>
-    </p:extLst>
-  </p:cSld>
-  <p:clrMapOvr>
-    <a:masterClrMapping/>
-  </p:clrMapOvr>
-</p:sld>
-</file>
-
-<file path=ppt/slides/slide23.xml><?xml version="1.0" encoding="utf-8"?>
-<p:sld xmlns:a="http://schemas.openxmlformats.org/drawingml/2006/main" xmlns:r="http://schemas.openxmlformats.org/officeDocument/2006/relationships" xmlns:p="http://schemas.openxmlformats.org/presentationml/2006/main">
-  <p:cSld>
-    <p:spTree>
-      <p:nvGrpSpPr>
-        <p:cNvPr id="1" name=""/>
-        <p:cNvGrpSpPr/>
-        <p:nvPr/>
-      </p:nvGrpSpPr>
-      <p:grpSpPr>
-        <a:xfrm>
-          <a:off x="0" y="0"/>
-          <a:ext cx="0" cy="0"/>
-          <a:chOff x="0" y="0"/>
-          <a:chExt cx="0" cy="0"/>
-        </a:xfrm>
-      </p:grpSpPr>
-      <p:pic>
-        <p:nvPicPr>
-          <p:cNvPr id="5" name="Imagen 4"/>
-          <p:cNvPicPr>
-            <a:picLocks noChangeAspect="1"/>
-          </p:cNvPicPr>
-          <p:nvPr/>
-        </p:nvPicPr>
-        <p:blipFill>
-          <a:blip r:embed="rId2"/>
-          <a:stretch>
-            <a:fillRect/>
-          </a:stretch>
-        </p:blipFill>
-        <p:spPr>
-          <a:xfrm>
-            <a:off x="345038" y="1062874"/>
-            <a:ext cx="11392058" cy="4978990"/>
-          </a:xfrm>
-          <a:prstGeom prst="rect">
-            <a:avLst/>
-          </a:prstGeom>
-        </p:spPr>
-      </p:pic>
-      <p:sp>
-        <p:nvSpPr>
-          <p:cNvPr id="6" name="Rectángulo 5"/>
-          <p:cNvSpPr/>
-          <p:nvPr/>
-        </p:nvSpPr>
-        <p:spPr>
-          <a:xfrm>
-            <a:off x="345038" y="4517409"/>
-            <a:ext cx="10764240" cy="736979"/>
-          </a:xfrm>
-          <a:prstGeom prst="rect">
-            <a:avLst/>
-          </a:prstGeom>
-          <a:noFill/>
-          <a:ln w="76200">
-            <a:solidFill>
-              <a:srgbClr val="00B050"/>
-            </a:solidFill>
-          </a:ln>
-        </p:spPr>
-        <p:style>
-          <a:lnRef idx="2">
-            <a:schemeClr val="accent1">
-              <a:shade val="50000"/>
-            </a:schemeClr>
-          </a:lnRef>
-          <a:fillRef idx="1">
-            <a:schemeClr val="accent1"/>
-          </a:fillRef>
-          <a:effectRef idx="0">
-            <a:schemeClr val="accent1"/>
-          </a:effectRef>
-          <a:fontRef idx="minor">
-            <a:schemeClr val="lt1"/>
-          </a:fontRef>
-        </p:style>
-        <p:txBody>
-          <a:bodyPr rtlCol="0" anchor="ctr"/>
-          <a:lstStyle/>
-          <a:p>
-            <a:pPr algn="ctr"/>
-            <a:endParaRPr lang="es-PE"/>
-          </a:p>
-        </p:txBody>
-      </p:sp>
-      <p:sp>
-        <p:nvSpPr>
-          <p:cNvPr id="2" name="Rectángulo 1"/>
-          <p:cNvSpPr/>
-          <p:nvPr/>
-        </p:nvSpPr>
-        <p:spPr>
-          <a:xfrm>
-            <a:off x="457200" y="1502229"/>
-            <a:ext cx="11279896" cy="1227908"/>
-          </a:xfrm>
-          <a:prstGeom prst="rect">
-            <a:avLst/>
-          </a:prstGeom>
-          <a:noFill/>
-          <a:ln w="76200">
-            <a:solidFill>
-              <a:srgbClr val="FF0000"/>
-            </a:solidFill>
-          </a:ln>
-        </p:spPr>
-        <p:style>
-          <a:lnRef idx="2">
-            <a:schemeClr val="accent1">
-              <a:shade val="50000"/>
-            </a:schemeClr>
-          </a:lnRef>
-          <a:fillRef idx="1">
-            <a:schemeClr val="accent1"/>
-          </a:fillRef>
-          <a:effectRef idx="0">
-            <a:schemeClr val="accent1"/>
-          </a:effectRef>
-          <a:fontRef idx="minor">
-            <a:schemeClr val="lt1"/>
-          </a:fontRef>
-        </p:style>
-        <p:txBody>
-          <a:bodyPr rtlCol="0" anchor="ctr"/>
-          <a:lstStyle/>
-          <a:p>
-            <a:pPr algn="ctr"/>
-            <a:endParaRPr lang="es-PE"/>
-          </a:p>
-        </p:txBody>
-      </p:sp>
-    </p:spTree>
-    <p:extLst>
-      <p:ext uri="{BB962C8B-B14F-4D97-AF65-F5344CB8AC3E}">
-        <p14:creationId xmlns:p14="http://schemas.microsoft.com/office/powerpoint/2010/main" val="30880379"/>
-      </p:ext>
-    </p:extLst>
-  </p:cSld>
-  <p:clrMapOvr>
-    <a:masterClrMapping/>
-  </p:clrMapOvr>
-</p:sld>
-</file>
-
-<file path=ppt/slides/slide24.xml><?xml version="1.0" encoding="utf-8"?>
-<p:sld xmlns:a="http://schemas.openxmlformats.org/drawingml/2006/main" xmlns:r="http://schemas.openxmlformats.org/officeDocument/2006/relationships" xmlns:p="http://schemas.openxmlformats.org/presentationml/2006/main">
-  <p:cSld>
-    <p:spTree>
-      <p:nvGrpSpPr>
-        <p:cNvPr id="1" name=""/>
-        <p:cNvGrpSpPr/>
-        <p:nvPr/>
-      </p:nvGrpSpPr>
-      <p:grpSpPr>
-        <a:xfrm>
-          <a:off x="0" y="0"/>
-          <a:ext cx="0" cy="0"/>
-          <a:chOff x="0" y="0"/>
-          <a:chExt cx="0" cy="0"/>
-        </a:xfrm>
-      </p:grpSpPr>
-      <p:pic>
-        <p:nvPicPr>
-          <p:cNvPr id="4" name="Imagen 3"/>
-          <p:cNvPicPr>
-            <a:picLocks noChangeAspect="1"/>
-          </p:cNvPicPr>
-          <p:nvPr/>
-        </p:nvPicPr>
-        <p:blipFill>
-          <a:blip r:embed="rId2"/>
-          <a:stretch>
-            <a:fillRect/>
-          </a:stretch>
-        </p:blipFill>
-        <p:spPr>
-          <a:xfrm>
-            <a:off x="6664914" y="163965"/>
-            <a:ext cx="5419725" cy="2219325"/>
-          </a:xfrm>
-          <a:prstGeom prst="rect">
-            <a:avLst/>
-          </a:prstGeom>
-        </p:spPr>
-      </p:pic>
-      <p:pic>
-        <p:nvPicPr>
-          <p:cNvPr id="5" name="Imagen 4"/>
-          <p:cNvPicPr>
-            <a:picLocks noChangeAspect="1"/>
-          </p:cNvPicPr>
-          <p:nvPr/>
-        </p:nvPicPr>
-        <p:blipFill>
-          <a:blip r:embed="rId3"/>
-          <a:stretch>
-            <a:fillRect/>
-          </a:stretch>
-        </p:blipFill>
-        <p:spPr>
-          <a:xfrm>
-            <a:off x="1362210" y="2967173"/>
-            <a:ext cx="9584464" cy="2951561"/>
-          </a:xfrm>
-          <a:prstGeom prst="rect">
-            <a:avLst/>
-          </a:prstGeom>
-        </p:spPr>
-      </p:pic>
-      <p:sp>
-        <p:nvSpPr>
-          <p:cNvPr id="2" name="Rectángulo 1"/>
-          <p:cNvSpPr/>
-          <p:nvPr/>
-        </p:nvSpPr>
-        <p:spPr>
-          <a:xfrm>
-            <a:off x="1463040" y="4624251"/>
-            <a:ext cx="9274629" cy="1294483"/>
-          </a:xfrm>
-          <a:prstGeom prst="rect">
-            <a:avLst/>
-          </a:prstGeom>
-          <a:noFill/>
-          <a:ln w="76200">
-            <a:solidFill>
-              <a:srgbClr val="FF0000"/>
-            </a:solidFill>
-          </a:ln>
-        </p:spPr>
-        <p:style>
-          <a:lnRef idx="2">
-            <a:schemeClr val="accent1">
-              <a:shade val="50000"/>
-            </a:schemeClr>
-          </a:lnRef>
-          <a:fillRef idx="1">
-            <a:schemeClr val="accent1"/>
-          </a:fillRef>
-          <a:effectRef idx="0">
-            <a:schemeClr val="accent1"/>
-          </a:effectRef>
-          <a:fontRef idx="minor">
-            <a:schemeClr val="lt1"/>
-          </a:fontRef>
-        </p:style>
-        <p:txBody>
-          <a:bodyPr rot="0" spcFirstLastPara="0" vertOverflow="overflow" horzOverflow="overflow" vert="horz" wrap="square" lIns="91440" tIns="45720" rIns="91440" bIns="45720" numCol="1" spcCol="0" rtlCol="0" fromWordArt="0" anchor="ctr" anchorCtr="0" forceAA="0" compatLnSpc="1">
-            <a:prstTxWarp prst="textNoShape">
-              <a:avLst/>
-            </a:prstTxWarp>
-            <a:noAutofit/>
-          </a:bodyPr>
-          <a:lstStyle/>
-          <a:p>
-            <a:pPr algn="ctr"/>
-            <a:endParaRPr lang="es-PE"/>
-          </a:p>
-        </p:txBody>
-      </p:sp>
-    </p:spTree>
-    <p:extLst>
-      <p:ext uri="{BB962C8B-B14F-4D97-AF65-F5344CB8AC3E}">
-        <p14:creationId xmlns:p14="http://schemas.microsoft.com/office/powerpoint/2010/main" val="815429142"/>
-      </p:ext>
-    </p:extLst>
-  </p:cSld>
-  <p:clrMapOvr>
-    <a:masterClrMapping/>
-  </p:clrMapOvr>
-</p:sld>
-</file>
-
-<file path=ppt/slides/slide25.xml><?xml version="1.0" encoding="utf-8"?>
-<p:sld xmlns:a="http://schemas.openxmlformats.org/drawingml/2006/main" xmlns:r="http://schemas.openxmlformats.org/officeDocument/2006/relationships" xmlns:p="http://schemas.openxmlformats.org/presentationml/2006/main">
-  <p:cSld>
-    <p:spTree>
-      <p:nvGrpSpPr>
-        <p:cNvPr id="1" name=""/>
-        <p:cNvGrpSpPr/>
-        <p:nvPr/>
-      </p:nvGrpSpPr>
-      <p:grpSpPr>
-        <a:xfrm>
-          <a:off x="0" y="0"/>
-          <a:ext cx="0" cy="0"/>
-          <a:chOff x="0" y="0"/>
-          <a:chExt cx="0" cy="0"/>
-        </a:xfrm>
-      </p:grpSpPr>
-      <p:pic>
-        <p:nvPicPr>
-          <p:cNvPr id="2" name="Imagen 1"/>
-          <p:cNvPicPr>
-            <a:picLocks noChangeAspect="1"/>
-          </p:cNvPicPr>
-          <p:nvPr/>
-        </p:nvPicPr>
-        <p:blipFill>
-          <a:blip r:embed="rId2"/>
-          <a:stretch>
-            <a:fillRect/>
-          </a:stretch>
-        </p:blipFill>
-        <p:spPr>
-          <a:xfrm>
-            <a:off x="1285562" y="511271"/>
-            <a:ext cx="9452105" cy="5736450"/>
-          </a:xfrm>
-          <a:prstGeom prst="rect">
-            <a:avLst/>
-          </a:prstGeom>
-        </p:spPr>
-      </p:pic>
-      <p:sp>
-        <p:nvSpPr>
-          <p:cNvPr id="3" name="Rectángulo 2"/>
-          <p:cNvSpPr/>
-          <p:nvPr/>
-        </p:nvSpPr>
-        <p:spPr>
-          <a:xfrm>
-            <a:off x="1285562" y="5003074"/>
-            <a:ext cx="9621924" cy="1371600"/>
-          </a:xfrm>
-          <a:prstGeom prst="rect">
-            <a:avLst/>
-          </a:prstGeom>
-          <a:noFill/>
-          <a:ln w="76200">
-            <a:solidFill>
-              <a:srgbClr val="FF0000"/>
-            </a:solidFill>
-          </a:ln>
-        </p:spPr>
-        <p:style>
-          <a:lnRef idx="2">
-            <a:schemeClr val="accent1">
-              <a:shade val="50000"/>
-            </a:schemeClr>
-          </a:lnRef>
-          <a:fillRef idx="1">
-            <a:schemeClr val="accent1"/>
-          </a:fillRef>
-          <a:effectRef idx="0">
-            <a:schemeClr val="accent1"/>
-          </a:effectRef>
-          <a:fontRef idx="minor">
-            <a:schemeClr val="lt1"/>
-          </a:fontRef>
-        </p:style>
-        <p:txBody>
-          <a:bodyPr rot="0" spcFirstLastPara="0" vertOverflow="overflow" horzOverflow="overflow" vert="horz" wrap="square" lIns="91440" tIns="45720" rIns="91440" bIns="45720" numCol="1" spcCol="0" rtlCol="0" fromWordArt="0" anchor="ctr" anchorCtr="0" forceAA="0" compatLnSpc="1">
-            <a:prstTxWarp prst="textNoShape">
-              <a:avLst/>
-            </a:prstTxWarp>
-            <a:noAutofit/>
-          </a:bodyPr>
-          <a:lstStyle/>
-          <a:p>
-            <a:pPr algn="ctr"/>
-            <a:endParaRPr lang="es-PE"/>
-          </a:p>
-        </p:txBody>
-      </p:sp>
-    </p:spTree>
-    <p:extLst>
-      <p:ext uri="{BB962C8B-B14F-4D97-AF65-F5344CB8AC3E}">
-        <p14:creationId xmlns:p14="http://schemas.microsoft.com/office/powerpoint/2010/main" val="2146639889"/>
-      </p:ext>
-    </p:extLst>
-  </p:cSld>
-  <p:clrMapOvr>
-    <a:masterClrMapping/>
-  </p:clrMapOvr>
-</p:sld>
-</file>
-
-<file path=ppt/slides/slide26.xml><?xml version="1.0" encoding="utf-8"?>
-<p:sld xmlns:a="http://schemas.openxmlformats.org/drawingml/2006/main" xmlns:r="http://schemas.openxmlformats.org/officeDocument/2006/relationships" xmlns:p="http://schemas.openxmlformats.org/presentationml/2006/main">
-  <p:cSld>
-    <p:spTree>
-      <p:nvGrpSpPr>
-        <p:cNvPr id="1" name=""/>
-        <p:cNvGrpSpPr/>
-        <p:nvPr/>
-      </p:nvGrpSpPr>
-      <p:grpSpPr>
-        <a:xfrm>
-          <a:off x="0" y="0"/>
-          <a:ext cx="0" cy="0"/>
-          <a:chOff x="0" y="0"/>
-          <a:chExt cx="0" cy="0"/>
-        </a:xfrm>
-      </p:grpSpPr>
-      <p:pic>
-        <p:nvPicPr>
-          <p:cNvPr id="3" name="Imagen 2"/>
-          <p:cNvPicPr>
-            <a:picLocks noChangeAspect="1"/>
-          </p:cNvPicPr>
-          <p:nvPr/>
-        </p:nvPicPr>
-        <p:blipFill>
-          <a:blip r:embed="rId2"/>
-          <a:stretch>
-            <a:fillRect/>
-          </a:stretch>
-        </p:blipFill>
-        <p:spPr>
-          <a:xfrm>
-            <a:off x="461144" y="1168444"/>
-            <a:ext cx="10313133" cy="3521121"/>
-          </a:xfrm>
-          <a:prstGeom prst="rect">
-            <a:avLst/>
-          </a:prstGeom>
-        </p:spPr>
-      </p:pic>
-    </p:spTree>
-    <p:extLst>
-      <p:ext uri="{BB962C8B-B14F-4D97-AF65-F5344CB8AC3E}">
-        <p14:creationId xmlns:p14="http://schemas.microsoft.com/office/powerpoint/2010/main" val="569063724"/>
-      </p:ext>
-    </p:extLst>
-  </p:cSld>
-  <p:clrMapOvr>
-    <a:masterClrMapping/>
-  </p:clrMapOvr>
-</p:sld>
-</file>
-
-<file path=ppt/slides/slide27.xml><?xml version="1.0" encoding="utf-8"?>
-<p:sld xmlns:a="http://schemas.openxmlformats.org/drawingml/2006/main" xmlns:r="http://schemas.openxmlformats.org/officeDocument/2006/relationships" xmlns:p="http://schemas.openxmlformats.org/presentationml/2006/main">
-  <p:cSld>
-    <p:spTree>
-      <p:nvGrpSpPr>
-        <p:cNvPr id="1" name=""/>
-        <p:cNvGrpSpPr/>
-        <p:nvPr/>
-      </p:nvGrpSpPr>
-      <p:grpSpPr>
-        <a:xfrm>
-          <a:off x="0" y="0"/>
-          <a:ext cx="0" cy="0"/>
-          <a:chOff x="0" y="0"/>
-          <a:chExt cx="0" cy="0"/>
-        </a:xfrm>
-      </p:grpSpPr>
-      <p:pic>
-        <p:nvPicPr>
-          <p:cNvPr id="4" name="Imagen 3"/>
-          <p:cNvPicPr>
-            <a:picLocks noChangeAspect="1"/>
-          </p:cNvPicPr>
-          <p:nvPr/>
-        </p:nvPicPr>
-        <p:blipFill>
-          <a:blip r:embed="rId2"/>
-          <a:stretch>
-            <a:fillRect/>
-          </a:stretch>
-        </p:blipFill>
-        <p:spPr>
-          <a:xfrm>
-            <a:off x="6664914" y="163965"/>
-            <a:ext cx="5419725" cy="2219325"/>
-          </a:xfrm>
-          <a:prstGeom prst="rect">
-            <a:avLst/>
-          </a:prstGeom>
-        </p:spPr>
-      </p:pic>
-      <p:pic>
-        <p:nvPicPr>
-          <p:cNvPr id="2" name="Imagen 1"/>
-          <p:cNvPicPr>
-            <a:picLocks noChangeAspect="1"/>
-          </p:cNvPicPr>
-          <p:nvPr/>
-        </p:nvPicPr>
-        <p:blipFill>
-          <a:blip r:embed="rId3"/>
-          <a:stretch>
-            <a:fillRect/>
-          </a:stretch>
-        </p:blipFill>
-        <p:spPr>
-          <a:xfrm>
-            <a:off x="439782" y="2770278"/>
-            <a:ext cx="10936738" cy="3094945"/>
-          </a:xfrm>
-          <a:prstGeom prst="rect">
-            <a:avLst/>
-          </a:prstGeom>
-        </p:spPr>
-      </p:pic>
-    </p:spTree>
-    <p:extLst>
-      <p:ext uri="{BB962C8B-B14F-4D97-AF65-F5344CB8AC3E}">
-        <p14:creationId xmlns:p14="http://schemas.microsoft.com/office/powerpoint/2010/main" val="1959097156"/>
-      </p:ext>
-    </p:extLst>
-  </p:cSld>
-  <p:clrMapOvr>
-    <a:masterClrMapping/>
-  </p:clrMapOvr>
-</p:sld>
-</file>
-
-<file path=ppt/slides/slide28.xml><?xml version="1.0" encoding="utf-8"?>
-<p:sld xmlns:a="http://schemas.openxmlformats.org/drawingml/2006/main" xmlns:r="http://schemas.openxmlformats.org/officeDocument/2006/relationships" xmlns:p="http://schemas.openxmlformats.org/presentationml/2006/main">
-  <p:cSld>
-    <p:spTree>
-      <p:nvGrpSpPr>
-        <p:cNvPr id="1" name=""/>
-        <p:cNvGrpSpPr/>
-        <p:nvPr/>
-      </p:nvGrpSpPr>
-      <p:grpSpPr>
-        <a:xfrm>
-          <a:off x="0" y="0"/>
-          <a:ext cx="0" cy="0"/>
-          <a:chOff x="0" y="0"/>
-          <a:chExt cx="0" cy="0"/>
-        </a:xfrm>
-      </p:grpSpPr>
-      <p:pic>
-        <p:nvPicPr>
-          <p:cNvPr id="4" name="Imagen 3"/>
-          <p:cNvPicPr>
-            <a:picLocks noChangeAspect="1"/>
-          </p:cNvPicPr>
-          <p:nvPr/>
-        </p:nvPicPr>
-        <p:blipFill>
-          <a:blip r:embed="rId2"/>
-          <a:stretch>
-            <a:fillRect/>
-          </a:stretch>
-        </p:blipFill>
-        <p:spPr>
-          <a:xfrm>
-            <a:off x="6664914" y="163965"/>
-            <a:ext cx="5419725" cy="2219325"/>
-          </a:xfrm>
-          <a:prstGeom prst="rect">
-            <a:avLst/>
-          </a:prstGeom>
-        </p:spPr>
-      </p:pic>
-      <p:pic>
-        <p:nvPicPr>
-          <p:cNvPr id="3" name="Imagen 2"/>
-          <p:cNvPicPr>
-            <a:picLocks noChangeAspect="1"/>
-          </p:cNvPicPr>
-          <p:nvPr/>
-        </p:nvPicPr>
-        <p:blipFill>
-          <a:blip r:embed="rId3"/>
-          <a:stretch>
-            <a:fillRect/>
-          </a:stretch>
-        </p:blipFill>
-        <p:spPr>
-          <a:xfrm>
-            <a:off x="521561" y="2698569"/>
-            <a:ext cx="9771970" cy="3318156"/>
-          </a:xfrm>
-          <a:prstGeom prst="rect">
-            <a:avLst/>
-          </a:prstGeom>
-        </p:spPr>
-      </p:pic>
-      <p:sp>
-        <p:nvSpPr>
-          <p:cNvPr id="2" name="Rectángulo 1"/>
-          <p:cNvSpPr/>
-          <p:nvPr/>
-        </p:nvSpPr>
-        <p:spPr>
-          <a:xfrm>
-            <a:off x="770709" y="2698569"/>
-            <a:ext cx="9522822" cy="1990997"/>
-          </a:xfrm>
-          <a:prstGeom prst="rect">
-            <a:avLst/>
-          </a:prstGeom>
-          <a:noFill/>
-          <a:ln w="76200">
-            <a:solidFill>
-              <a:srgbClr val="FF0000"/>
-            </a:solidFill>
-          </a:ln>
-        </p:spPr>
-        <p:style>
-          <a:lnRef idx="2">
-            <a:schemeClr val="accent1">
-              <a:shade val="50000"/>
-            </a:schemeClr>
-          </a:lnRef>
-          <a:fillRef idx="1">
-            <a:schemeClr val="accent1"/>
-          </a:fillRef>
-          <a:effectRef idx="0">
-            <a:schemeClr val="accent1"/>
-          </a:effectRef>
-          <a:fontRef idx="minor">
-            <a:schemeClr val="lt1"/>
-          </a:fontRef>
-        </p:style>
-        <p:txBody>
-          <a:bodyPr rot="0" spcFirstLastPara="0" vertOverflow="overflow" horzOverflow="overflow" vert="horz" wrap="square" lIns="91440" tIns="45720" rIns="91440" bIns="45720" numCol="1" spcCol="0" rtlCol="0" fromWordArt="0" anchor="ctr" anchorCtr="0" forceAA="0" compatLnSpc="1">
-            <a:prstTxWarp prst="textNoShape">
-              <a:avLst/>
-            </a:prstTxWarp>
-            <a:noAutofit/>
-          </a:bodyPr>
-          <a:lstStyle/>
-          <a:p>
-            <a:pPr algn="ctr"/>
-            <a:endParaRPr lang="es-PE"/>
-          </a:p>
-        </p:txBody>
-      </p:sp>
-    </p:spTree>
-    <p:extLst>
-      <p:ext uri="{BB962C8B-B14F-4D97-AF65-F5344CB8AC3E}">
-        <p14:creationId xmlns:p14="http://schemas.microsoft.com/office/powerpoint/2010/main" val="4199375975"/>
-      </p:ext>
-    </p:extLst>
-  </p:cSld>
-  <p:clrMapOvr>
-    <a:masterClrMapping/>
-  </p:clrMapOvr>
-</p:sld>
-</file>
-
-<file path=ppt/slides/slide29.xml><?xml version="1.0" encoding="utf-8"?>
-<p:sld xmlns:a="http://schemas.openxmlformats.org/drawingml/2006/main" xmlns:r="http://schemas.openxmlformats.org/officeDocument/2006/relationships" xmlns:p="http://schemas.openxmlformats.org/presentationml/2006/main">
-  <p:cSld>
-    <p:spTree>
-      <p:nvGrpSpPr>
-        <p:cNvPr id="1" name=""/>
-        <p:cNvGrpSpPr/>
-        <p:nvPr/>
-      </p:nvGrpSpPr>
-      <p:grpSpPr>
-        <a:xfrm>
-          <a:off x="0" y="0"/>
-          <a:ext cx="0" cy="0"/>
-          <a:chOff x="0" y="0"/>
-          <a:chExt cx="0" cy="0"/>
-        </a:xfrm>
-      </p:grpSpPr>
-      <p:pic>
-        <p:nvPicPr>
-          <p:cNvPr id="2" name="Imagen 1"/>
-          <p:cNvPicPr>
-            <a:picLocks noChangeAspect="1"/>
-          </p:cNvPicPr>
-          <p:nvPr/>
-        </p:nvPicPr>
-        <p:blipFill>
-          <a:blip r:embed="rId2"/>
-          <a:stretch>
-            <a:fillRect/>
-          </a:stretch>
-        </p:blipFill>
-        <p:spPr>
-          <a:xfrm>
-            <a:off x="451485" y="1724298"/>
-            <a:ext cx="11154001" cy="3686492"/>
-          </a:xfrm>
-          <a:prstGeom prst="rect">
-            <a:avLst/>
-          </a:prstGeom>
-        </p:spPr>
-      </p:pic>
-    </p:spTree>
-    <p:extLst>
-      <p:ext uri="{BB962C8B-B14F-4D97-AF65-F5344CB8AC3E}">
-        <p14:creationId xmlns:p14="http://schemas.microsoft.com/office/powerpoint/2010/main" val="3540091243"/>
-      </p:ext>
-    </p:extLst>
-  </p:cSld>
-  <p:clrMapOvr>
-    <a:masterClrMapping/>
-  </p:clrMapOvr>
-</p:sld>
-</file>
-
-<file path=ppt/slides/slide3.xml><?xml version="1.0" encoding="utf-8"?>
-<p:sld xmlns:a="http://schemas.openxmlformats.org/drawingml/2006/main" xmlns:r="http://schemas.openxmlformats.org/officeDocument/2006/relationships" xmlns:p="http://schemas.openxmlformats.org/presentationml/2006/main">
-  <p:cSld>
-    <p:spTree>
-      <p:nvGrpSpPr>
-        <p:cNvPr id="1" name=""/>
-        <p:cNvGrpSpPr/>
-        <p:nvPr/>
-      </p:nvGrpSpPr>
-      <p:grpSpPr>
-        <a:xfrm>
-          <a:off x="0" y="0"/>
-          <a:ext cx="0" cy="0"/>
-          <a:chOff x="0" y="0"/>
-          <a:chExt cx="0" cy="0"/>
-        </a:xfrm>
-      </p:grpSpPr>
-      <p:pic>
-        <p:nvPicPr>
-          <p:cNvPr id="4" name="Imagen 3"/>
-          <p:cNvPicPr>
-            <a:picLocks noChangeAspect="1"/>
-          </p:cNvPicPr>
-          <p:nvPr/>
-        </p:nvPicPr>
-        <p:blipFill>
-          <a:blip r:embed="rId2"/>
-          <a:stretch>
-            <a:fillRect/>
-          </a:stretch>
-        </p:blipFill>
-        <p:spPr>
-          <a:xfrm>
-            <a:off x="0" y="-29693"/>
-            <a:ext cx="1967759" cy="2534473"/>
-          </a:xfrm>
-          <a:prstGeom prst="rect">
-            <a:avLst/>
-          </a:prstGeom>
-        </p:spPr>
-      </p:pic>
-      <p:sp>
-        <p:nvSpPr>
-          <p:cNvPr id="5" name="CuadroTexto 4"/>
-          <p:cNvSpPr txBox="1"/>
-          <p:nvPr/>
-        </p:nvSpPr>
-        <p:spPr>
-          <a:xfrm>
-            <a:off x="138581" y="2873830"/>
-            <a:ext cx="2782388" cy="369332"/>
-          </a:xfrm>
-          <a:prstGeom prst="rect">
-            <a:avLst/>
-          </a:prstGeom>
-          <a:noFill/>
-        </p:spPr>
-        <p:txBody>
-          <a:bodyPr wrap="square" rtlCol="0">
-            <a:spAutoFit/>
-          </a:bodyPr>
-          <a:lstStyle/>
-          <a:p>
-            <a:r>
-              <a:rPr lang="es-PE" dirty="0" smtClean="0"/>
-              <a:t>Charles Sanders </a:t>
-            </a:r>
-            <a:r>
-              <a:rPr lang="es-PE" dirty="0" err="1" smtClean="0"/>
-              <a:t>Peirce</a:t>
-            </a:r>
-            <a:endParaRPr lang="es-PE" dirty="0"/>
-          </a:p>
-        </p:txBody>
-      </p:sp>
-      <p:pic>
-        <p:nvPicPr>
-          <p:cNvPr id="6" name="Imagen 5"/>
-          <p:cNvPicPr>
-            <a:picLocks noChangeAspect="1"/>
-          </p:cNvPicPr>
-          <p:nvPr/>
-        </p:nvPicPr>
-        <p:blipFill>
-          <a:blip r:embed="rId3"/>
-          <a:stretch>
-            <a:fillRect/>
-          </a:stretch>
-        </p:blipFill>
-        <p:spPr>
-          <a:xfrm>
-            <a:off x="2426756" y="-29693"/>
-            <a:ext cx="1964673" cy="2495666"/>
-          </a:xfrm>
-          <a:prstGeom prst="rect">
-            <a:avLst/>
-          </a:prstGeom>
-        </p:spPr>
-      </p:pic>
-      <p:pic>
-        <p:nvPicPr>
-          <p:cNvPr id="7" name="Imagen 6"/>
-          <p:cNvPicPr>
-            <a:picLocks noChangeAspect="1"/>
-          </p:cNvPicPr>
-          <p:nvPr/>
-        </p:nvPicPr>
-        <p:blipFill>
-          <a:blip r:embed="rId4"/>
-          <a:stretch>
-            <a:fillRect/>
-          </a:stretch>
-        </p:blipFill>
-        <p:spPr>
-          <a:xfrm>
-            <a:off x="4850427" y="9114"/>
-            <a:ext cx="2099528" cy="2495666"/>
-          </a:xfrm>
-          <a:prstGeom prst="rect">
-            <a:avLst/>
-          </a:prstGeom>
-        </p:spPr>
-      </p:pic>
-      <p:pic>
-        <p:nvPicPr>
-          <p:cNvPr id="8" name="Imagen 7"/>
-          <p:cNvPicPr>
-            <a:picLocks noChangeAspect="1"/>
-          </p:cNvPicPr>
-          <p:nvPr/>
-        </p:nvPicPr>
-        <p:blipFill>
-          <a:blip r:embed="rId5"/>
-          <a:stretch>
-            <a:fillRect/>
-          </a:stretch>
-        </p:blipFill>
-        <p:spPr>
-          <a:xfrm>
-            <a:off x="7670904" y="12541"/>
-            <a:ext cx="1807842" cy="2492239"/>
-          </a:xfrm>
-          <a:prstGeom prst="rect">
-            <a:avLst/>
-          </a:prstGeom>
-        </p:spPr>
-      </p:pic>
-      <p:pic>
-        <p:nvPicPr>
-          <p:cNvPr id="10" name="Imagen 9"/>
-          <p:cNvPicPr>
-            <a:picLocks noChangeAspect="1"/>
-          </p:cNvPicPr>
-          <p:nvPr/>
-        </p:nvPicPr>
-        <p:blipFill>
-          <a:blip r:embed="rId6"/>
-          <a:stretch>
-            <a:fillRect/>
-          </a:stretch>
-        </p:blipFill>
-        <p:spPr>
-          <a:xfrm>
-            <a:off x="10199696" y="-29693"/>
-            <a:ext cx="1992304" cy="2495666"/>
-          </a:xfrm>
-          <a:prstGeom prst="rect">
-            <a:avLst/>
-          </a:prstGeom>
-        </p:spPr>
-      </p:pic>
-      <p:sp>
-        <p:nvSpPr>
-          <p:cNvPr id="11" name="Rectángulo 10"/>
-          <p:cNvSpPr/>
-          <p:nvPr/>
-        </p:nvSpPr>
-        <p:spPr>
-          <a:xfrm>
-            <a:off x="2425213" y="-49097"/>
-            <a:ext cx="1967759" cy="2534473"/>
-          </a:xfrm>
-          <a:prstGeom prst="rect">
-            <a:avLst/>
-          </a:prstGeom>
-          <a:noFill/>
-          <a:ln w="76200">
-            <a:solidFill>
-              <a:srgbClr val="FF0000"/>
-            </a:solidFill>
-          </a:ln>
-        </p:spPr>
-        <p:style>
-          <a:lnRef idx="2">
-            <a:schemeClr val="accent1">
-              <a:shade val="50000"/>
-            </a:schemeClr>
-          </a:lnRef>
-          <a:fillRef idx="1">
-            <a:schemeClr val="accent1"/>
-          </a:fillRef>
-          <a:effectRef idx="0">
-            <a:schemeClr val="accent1"/>
-          </a:effectRef>
-          <a:fontRef idx="minor">
-            <a:schemeClr val="lt1"/>
-          </a:fontRef>
-        </p:style>
-        <p:txBody>
-          <a:bodyPr rtlCol="0" anchor="ctr"/>
-          <a:lstStyle/>
-          <a:p>
-            <a:pPr algn="ctr"/>
-            <a:endParaRPr lang="es-PE"/>
-          </a:p>
-        </p:txBody>
-      </p:sp>
-      <p:pic>
-        <p:nvPicPr>
-          <p:cNvPr id="12" name="Imagen 11"/>
-          <p:cNvPicPr>
-            <a:picLocks noChangeAspect="1"/>
-          </p:cNvPicPr>
-          <p:nvPr/>
-        </p:nvPicPr>
-        <p:blipFill>
-          <a:blip r:embed="rId7"/>
-          <a:stretch>
-            <a:fillRect/>
-          </a:stretch>
-        </p:blipFill>
-        <p:spPr>
-          <a:xfrm>
-            <a:off x="2920969" y="2873830"/>
-            <a:ext cx="792617" cy="565493"/>
-          </a:xfrm>
-          <a:prstGeom prst="rect">
-            <a:avLst/>
-          </a:prstGeom>
-        </p:spPr>
-      </p:pic>
-      <p:sp>
-        <p:nvSpPr>
-          <p:cNvPr id="13" name="CuadroTexto 12"/>
-          <p:cNvSpPr txBox="1"/>
-          <p:nvPr/>
-        </p:nvSpPr>
-        <p:spPr>
-          <a:xfrm>
-            <a:off x="457200" y="3866606"/>
-            <a:ext cx="11038114" cy="2308324"/>
-          </a:xfrm>
-          <a:prstGeom prst="rect">
-            <a:avLst/>
-          </a:prstGeom>
-          <a:noFill/>
-        </p:spPr>
-        <p:txBody>
-          <a:bodyPr wrap="square" rtlCol="0">
-            <a:spAutoFit/>
-          </a:bodyPr>
-          <a:lstStyle/>
-          <a:p>
-            <a:pPr marL="285750" indent="-285750">
-              <a:buFont typeface="Arial" panose="020B0604020202020204" pitchFamily="34" charset="0"/>
-              <a:buChar char="•"/>
-            </a:pPr>
-            <a:r>
-              <a:rPr lang="es-PE" dirty="0" smtClean="0"/>
-              <a:t>Filósofo, lógico, matemático, químico y Físico</a:t>
-            </a:r>
-          </a:p>
-          <a:p>
-            <a:pPr marL="285750" indent="-285750">
-              <a:buFont typeface="Arial" panose="020B0604020202020204" pitchFamily="34" charset="0"/>
-              <a:buChar char="•"/>
-            </a:pPr>
-            <a:r>
-              <a:rPr lang="es-PE" dirty="0" smtClean="0"/>
-              <a:t>Padre del pragmatismo</a:t>
-            </a:r>
-          </a:p>
-          <a:p>
-            <a:pPr marL="285750" indent="-285750">
-              <a:buFont typeface="Arial" panose="020B0604020202020204" pitchFamily="34" charset="0"/>
-              <a:buChar char="•"/>
-            </a:pPr>
-            <a:r>
-              <a:rPr lang="es-PE" dirty="0" smtClean="0"/>
-              <a:t>Teoría de la Semiótica</a:t>
-            </a:r>
-          </a:p>
-          <a:p>
-            <a:pPr marL="285750" indent="-285750">
-              <a:buFont typeface="Arial" panose="020B0604020202020204" pitchFamily="34" charset="0"/>
-              <a:buChar char="•"/>
-            </a:pPr>
-            <a:r>
-              <a:rPr lang="es-PE" dirty="0" smtClean="0"/>
-              <a:t>Lógica Simbólica</a:t>
-            </a:r>
-          </a:p>
-          <a:p>
-            <a:pPr marL="285750" indent="-285750">
-              <a:buFont typeface="Arial" panose="020B0604020202020204" pitchFamily="34" charset="0"/>
-              <a:buChar char="•"/>
-            </a:pPr>
-            <a:r>
-              <a:rPr lang="es-PE" dirty="0" smtClean="0"/>
-              <a:t>Signo: Representación mental a través de la cual podemos conocer los objetos de la realidad</a:t>
-            </a:r>
-          </a:p>
-          <a:p>
-            <a:pPr marL="285750" indent="-285750">
-              <a:buFont typeface="Arial" panose="020B0604020202020204" pitchFamily="34" charset="0"/>
-              <a:buChar char="•"/>
-            </a:pPr>
-            <a:r>
-              <a:rPr lang="es-PE" dirty="0" smtClean="0"/>
-              <a:t>3 componente del signo: Objeto, Signo e Interpretante</a:t>
-            </a:r>
-          </a:p>
-          <a:p>
-            <a:pPr marL="285750" indent="-285750">
-              <a:buFont typeface="Arial" panose="020B0604020202020204" pitchFamily="34" charset="0"/>
-              <a:buChar char="•"/>
-            </a:pPr>
-            <a:r>
-              <a:rPr lang="es-PE" dirty="0" smtClean="0"/>
-              <a:t>En 1886 sostenía que las operaciones lógicas pueden traducirse a los circuitos eléctricos, lo cual ocurre, en efecto, en la tecnología digital. </a:t>
-            </a:r>
-            <a:endParaRPr lang="es-PE" dirty="0"/>
-          </a:p>
-        </p:txBody>
-      </p:sp>
-    </p:spTree>
-    <p:extLst>
-      <p:ext uri="{BB962C8B-B14F-4D97-AF65-F5344CB8AC3E}">
-        <p14:creationId xmlns:p14="http://schemas.microsoft.com/office/powerpoint/2010/main" val="2157262261"/>
       </p:ext>
     </p:extLst>
   </p:cSld>
@@ -6313,10 +6851,9 @@
           <a:lstStyle/>
           <a:p>
             <a:r>
-              <a:rPr lang="es-PE" dirty="0" smtClean="0"/>
+              <a:rPr lang="es-PE" dirty="0"/>
               <a:t>Karl Popper</a:t>
             </a:r>
-            <a:endParaRPr lang="es-PE" dirty="0"/>
           </a:p>
         </p:txBody>
       </p:sp>
@@ -6513,7 +7050,7 @@
               <a:buChar char="•"/>
             </a:pPr>
             <a:r>
-              <a:rPr lang="es-PE" dirty="0" smtClean="0"/>
+              <a:rPr lang="es-PE" dirty="0"/>
               <a:t>Filósofo de la ciencia</a:t>
             </a:r>
           </a:p>
@@ -6523,7 +7060,7 @@
               <a:buChar char="•"/>
             </a:pPr>
             <a:r>
-              <a:rPr lang="es-PE" dirty="0" smtClean="0"/>
+              <a:rPr lang="es-PE" dirty="0"/>
               <a:t>Critica la visión inductiva clásica del método científico</a:t>
             </a:r>
           </a:p>
@@ -6533,18 +7070,17 @@
               <a:buChar char="•"/>
             </a:pPr>
             <a:r>
-              <a:rPr lang="es-PE" dirty="0" smtClean="0"/>
+              <a:rPr lang="es-PE" dirty="0"/>
               <a:t>Propone, en cambio, la teoría de la </a:t>
             </a:r>
             <a:r>
-              <a:rPr lang="es-PE" dirty="0" err="1" smtClean="0"/>
+              <a:rPr lang="es-PE" dirty="0" err="1"/>
               <a:t>falseación</a:t>
             </a:r>
             <a:r>
-              <a:rPr lang="es-PE" dirty="0" smtClean="0"/>
+              <a:rPr lang="es-PE" dirty="0"/>
               <a:t> empírica</a:t>
             </a:r>
-            <a:endParaRPr lang="es-PE" dirty="0"/>
           </a:p>
         </p:txBody>
       </p:sp>
@@ -6552,6 +7088,779 @@
     <p:extLst>
       <p:ext uri="{BB962C8B-B14F-4D97-AF65-F5344CB8AC3E}">
         <p14:creationId xmlns:p14="http://schemas.microsoft.com/office/powerpoint/2010/main" val="2897588076"/>
+      </p:ext>
+    </p:extLst>
+  </p:cSld>
+  <p:clrMapOvr>
+    <a:masterClrMapping/>
+  </p:clrMapOvr>
+</p:sld>
+</file>
+
+<file path=ppt/slides/slide40.xml><?xml version="1.0" encoding="utf-8"?>
+<p:sld xmlns:a="http://schemas.openxmlformats.org/drawingml/2006/main" xmlns:r="http://schemas.openxmlformats.org/officeDocument/2006/relationships" xmlns:p="http://schemas.openxmlformats.org/presentationml/2006/main">
+  <p:cSld>
+    <p:spTree>
+      <p:nvGrpSpPr>
+        <p:cNvPr id="1" name=""/>
+        <p:cNvGrpSpPr/>
+        <p:nvPr/>
+      </p:nvGrpSpPr>
+      <p:grpSpPr>
+        <a:xfrm>
+          <a:off x="0" y="0"/>
+          <a:ext cx="0" cy="0"/>
+          <a:chOff x="0" y="0"/>
+          <a:chExt cx="0" cy="0"/>
+        </a:xfrm>
+      </p:grpSpPr>
+      <p:pic>
+        <p:nvPicPr>
+          <p:cNvPr id="4" name="Imagen 3"/>
+          <p:cNvPicPr>
+            <a:picLocks noChangeAspect="1"/>
+          </p:cNvPicPr>
+          <p:nvPr/>
+        </p:nvPicPr>
+        <p:blipFill>
+          <a:blip r:embed="rId2"/>
+          <a:stretch>
+            <a:fillRect/>
+          </a:stretch>
+        </p:blipFill>
+        <p:spPr>
+          <a:xfrm>
+            <a:off x="7395074" y="101600"/>
+            <a:ext cx="4638675" cy="1724025"/>
+          </a:xfrm>
+          <a:prstGeom prst="rect">
+            <a:avLst/>
+          </a:prstGeom>
+        </p:spPr>
+      </p:pic>
+      <p:pic>
+        <p:nvPicPr>
+          <p:cNvPr id="3" name="Imagen 2"/>
+          <p:cNvPicPr>
+            <a:picLocks noChangeAspect="1"/>
+          </p:cNvPicPr>
+          <p:nvPr/>
+        </p:nvPicPr>
+        <p:blipFill>
+          <a:blip r:embed="rId3"/>
+          <a:stretch>
+            <a:fillRect/>
+          </a:stretch>
+        </p:blipFill>
+        <p:spPr>
+          <a:xfrm>
+            <a:off x="108857" y="963612"/>
+            <a:ext cx="7405238" cy="4096022"/>
+          </a:xfrm>
+          <a:prstGeom prst="rect">
+            <a:avLst/>
+          </a:prstGeom>
+        </p:spPr>
+      </p:pic>
+    </p:spTree>
+    <p:extLst>
+      <p:ext uri="{BB962C8B-B14F-4D97-AF65-F5344CB8AC3E}">
+        <p14:creationId xmlns:p14="http://schemas.microsoft.com/office/powerpoint/2010/main" val="1171128212"/>
+      </p:ext>
+    </p:extLst>
+  </p:cSld>
+  <p:clrMapOvr>
+    <a:masterClrMapping/>
+  </p:clrMapOvr>
+</p:sld>
+</file>
+
+<file path=ppt/slides/slide41.xml><?xml version="1.0" encoding="utf-8"?>
+<p:sld xmlns:a="http://schemas.openxmlformats.org/drawingml/2006/main" xmlns:r="http://schemas.openxmlformats.org/officeDocument/2006/relationships" xmlns:p="http://schemas.openxmlformats.org/presentationml/2006/main">
+  <p:cSld>
+    <p:spTree>
+      <p:nvGrpSpPr>
+        <p:cNvPr id="1" name=""/>
+        <p:cNvGrpSpPr/>
+        <p:nvPr/>
+      </p:nvGrpSpPr>
+      <p:grpSpPr>
+        <a:xfrm>
+          <a:off x="0" y="0"/>
+          <a:ext cx="0" cy="0"/>
+          <a:chOff x="0" y="0"/>
+          <a:chExt cx="0" cy="0"/>
+        </a:xfrm>
+      </p:grpSpPr>
+      <p:pic>
+        <p:nvPicPr>
+          <p:cNvPr id="5" name="Imagen 4"/>
+          <p:cNvPicPr>
+            <a:picLocks noChangeAspect="1"/>
+          </p:cNvPicPr>
+          <p:nvPr/>
+        </p:nvPicPr>
+        <p:blipFill>
+          <a:blip r:embed="rId2"/>
+          <a:stretch>
+            <a:fillRect/>
+          </a:stretch>
+        </p:blipFill>
+        <p:spPr>
+          <a:xfrm>
+            <a:off x="345038" y="1062874"/>
+            <a:ext cx="11392058" cy="4978990"/>
+          </a:xfrm>
+          <a:prstGeom prst="rect">
+            <a:avLst/>
+          </a:prstGeom>
+        </p:spPr>
+      </p:pic>
+      <p:sp>
+        <p:nvSpPr>
+          <p:cNvPr id="6" name="Rectángulo 5"/>
+          <p:cNvSpPr/>
+          <p:nvPr/>
+        </p:nvSpPr>
+        <p:spPr>
+          <a:xfrm>
+            <a:off x="345038" y="4517409"/>
+            <a:ext cx="10764240" cy="736979"/>
+          </a:xfrm>
+          <a:prstGeom prst="rect">
+            <a:avLst/>
+          </a:prstGeom>
+          <a:noFill/>
+          <a:ln w="76200">
+            <a:solidFill>
+              <a:srgbClr val="00B050"/>
+            </a:solidFill>
+          </a:ln>
+        </p:spPr>
+        <p:style>
+          <a:lnRef idx="2">
+            <a:schemeClr val="accent1">
+              <a:shade val="50000"/>
+            </a:schemeClr>
+          </a:lnRef>
+          <a:fillRef idx="1">
+            <a:schemeClr val="accent1"/>
+          </a:fillRef>
+          <a:effectRef idx="0">
+            <a:schemeClr val="accent1"/>
+          </a:effectRef>
+          <a:fontRef idx="minor">
+            <a:schemeClr val="lt1"/>
+          </a:fontRef>
+        </p:style>
+        <p:txBody>
+          <a:bodyPr rtlCol="0" anchor="ctr"/>
+          <a:lstStyle/>
+          <a:p>
+            <a:pPr algn="ctr"/>
+            <a:endParaRPr lang="es-PE"/>
+          </a:p>
+        </p:txBody>
+      </p:sp>
+      <p:sp>
+        <p:nvSpPr>
+          <p:cNvPr id="2" name="Rectángulo 1"/>
+          <p:cNvSpPr/>
+          <p:nvPr/>
+        </p:nvSpPr>
+        <p:spPr>
+          <a:xfrm>
+            <a:off x="457200" y="1502229"/>
+            <a:ext cx="11279896" cy="1227908"/>
+          </a:xfrm>
+          <a:prstGeom prst="rect">
+            <a:avLst/>
+          </a:prstGeom>
+          <a:noFill/>
+          <a:ln w="76200">
+            <a:solidFill>
+              <a:srgbClr val="FF0000"/>
+            </a:solidFill>
+          </a:ln>
+        </p:spPr>
+        <p:style>
+          <a:lnRef idx="2">
+            <a:schemeClr val="accent1">
+              <a:shade val="50000"/>
+            </a:schemeClr>
+          </a:lnRef>
+          <a:fillRef idx="1">
+            <a:schemeClr val="accent1"/>
+          </a:fillRef>
+          <a:effectRef idx="0">
+            <a:schemeClr val="accent1"/>
+          </a:effectRef>
+          <a:fontRef idx="minor">
+            <a:schemeClr val="lt1"/>
+          </a:fontRef>
+        </p:style>
+        <p:txBody>
+          <a:bodyPr rtlCol="0" anchor="ctr"/>
+          <a:lstStyle/>
+          <a:p>
+            <a:pPr algn="ctr"/>
+            <a:endParaRPr lang="es-PE"/>
+          </a:p>
+        </p:txBody>
+      </p:sp>
+    </p:spTree>
+    <p:extLst>
+      <p:ext uri="{BB962C8B-B14F-4D97-AF65-F5344CB8AC3E}">
+        <p14:creationId xmlns:p14="http://schemas.microsoft.com/office/powerpoint/2010/main" val="30880379"/>
+      </p:ext>
+    </p:extLst>
+  </p:cSld>
+  <p:clrMapOvr>
+    <a:masterClrMapping/>
+  </p:clrMapOvr>
+</p:sld>
+</file>
+
+<file path=ppt/slides/slide42.xml><?xml version="1.0" encoding="utf-8"?>
+<p:sld xmlns:a="http://schemas.openxmlformats.org/drawingml/2006/main" xmlns:r="http://schemas.openxmlformats.org/officeDocument/2006/relationships" xmlns:p="http://schemas.openxmlformats.org/presentationml/2006/main">
+  <p:cSld>
+    <p:spTree>
+      <p:nvGrpSpPr>
+        <p:cNvPr id="1" name=""/>
+        <p:cNvGrpSpPr/>
+        <p:nvPr/>
+      </p:nvGrpSpPr>
+      <p:grpSpPr>
+        <a:xfrm>
+          <a:off x="0" y="0"/>
+          <a:ext cx="0" cy="0"/>
+          <a:chOff x="0" y="0"/>
+          <a:chExt cx="0" cy="0"/>
+        </a:xfrm>
+      </p:grpSpPr>
+      <p:pic>
+        <p:nvPicPr>
+          <p:cNvPr id="4" name="Imagen 3"/>
+          <p:cNvPicPr>
+            <a:picLocks noChangeAspect="1"/>
+          </p:cNvPicPr>
+          <p:nvPr/>
+        </p:nvPicPr>
+        <p:blipFill>
+          <a:blip r:embed="rId2"/>
+          <a:stretch>
+            <a:fillRect/>
+          </a:stretch>
+        </p:blipFill>
+        <p:spPr>
+          <a:xfrm>
+            <a:off x="6664914" y="163965"/>
+            <a:ext cx="5419725" cy="2219325"/>
+          </a:xfrm>
+          <a:prstGeom prst="rect">
+            <a:avLst/>
+          </a:prstGeom>
+        </p:spPr>
+      </p:pic>
+      <p:pic>
+        <p:nvPicPr>
+          <p:cNvPr id="5" name="Imagen 4"/>
+          <p:cNvPicPr>
+            <a:picLocks noChangeAspect="1"/>
+          </p:cNvPicPr>
+          <p:nvPr/>
+        </p:nvPicPr>
+        <p:blipFill>
+          <a:blip r:embed="rId3"/>
+          <a:stretch>
+            <a:fillRect/>
+          </a:stretch>
+        </p:blipFill>
+        <p:spPr>
+          <a:xfrm>
+            <a:off x="1362210" y="2967173"/>
+            <a:ext cx="9584464" cy="2951561"/>
+          </a:xfrm>
+          <a:prstGeom prst="rect">
+            <a:avLst/>
+          </a:prstGeom>
+        </p:spPr>
+      </p:pic>
+      <p:sp>
+        <p:nvSpPr>
+          <p:cNvPr id="2" name="Rectángulo 1"/>
+          <p:cNvSpPr/>
+          <p:nvPr/>
+        </p:nvSpPr>
+        <p:spPr>
+          <a:xfrm>
+            <a:off x="1463040" y="4624251"/>
+            <a:ext cx="9274629" cy="1294483"/>
+          </a:xfrm>
+          <a:prstGeom prst="rect">
+            <a:avLst/>
+          </a:prstGeom>
+          <a:noFill/>
+          <a:ln w="76200">
+            <a:solidFill>
+              <a:srgbClr val="FF0000"/>
+            </a:solidFill>
+          </a:ln>
+        </p:spPr>
+        <p:style>
+          <a:lnRef idx="2">
+            <a:schemeClr val="accent1">
+              <a:shade val="50000"/>
+            </a:schemeClr>
+          </a:lnRef>
+          <a:fillRef idx="1">
+            <a:schemeClr val="accent1"/>
+          </a:fillRef>
+          <a:effectRef idx="0">
+            <a:schemeClr val="accent1"/>
+          </a:effectRef>
+          <a:fontRef idx="minor">
+            <a:schemeClr val="lt1"/>
+          </a:fontRef>
+        </p:style>
+        <p:txBody>
+          <a:bodyPr rot="0" spcFirstLastPara="0" vertOverflow="overflow" horzOverflow="overflow" vert="horz" wrap="square" lIns="91440" tIns="45720" rIns="91440" bIns="45720" numCol="1" spcCol="0" rtlCol="0" fromWordArt="0" anchor="ctr" anchorCtr="0" forceAA="0" compatLnSpc="1">
+            <a:prstTxWarp prst="textNoShape">
+              <a:avLst/>
+            </a:prstTxWarp>
+            <a:noAutofit/>
+          </a:bodyPr>
+          <a:lstStyle/>
+          <a:p>
+            <a:pPr algn="ctr"/>
+            <a:endParaRPr lang="es-PE"/>
+          </a:p>
+        </p:txBody>
+      </p:sp>
+    </p:spTree>
+    <p:extLst>
+      <p:ext uri="{BB962C8B-B14F-4D97-AF65-F5344CB8AC3E}">
+        <p14:creationId xmlns:p14="http://schemas.microsoft.com/office/powerpoint/2010/main" val="815429142"/>
+      </p:ext>
+    </p:extLst>
+  </p:cSld>
+  <p:clrMapOvr>
+    <a:masterClrMapping/>
+  </p:clrMapOvr>
+</p:sld>
+</file>
+
+<file path=ppt/slides/slide43.xml><?xml version="1.0" encoding="utf-8"?>
+<p:sld xmlns:a="http://schemas.openxmlformats.org/drawingml/2006/main" xmlns:r="http://schemas.openxmlformats.org/officeDocument/2006/relationships" xmlns:p="http://schemas.openxmlformats.org/presentationml/2006/main">
+  <p:cSld>
+    <p:spTree>
+      <p:nvGrpSpPr>
+        <p:cNvPr id="1" name=""/>
+        <p:cNvGrpSpPr/>
+        <p:nvPr/>
+      </p:nvGrpSpPr>
+      <p:grpSpPr>
+        <a:xfrm>
+          <a:off x="0" y="0"/>
+          <a:ext cx="0" cy="0"/>
+          <a:chOff x="0" y="0"/>
+          <a:chExt cx="0" cy="0"/>
+        </a:xfrm>
+      </p:grpSpPr>
+      <p:pic>
+        <p:nvPicPr>
+          <p:cNvPr id="2" name="Imagen 1"/>
+          <p:cNvPicPr>
+            <a:picLocks noChangeAspect="1"/>
+          </p:cNvPicPr>
+          <p:nvPr/>
+        </p:nvPicPr>
+        <p:blipFill>
+          <a:blip r:embed="rId2"/>
+          <a:stretch>
+            <a:fillRect/>
+          </a:stretch>
+        </p:blipFill>
+        <p:spPr>
+          <a:xfrm>
+            <a:off x="1285562" y="511271"/>
+            <a:ext cx="9452105" cy="5736450"/>
+          </a:xfrm>
+          <a:prstGeom prst="rect">
+            <a:avLst/>
+          </a:prstGeom>
+        </p:spPr>
+      </p:pic>
+      <p:sp>
+        <p:nvSpPr>
+          <p:cNvPr id="3" name="Rectángulo 2"/>
+          <p:cNvSpPr/>
+          <p:nvPr/>
+        </p:nvSpPr>
+        <p:spPr>
+          <a:xfrm>
+            <a:off x="1285562" y="5003074"/>
+            <a:ext cx="9621924" cy="1371600"/>
+          </a:xfrm>
+          <a:prstGeom prst="rect">
+            <a:avLst/>
+          </a:prstGeom>
+          <a:noFill/>
+          <a:ln w="76200">
+            <a:solidFill>
+              <a:srgbClr val="FF0000"/>
+            </a:solidFill>
+          </a:ln>
+        </p:spPr>
+        <p:style>
+          <a:lnRef idx="2">
+            <a:schemeClr val="accent1">
+              <a:shade val="50000"/>
+            </a:schemeClr>
+          </a:lnRef>
+          <a:fillRef idx="1">
+            <a:schemeClr val="accent1"/>
+          </a:fillRef>
+          <a:effectRef idx="0">
+            <a:schemeClr val="accent1"/>
+          </a:effectRef>
+          <a:fontRef idx="minor">
+            <a:schemeClr val="lt1"/>
+          </a:fontRef>
+        </p:style>
+        <p:txBody>
+          <a:bodyPr rot="0" spcFirstLastPara="0" vertOverflow="overflow" horzOverflow="overflow" vert="horz" wrap="square" lIns="91440" tIns="45720" rIns="91440" bIns="45720" numCol="1" spcCol="0" rtlCol="0" fromWordArt="0" anchor="ctr" anchorCtr="0" forceAA="0" compatLnSpc="1">
+            <a:prstTxWarp prst="textNoShape">
+              <a:avLst/>
+            </a:prstTxWarp>
+            <a:noAutofit/>
+          </a:bodyPr>
+          <a:lstStyle/>
+          <a:p>
+            <a:pPr algn="ctr"/>
+            <a:endParaRPr lang="es-PE"/>
+          </a:p>
+        </p:txBody>
+      </p:sp>
+    </p:spTree>
+    <p:extLst>
+      <p:ext uri="{BB962C8B-B14F-4D97-AF65-F5344CB8AC3E}">
+        <p14:creationId xmlns:p14="http://schemas.microsoft.com/office/powerpoint/2010/main" val="2146639889"/>
+      </p:ext>
+    </p:extLst>
+  </p:cSld>
+  <p:clrMapOvr>
+    <a:masterClrMapping/>
+  </p:clrMapOvr>
+</p:sld>
+</file>
+
+<file path=ppt/slides/slide44.xml><?xml version="1.0" encoding="utf-8"?>
+<p:sld xmlns:a="http://schemas.openxmlformats.org/drawingml/2006/main" xmlns:r="http://schemas.openxmlformats.org/officeDocument/2006/relationships" xmlns:p="http://schemas.openxmlformats.org/presentationml/2006/main">
+  <p:cSld>
+    <p:spTree>
+      <p:nvGrpSpPr>
+        <p:cNvPr id="1" name=""/>
+        <p:cNvGrpSpPr/>
+        <p:nvPr/>
+      </p:nvGrpSpPr>
+      <p:grpSpPr>
+        <a:xfrm>
+          <a:off x="0" y="0"/>
+          <a:ext cx="0" cy="0"/>
+          <a:chOff x="0" y="0"/>
+          <a:chExt cx="0" cy="0"/>
+        </a:xfrm>
+      </p:grpSpPr>
+      <p:pic>
+        <p:nvPicPr>
+          <p:cNvPr id="3" name="Imagen 2"/>
+          <p:cNvPicPr>
+            <a:picLocks noChangeAspect="1"/>
+          </p:cNvPicPr>
+          <p:nvPr/>
+        </p:nvPicPr>
+        <p:blipFill>
+          <a:blip r:embed="rId2"/>
+          <a:stretch>
+            <a:fillRect/>
+          </a:stretch>
+        </p:blipFill>
+        <p:spPr>
+          <a:xfrm>
+            <a:off x="461144" y="1168444"/>
+            <a:ext cx="10313133" cy="3521121"/>
+          </a:xfrm>
+          <a:prstGeom prst="rect">
+            <a:avLst/>
+          </a:prstGeom>
+        </p:spPr>
+      </p:pic>
+    </p:spTree>
+    <p:extLst>
+      <p:ext uri="{BB962C8B-B14F-4D97-AF65-F5344CB8AC3E}">
+        <p14:creationId xmlns:p14="http://schemas.microsoft.com/office/powerpoint/2010/main" val="569063724"/>
+      </p:ext>
+    </p:extLst>
+  </p:cSld>
+  <p:clrMapOvr>
+    <a:masterClrMapping/>
+  </p:clrMapOvr>
+</p:sld>
+</file>
+
+<file path=ppt/slides/slide45.xml><?xml version="1.0" encoding="utf-8"?>
+<p:sld xmlns:a="http://schemas.openxmlformats.org/drawingml/2006/main" xmlns:r="http://schemas.openxmlformats.org/officeDocument/2006/relationships" xmlns:p="http://schemas.openxmlformats.org/presentationml/2006/main">
+  <p:cSld>
+    <p:spTree>
+      <p:nvGrpSpPr>
+        <p:cNvPr id="1" name=""/>
+        <p:cNvGrpSpPr/>
+        <p:nvPr/>
+      </p:nvGrpSpPr>
+      <p:grpSpPr>
+        <a:xfrm>
+          <a:off x="0" y="0"/>
+          <a:ext cx="0" cy="0"/>
+          <a:chOff x="0" y="0"/>
+          <a:chExt cx="0" cy="0"/>
+        </a:xfrm>
+      </p:grpSpPr>
+      <p:pic>
+        <p:nvPicPr>
+          <p:cNvPr id="4" name="Imagen 3"/>
+          <p:cNvPicPr>
+            <a:picLocks noChangeAspect="1"/>
+          </p:cNvPicPr>
+          <p:nvPr/>
+        </p:nvPicPr>
+        <p:blipFill>
+          <a:blip r:embed="rId2"/>
+          <a:stretch>
+            <a:fillRect/>
+          </a:stretch>
+        </p:blipFill>
+        <p:spPr>
+          <a:xfrm>
+            <a:off x="6664914" y="163965"/>
+            <a:ext cx="5419725" cy="2219325"/>
+          </a:xfrm>
+          <a:prstGeom prst="rect">
+            <a:avLst/>
+          </a:prstGeom>
+        </p:spPr>
+      </p:pic>
+      <p:pic>
+        <p:nvPicPr>
+          <p:cNvPr id="2" name="Imagen 1"/>
+          <p:cNvPicPr>
+            <a:picLocks noChangeAspect="1"/>
+          </p:cNvPicPr>
+          <p:nvPr/>
+        </p:nvPicPr>
+        <p:blipFill>
+          <a:blip r:embed="rId3"/>
+          <a:stretch>
+            <a:fillRect/>
+          </a:stretch>
+        </p:blipFill>
+        <p:spPr>
+          <a:xfrm>
+            <a:off x="439782" y="2770278"/>
+            <a:ext cx="10936738" cy="3094945"/>
+          </a:xfrm>
+          <a:prstGeom prst="rect">
+            <a:avLst/>
+          </a:prstGeom>
+        </p:spPr>
+      </p:pic>
+    </p:spTree>
+    <p:extLst>
+      <p:ext uri="{BB962C8B-B14F-4D97-AF65-F5344CB8AC3E}">
+        <p14:creationId xmlns:p14="http://schemas.microsoft.com/office/powerpoint/2010/main" val="1959097156"/>
+      </p:ext>
+    </p:extLst>
+  </p:cSld>
+  <p:clrMapOvr>
+    <a:masterClrMapping/>
+  </p:clrMapOvr>
+</p:sld>
+</file>
+
+<file path=ppt/slides/slide46.xml><?xml version="1.0" encoding="utf-8"?>
+<p:sld xmlns:a="http://schemas.openxmlformats.org/drawingml/2006/main" xmlns:r="http://schemas.openxmlformats.org/officeDocument/2006/relationships" xmlns:p="http://schemas.openxmlformats.org/presentationml/2006/main">
+  <p:cSld>
+    <p:spTree>
+      <p:nvGrpSpPr>
+        <p:cNvPr id="1" name=""/>
+        <p:cNvGrpSpPr/>
+        <p:nvPr/>
+      </p:nvGrpSpPr>
+      <p:grpSpPr>
+        <a:xfrm>
+          <a:off x="0" y="0"/>
+          <a:ext cx="0" cy="0"/>
+          <a:chOff x="0" y="0"/>
+          <a:chExt cx="0" cy="0"/>
+        </a:xfrm>
+      </p:grpSpPr>
+      <p:pic>
+        <p:nvPicPr>
+          <p:cNvPr id="4" name="Imagen 3"/>
+          <p:cNvPicPr>
+            <a:picLocks noChangeAspect="1"/>
+          </p:cNvPicPr>
+          <p:nvPr/>
+        </p:nvPicPr>
+        <p:blipFill>
+          <a:blip r:embed="rId2"/>
+          <a:stretch>
+            <a:fillRect/>
+          </a:stretch>
+        </p:blipFill>
+        <p:spPr>
+          <a:xfrm>
+            <a:off x="6664914" y="163965"/>
+            <a:ext cx="5419725" cy="2219325"/>
+          </a:xfrm>
+          <a:prstGeom prst="rect">
+            <a:avLst/>
+          </a:prstGeom>
+        </p:spPr>
+      </p:pic>
+      <p:pic>
+        <p:nvPicPr>
+          <p:cNvPr id="3" name="Imagen 2"/>
+          <p:cNvPicPr>
+            <a:picLocks noChangeAspect="1"/>
+          </p:cNvPicPr>
+          <p:nvPr/>
+        </p:nvPicPr>
+        <p:blipFill>
+          <a:blip r:embed="rId3"/>
+          <a:stretch>
+            <a:fillRect/>
+          </a:stretch>
+        </p:blipFill>
+        <p:spPr>
+          <a:xfrm>
+            <a:off x="521561" y="2698569"/>
+            <a:ext cx="9771970" cy="3318156"/>
+          </a:xfrm>
+          <a:prstGeom prst="rect">
+            <a:avLst/>
+          </a:prstGeom>
+        </p:spPr>
+      </p:pic>
+      <p:sp>
+        <p:nvSpPr>
+          <p:cNvPr id="2" name="Rectángulo 1"/>
+          <p:cNvSpPr/>
+          <p:nvPr/>
+        </p:nvSpPr>
+        <p:spPr>
+          <a:xfrm>
+            <a:off x="770709" y="2698569"/>
+            <a:ext cx="9522822" cy="1990997"/>
+          </a:xfrm>
+          <a:prstGeom prst="rect">
+            <a:avLst/>
+          </a:prstGeom>
+          <a:noFill/>
+          <a:ln w="76200">
+            <a:solidFill>
+              <a:srgbClr val="FF0000"/>
+            </a:solidFill>
+          </a:ln>
+        </p:spPr>
+        <p:style>
+          <a:lnRef idx="2">
+            <a:schemeClr val="accent1">
+              <a:shade val="50000"/>
+            </a:schemeClr>
+          </a:lnRef>
+          <a:fillRef idx="1">
+            <a:schemeClr val="accent1"/>
+          </a:fillRef>
+          <a:effectRef idx="0">
+            <a:schemeClr val="accent1"/>
+          </a:effectRef>
+          <a:fontRef idx="minor">
+            <a:schemeClr val="lt1"/>
+          </a:fontRef>
+        </p:style>
+        <p:txBody>
+          <a:bodyPr rot="0" spcFirstLastPara="0" vertOverflow="overflow" horzOverflow="overflow" vert="horz" wrap="square" lIns="91440" tIns="45720" rIns="91440" bIns="45720" numCol="1" spcCol="0" rtlCol="0" fromWordArt="0" anchor="ctr" anchorCtr="0" forceAA="0" compatLnSpc="1">
+            <a:prstTxWarp prst="textNoShape">
+              <a:avLst/>
+            </a:prstTxWarp>
+            <a:noAutofit/>
+          </a:bodyPr>
+          <a:lstStyle/>
+          <a:p>
+            <a:pPr algn="ctr"/>
+            <a:endParaRPr lang="es-PE"/>
+          </a:p>
+        </p:txBody>
+      </p:sp>
+    </p:spTree>
+    <p:extLst>
+      <p:ext uri="{BB962C8B-B14F-4D97-AF65-F5344CB8AC3E}">
+        <p14:creationId xmlns:p14="http://schemas.microsoft.com/office/powerpoint/2010/main" val="4199375975"/>
+      </p:ext>
+    </p:extLst>
+  </p:cSld>
+  <p:clrMapOvr>
+    <a:masterClrMapping/>
+  </p:clrMapOvr>
+</p:sld>
+</file>
+
+<file path=ppt/slides/slide47.xml><?xml version="1.0" encoding="utf-8"?>
+<p:sld xmlns:a="http://schemas.openxmlformats.org/drawingml/2006/main" xmlns:r="http://schemas.openxmlformats.org/officeDocument/2006/relationships" xmlns:p="http://schemas.openxmlformats.org/presentationml/2006/main">
+  <p:cSld>
+    <p:spTree>
+      <p:nvGrpSpPr>
+        <p:cNvPr id="1" name=""/>
+        <p:cNvGrpSpPr/>
+        <p:nvPr/>
+      </p:nvGrpSpPr>
+      <p:grpSpPr>
+        <a:xfrm>
+          <a:off x="0" y="0"/>
+          <a:ext cx="0" cy="0"/>
+          <a:chOff x="0" y="0"/>
+          <a:chExt cx="0" cy="0"/>
+        </a:xfrm>
+      </p:grpSpPr>
+      <p:pic>
+        <p:nvPicPr>
+          <p:cNvPr id="2" name="Imagen 1"/>
+          <p:cNvPicPr>
+            <a:picLocks noChangeAspect="1"/>
+          </p:cNvPicPr>
+          <p:nvPr/>
+        </p:nvPicPr>
+        <p:blipFill>
+          <a:blip r:embed="rId2"/>
+          <a:stretch>
+            <a:fillRect/>
+          </a:stretch>
+        </p:blipFill>
+        <p:spPr>
+          <a:xfrm>
+            <a:off x="451485" y="1724298"/>
+            <a:ext cx="11154001" cy="3686492"/>
+          </a:xfrm>
+          <a:prstGeom prst="rect">
+            <a:avLst/>
+          </a:prstGeom>
+        </p:spPr>
+      </p:pic>
+    </p:spTree>
+    <p:extLst>
+      <p:ext uri="{BB962C8B-B14F-4D97-AF65-F5344CB8AC3E}">
+        <p14:creationId xmlns:p14="http://schemas.microsoft.com/office/powerpoint/2010/main" val="3540091243"/>
       </p:ext>
     </p:extLst>
   </p:cSld>
@@ -6625,10 +7934,9 @@
           <a:lstStyle/>
           <a:p>
             <a:r>
-              <a:rPr lang="es-PE" dirty="0" smtClean="0"/>
+              <a:rPr lang="es-PE" dirty="0"/>
               <a:t>Thomas Samuel Kuhn</a:t>
             </a:r>
-            <a:endParaRPr lang="es-PE" dirty="0"/>
           </a:p>
         </p:txBody>
       </p:sp>
@@ -6825,10 +8133,9 @@
               <a:buChar char="•"/>
             </a:pPr>
             <a:r>
-              <a:rPr lang="es-PE" dirty="0" smtClean="0"/>
+              <a:rPr lang="es-PE" dirty="0"/>
               <a:t>Filósofo de la ciencia</a:t>
             </a:r>
-            <a:endParaRPr lang="es-PE" dirty="0"/>
           </a:p>
           <a:p>
             <a:pPr marL="285750" indent="-285750">
@@ -6836,7 +8143,7 @@
               <a:buChar char="•"/>
             </a:pPr>
             <a:r>
-              <a:rPr lang="es-PE" dirty="0" smtClean="0"/>
+              <a:rPr lang="es-PE" dirty="0"/>
               <a:t>La estructura de las revoluciones científicas</a:t>
             </a:r>
           </a:p>
@@ -6846,7 +8153,7 @@
               <a:buChar char="•"/>
             </a:pPr>
             <a:r>
-              <a:rPr lang="es-PE" dirty="0" smtClean="0"/>
+              <a:rPr lang="es-PE" dirty="0"/>
               <a:t>Paradigmas científicos, revoluciones científicas</a:t>
             </a:r>
           </a:p>
@@ -6856,7 +8163,7 @@
               <a:buChar char="•"/>
             </a:pPr>
             <a:r>
-              <a:rPr lang="es-PE" dirty="0" smtClean="0"/>
+              <a:rPr lang="es-PE" dirty="0"/>
               <a:t>Ciencia normal</a:t>
             </a:r>
           </a:p>
@@ -6939,10 +8246,9 @@
           <a:lstStyle/>
           <a:p>
             <a:r>
-              <a:rPr lang="es-PE" dirty="0" smtClean="0"/>
+              <a:rPr lang="es-PE" dirty="0"/>
               <a:t>John Dewey</a:t>
             </a:r>
-            <a:endParaRPr lang="es-PE" dirty="0"/>
           </a:p>
         </p:txBody>
       </p:sp>
@@ -7139,7 +8445,7 @@
               <a:buChar char="•"/>
             </a:pPr>
             <a:r>
-              <a:rPr lang="es-PE" dirty="0" smtClean="0"/>
+              <a:rPr lang="es-PE" dirty="0"/>
               <a:t>Filósofo y psicólogo</a:t>
             </a:r>
           </a:p>
@@ -7149,16 +8455,8 @@
               <a:buChar char="•"/>
             </a:pPr>
             <a:r>
-              <a:rPr lang="es-PE" dirty="0" smtClean="0"/>
-              <a:t>Pragmatista, psicólogo </a:t>
-            </a:r>
-            <a:r>
               <a:rPr lang="es-PE" dirty="0"/>
-              <a:t>f</a:t>
-            </a:r>
-            <a:r>
-              <a:rPr lang="es-PE" dirty="0" smtClean="0"/>
-              <a:t>uncional, demócrata, defensor de la escuela y la sociedad civil como elementos fundamentales.</a:t>
+              <a:t>Pragmatista, psicólogo funcional, demócrata, defensor de la escuela y la sociedad civil como elementos fundamentales.</a:t>
             </a:r>
           </a:p>
           <a:p>
@@ -7167,7 +8465,7 @@
               <a:buChar char="•"/>
             </a:pPr>
             <a:r>
-              <a:rPr lang="es-PE" dirty="0" smtClean="0"/>
+              <a:rPr lang="es-PE" dirty="0"/>
               <a:t>El ejercicio de la democracia no se resume al voto, sino a una opinión pública crítica e informada.</a:t>
             </a:r>
           </a:p>
@@ -7176,7 +8474,7 @@
               <a:buFont typeface="Arial" panose="020B0604020202020204" pitchFamily="34" charset="0"/>
               <a:buChar char="•"/>
             </a:pPr>
-            <a:endParaRPr lang="es-PE" dirty="0" smtClean="0"/>
+            <a:endParaRPr lang="es-PE" dirty="0"/>
           </a:p>
         </p:txBody>
       </p:sp>
@@ -7233,24 +8531,19 @@
           <a:lstStyle/>
           <a:p>
             <a:r>
-              <a:rPr lang="es-PE" sz="4400" dirty="0" smtClean="0"/>
+              <a:rPr lang="es-PE" sz="4400" dirty="0"/>
               <a:t>¿Qué es? </a:t>
             </a:r>
           </a:p>
           <a:p>
             <a:r>
-              <a:rPr lang="es-PE" sz="4400" dirty="0" smtClean="0">
+              <a:rPr lang="es-PE" sz="4400" dirty="0">
                 <a:solidFill>
                   <a:srgbClr val="FF0000"/>
                 </a:solidFill>
               </a:rPr>
               <a:t>¿Qué no es?</a:t>
             </a:r>
-            <a:endParaRPr lang="es-PE" sz="4400" dirty="0">
-              <a:solidFill>
-                <a:srgbClr val="FF0000"/>
-              </a:solidFill>
-            </a:endParaRPr>
           </a:p>
         </p:txBody>
       </p:sp>
@@ -7325,18 +8618,17 @@
           <a:p>
             <a:pPr algn="ctr"/>
             <a:r>
-              <a:rPr lang="es-PE" dirty="0" smtClean="0"/>
+              <a:rPr lang="es-PE" dirty="0"/>
               <a:t>¿Qué significa “</a:t>
             </a:r>
             <a:r>
-              <a:rPr lang="es-PE" dirty="0" err="1" smtClean="0"/>
+              <a:rPr lang="es-PE" dirty="0" err="1"/>
               <a:t>Falibilismo</a:t>
             </a:r>
             <a:r>
-              <a:rPr lang="es-PE" dirty="0" smtClean="0"/>
+              <a:rPr lang="es-PE" dirty="0"/>
               <a:t>”?</a:t>
             </a:r>
-            <a:endParaRPr lang="es-PE" dirty="0"/>
           </a:p>
         </p:txBody>
       </p:sp>
@@ -7358,33 +8650,33 @@
           <a:lstStyle/>
           <a:p>
             <a:r>
-              <a:rPr lang="es-PE" dirty="0" smtClean="0"/>
+              <a:rPr lang="es-PE" dirty="0"/>
               <a:t>Para entender qué quiere decir “</a:t>
             </a:r>
             <a:r>
-              <a:rPr lang="es-PE" b="1" i="1" u="sng" dirty="0" err="1" smtClean="0"/>
+              <a:rPr lang="es-PE" b="1" i="1" u="sng" dirty="0" err="1"/>
               <a:t>Falibilismo</a:t>
             </a:r>
             <a:r>
-              <a:rPr lang="es-PE" b="1" i="1" u="sng" dirty="0" smtClean="0"/>
+              <a:rPr lang="es-PE" b="1" i="1" u="sng" dirty="0"/>
               <a:t> Pragmático</a:t>
             </a:r>
             <a:r>
-              <a:rPr lang="es-PE" dirty="0" smtClean="0"/>
+              <a:rPr lang="es-PE" dirty="0"/>
               <a:t>”, atendamos al sentido de la primera palabra.</a:t>
             </a:r>
           </a:p>
           <a:p>
             <a:r>
-              <a:rPr lang="es-PE" dirty="0" err="1" smtClean="0"/>
+              <a:rPr lang="es-PE" dirty="0" err="1"/>
               <a:t>Falibilismo</a:t>
             </a:r>
             <a:r>
-              <a:rPr lang="es-PE" dirty="0" smtClean="0"/>
+              <a:rPr lang="es-PE" dirty="0"/>
               <a:t> proviene de </a:t>
             </a:r>
             <a:r>
-              <a:rPr lang="es-PE" dirty="0" smtClean="0">
+              <a:rPr lang="es-PE" dirty="0">
                 <a:solidFill>
                   <a:srgbClr val="FF0000"/>
                 </a:solidFill>
@@ -7392,25 +8684,25 @@
               <a:t>falible</a:t>
             </a:r>
             <a:r>
-              <a:rPr lang="es-PE" dirty="0" smtClean="0"/>
+              <a:rPr lang="es-PE" dirty="0"/>
               <a:t>, es decir, algo que falla o puede fallar.</a:t>
             </a:r>
           </a:p>
           <a:p>
             <a:r>
-              <a:rPr lang="es-PE" dirty="0" smtClean="0"/>
+              <a:rPr lang="es-PE" dirty="0"/>
               <a:t>De modo genérico y panorámico, el </a:t>
             </a:r>
             <a:r>
-              <a:rPr lang="es-PE" dirty="0" err="1" smtClean="0"/>
+              <a:rPr lang="es-PE" dirty="0" err="1"/>
               <a:t>falibilismo</a:t>
             </a:r>
             <a:r>
-              <a:rPr lang="es-PE" dirty="0" smtClean="0"/>
+              <a:rPr lang="es-PE" dirty="0"/>
               <a:t>, en el contexto de las discusiones filosóficas se refiere al postulado que sugiere aproximadamente lo siguiente: </a:t>
             </a:r>
             <a:r>
-              <a:rPr lang="es-PE" sz="3300" dirty="0" smtClean="0">
+              <a:rPr lang="es-PE" sz="3300" dirty="0">
                 <a:solidFill>
                   <a:schemeClr val="accent2"/>
                 </a:solidFill>
@@ -7418,7 +8710,7 @@
               <a:t>“</a:t>
             </a:r>
             <a:r>
-              <a:rPr lang="es-PE" sz="4200" dirty="0" smtClean="0">
+              <a:rPr lang="es-PE" sz="4200" dirty="0">
                 <a:solidFill>
                   <a:schemeClr val="accent2"/>
                 </a:solidFill>
@@ -7426,7 +8718,7 @@
               <a:t>Ninguna creencia puede tener su propia justificación que garantice la veracidad de dicha creencia, es decir, que ninguna creencia es absolutamente certera”</a:t>
             </a:r>
             <a:r>
-              <a:rPr lang="es-PE" sz="3300" dirty="0" smtClean="0">
+              <a:rPr lang="es-PE" sz="3300" dirty="0">
                 <a:solidFill>
                   <a:schemeClr val="accent2"/>
                 </a:solidFill>
@@ -7436,19 +8728,19 @@
           </a:p>
           <a:p>
             <a:r>
-              <a:rPr lang="es-PE" dirty="0" smtClean="0"/>
+              <a:rPr lang="es-PE" dirty="0"/>
               <a:t>En este sentido, el </a:t>
             </a:r>
             <a:r>
-              <a:rPr lang="es-PE" dirty="0" err="1" smtClean="0"/>
+              <a:rPr lang="es-PE" dirty="0" err="1"/>
               <a:t>falibilismo</a:t>
             </a:r>
             <a:r>
-              <a:rPr lang="es-PE" dirty="0" smtClean="0"/>
+              <a:rPr lang="es-PE" dirty="0"/>
               <a:t> parece contraponerse a las </a:t>
             </a:r>
             <a:r>
-              <a:rPr lang="es-PE" dirty="0" smtClean="0">
+              <a:rPr lang="es-PE" dirty="0">
                 <a:solidFill>
                   <a:schemeClr val="accent6"/>
                 </a:solidFill>
@@ -7458,11 +8750,11 @@
           </a:p>
           <a:p>
             <a:r>
-              <a:rPr lang="es-PE" dirty="0" smtClean="0"/>
+              <a:rPr lang="es-PE" dirty="0"/>
               <a:t>Dos autores importantes para el contexto del concepto son Charles Sanders </a:t>
             </a:r>
             <a:r>
-              <a:rPr lang="es-PE" dirty="0" err="1" smtClean="0">
+              <a:rPr lang="es-PE" dirty="0" err="1">
                 <a:solidFill>
                   <a:schemeClr val="accent5"/>
                 </a:solidFill>
@@ -7470,11 +8762,11 @@
               <a:t>Peirce</a:t>
             </a:r>
             <a:r>
-              <a:rPr lang="es-PE" dirty="0" smtClean="0"/>
+              <a:rPr lang="es-PE" dirty="0"/>
               <a:t> y Karl </a:t>
             </a:r>
             <a:r>
-              <a:rPr lang="es-PE" dirty="0" smtClean="0">
+              <a:rPr lang="es-PE" dirty="0">
                 <a:solidFill>
                   <a:schemeClr val="accent5"/>
                 </a:solidFill>
@@ -7482,17 +8774,17 @@
               <a:t>Popper</a:t>
             </a:r>
             <a:r>
-              <a:rPr lang="es-PE" dirty="0" smtClean="0"/>
+              <a:rPr lang="es-PE" dirty="0"/>
               <a:t>.</a:t>
             </a:r>
           </a:p>
           <a:p>
             <a:r>
-              <a:rPr lang="es-PE" dirty="0" smtClean="0"/>
+              <a:rPr lang="es-PE" dirty="0"/>
               <a:t>El </a:t>
             </a:r>
             <a:r>
-              <a:rPr lang="es-PE" dirty="0" err="1" smtClean="0">
+              <a:rPr lang="es-PE" dirty="0" err="1">
                 <a:solidFill>
                   <a:srgbClr val="FF0000"/>
                 </a:solidFill>
@@ -7500,11 +8792,11 @@
               <a:t>Falibilismo</a:t>
             </a:r>
             <a:r>
-              <a:rPr lang="es-PE" dirty="0" smtClean="0"/>
+              <a:rPr lang="es-PE" dirty="0"/>
               <a:t> se aproxima al concepto popperiano de “</a:t>
             </a:r>
             <a:r>
-              <a:rPr lang="es-PE" dirty="0" err="1" smtClean="0">
+              <a:rPr lang="es-PE" dirty="0" err="1">
                 <a:solidFill>
                   <a:srgbClr val="FF0000"/>
                 </a:solidFill>
@@ -7512,10 +8804,9 @@
               <a:t>Falsacionismo</a:t>
             </a:r>
             <a:r>
-              <a:rPr lang="es-PE" dirty="0" smtClean="0"/>
+              <a:rPr lang="es-PE" dirty="0"/>
               <a:t>”</a:t>
             </a:r>
-            <a:endParaRPr lang="es-PE" dirty="0"/>
           </a:p>
         </p:txBody>
       </p:sp>
